--- a/Lecture11/Teaching Presentation.pptx
+++ b/Lecture11/Teaching Presentation.pptx
@@ -25,9 +25,22 @@
     <p:sldId id="301" r:id="rId19"/>
     <p:sldId id="302" r:id="rId20"/>
     <p:sldId id="303" r:id="rId21"/>
-    <p:sldId id="304" r:id="rId22"/>
-    <p:sldId id="305" r:id="rId23"/>
-    <p:sldId id="306" r:id="rId24"/>
+    <p:sldId id="313" r:id="rId22"/>
+    <p:sldId id="308" r:id="rId23"/>
+    <p:sldId id="314" r:id="rId24"/>
+    <p:sldId id="315" r:id="rId25"/>
+    <p:sldId id="309" r:id="rId26"/>
+    <p:sldId id="311" r:id="rId27"/>
+    <p:sldId id="312" r:id="rId28"/>
+    <p:sldId id="304" r:id="rId29"/>
+    <p:sldId id="305" r:id="rId30"/>
+    <p:sldId id="306" r:id="rId31"/>
+    <p:sldId id="316" r:id="rId32"/>
+    <p:sldId id="318" r:id="rId33"/>
+    <p:sldId id="319" r:id="rId34"/>
+    <p:sldId id="320" r:id="rId35"/>
+    <p:sldId id="321" r:id="rId36"/>
+    <p:sldId id="322" r:id="rId37"/>
   </p:sldIdLst>
   <p:sldSz cx="12192000" cy="6858000"/>
   <p:notesSz cx="6858000" cy="9144000"/>
@@ -320,7 +333,7 @@
           <a:p>
             <a:fld id="{1D0B46A9-FA61-44B1-8511-267E0DE57512}" type="datetimeFigureOut">
               <a:rPr lang="en-IN" smtClean="0"/>
-              <a:t>27-04-2020</a:t>
+              <a:t>30-04-2020</a:t>
             </a:fld>
             <a:endParaRPr lang="en-IN"/>
           </a:p>
@@ -595,7 +608,7 @@
           <a:p>
             <a:fld id="{1D0B46A9-FA61-44B1-8511-267E0DE57512}" type="datetimeFigureOut">
               <a:rPr lang="en-IN" smtClean="0"/>
-              <a:t>27-04-2020</a:t>
+              <a:t>30-04-2020</a:t>
             </a:fld>
             <a:endParaRPr lang="en-IN"/>
           </a:p>
@@ -789,7 +802,7 @@
           <a:p>
             <a:fld id="{1D0B46A9-FA61-44B1-8511-267E0DE57512}" type="datetimeFigureOut">
               <a:rPr lang="en-IN" smtClean="0"/>
-              <a:t>27-04-2020</a:t>
+              <a:t>30-04-2020</a:t>
             </a:fld>
             <a:endParaRPr lang="en-IN"/>
           </a:p>
@@ -1062,7 +1075,7 @@
           <a:p>
             <a:fld id="{1D0B46A9-FA61-44B1-8511-267E0DE57512}" type="datetimeFigureOut">
               <a:rPr lang="en-IN" smtClean="0"/>
-              <a:t>27-04-2020</a:t>
+              <a:t>30-04-2020</a:t>
             </a:fld>
             <a:endParaRPr lang="en-IN"/>
           </a:p>
@@ -1403,7 +1416,7 @@
           <a:p>
             <a:fld id="{1D0B46A9-FA61-44B1-8511-267E0DE57512}" type="datetimeFigureOut">
               <a:rPr lang="en-IN" smtClean="0"/>
-              <a:t>27-04-2020</a:t>
+              <a:t>30-04-2020</a:t>
             </a:fld>
             <a:endParaRPr lang="en-IN"/>
           </a:p>
@@ -2026,7 +2039,7 @@
           <a:p>
             <a:fld id="{1D0B46A9-FA61-44B1-8511-267E0DE57512}" type="datetimeFigureOut">
               <a:rPr lang="en-IN" smtClean="0"/>
-              <a:t>27-04-2020</a:t>
+              <a:t>30-04-2020</a:t>
             </a:fld>
             <a:endParaRPr lang="en-IN"/>
           </a:p>
@@ -2886,7 +2899,7 @@
           <a:p>
             <a:fld id="{1D0B46A9-FA61-44B1-8511-267E0DE57512}" type="datetimeFigureOut">
               <a:rPr lang="en-IN" smtClean="0"/>
-              <a:t>27-04-2020</a:t>
+              <a:t>30-04-2020</a:t>
             </a:fld>
             <a:endParaRPr lang="en-IN"/>
           </a:p>
@@ -3056,7 +3069,7 @@
           <a:p>
             <a:fld id="{1D0B46A9-FA61-44B1-8511-267E0DE57512}" type="datetimeFigureOut">
               <a:rPr lang="en-IN" smtClean="0"/>
-              <a:t>27-04-2020</a:t>
+              <a:t>30-04-2020</a:t>
             </a:fld>
             <a:endParaRPr lang="en-IN"/>
           </a:p>
@@ -3236,7 +3249,7 @@
           <a:p>
             <a:fld id="{1D0B46A9-FA61-44B1-8511-267E0DE57512}" type="datetimeFigureOut">
               <a:rPr lang="en-IN" smtClean="0"/>
-              <a:t>27-04-2020</a:t>
+              <a:t>30-04-2020</a:t>
             </a:fld>
             <a:endParaRPr lang="en-IN"/>
           </a:p>
@@ -3406,7 +3419,7 @@
           <a:p>
             <a:fld id="{1D0B46A9-FA61-44B1-8511-267E0DE57512}" type="datetimeFigureOut">
               <a:rPr lang="en-IN" smtClean="0"/>
-              <a:t>27-04-2020</a:t>
+              <a:t>30-04-2020</a:t>
             </a:fld>
             <a:endParaRPr lang="en-IN"/>
           </a:p>
@@ -3653,7 +3666,7 @@
           <a:p>
             <a:fld id="{1D0B46A9-FA61-44B1-8511-267E0DE57512}" type="datetimeFigureOut">
               <a:rPr lang="en-IN" smtClean="0"/>
-              <a:t>27-04-2020</a:t>
+              <a:t>30-04-2020</a:t>
             </a:fld>
             <a:endParaRPr lang="en-IN"/>
           </a:p>
@@ -3945,7 +3958,7 @@
           <a:p>
             <a:fld id="{1D0B46A9-FA61-44B1-8511-267E0DE57512}" type="datetimeFigureOut">
               <a:rPr lang="en-IN" smtClean="0"/>
-              <a:t>27-04-2020</a:t>
+              <a:t>30-04-2020</a:t>
             </a:fld>
             <a:endParaRPr lang="en-IN"/>
           </a:p>
@@ -4389,7 +4402,7 @@
           <a:p>
             <a:fld id="{1D0B46A9-FA61-44B1-8511-267E0DE57512}" type="datetimeFigureOut">
               <a:rPr lang="en-IN" smtClean="0"/>
-              <a:t>27-04-2020</a:t>
+              <a:t>30-04-2020</a:t>
             </a:fld>
             <a:endParaRPr lang="en-IN"/>
           </a:p>
@@ -4507,7 +4520,7 @@
           <a:p>
             <a:fld id="{1D0B46A9-FA61-44B1-8511-267E0DE57512}" type="datetimeFigureOut">
               <a:rPr lang="en-IN" smtClean="0"/>
-              <a:t>27-04-2020</a:t>
+              <a:t>30-04-2020</a:t>
             </a:fld>
             <a:endParaRPr lang="en-IN"/>
           </a:p>
@@ -4602,7 +4615,7 @@
           <a:p>
             <a:fld id="{1D0B46A9-FA61-44B1-8511-267E0DE57512}" type="datetimeFigureOut">
               <a:rPr lang="en-IN" smtClean="0"/>
-              <a:t>27-04-2020</a:t>
+              <a:t>30-04-2020</a:t>
             </a:fld>
             <a:endParaRPr lang="en-IN"/>
           </a:p>
@@ -4881,7 +4894,7 @@
           <a:p>
             <a:fld id="{1D0B46A9-FA61-44B1-8511-267E0DE57512}" type="datetimeFigureOut">
               <a:rPr lang="en-IN" smtClean="0"/>
-              <a:t>27-04-2020</a:t>
+              <a:t>30-04-2020</a:t>
             </a:fld>
             <a:endParaRPr lang="en-IN"/>
           </a:p>
@@ -5156,7 +5169,7 @@
           <a:p>
             <a:fld id="{1D0B46A9-FA61-44B1-8511-267E0DE57512}" type="datetimeFigureOut">
               <a:rPr lang="en-IN" smtClean="0"/>
-              <a:t>27-04-2020</a:t>
+              <a:t>30-04-2020</a:t>
             </a:fld>
             <a:endParaRPr lang="en-IN"/>
           </a:p>
@@ -5585,7 +5598,7 @@
           <a:p>
             <a:fld id="{1D0B46A9-FA61-44B1-8511-267E0DE57512}" type="datetimeFigureOut">
               <a:rPr lang="en-IN" smtClean="0"/>
-              <a:t>27-04-2020</a:t>
+              <a:t>30-04-2020</a:t>
             </a:fld>
             <a:endParaRPr lang="en-IN"/>
           </a:p>
@@ -8474,7 +8487,11 @@
             </a:br>
             <a:r>
               <a:rPr lang="en-US" dirty="0" smtClean="0"/>
-              <a:t>BIG OH NOTATION - exercises</a:t>
+              <a:t>BIG OH NOTATION - </a:t>
+            </a:r>
+            <a:r>
+              <a:rPr lang="en-US" sz="4400" dirty="0"/>
+              <a:t>Linear Search</a:t>
             </a:r>
             <a:endParaRPr lang="en-IN" dirty="0"/>
           </a:p>
@@ -8729,25 +8746,40 @@
             </a:lvl9pPr>
           </a:lstStyle>
           <a:p>
-            <a:r>
-              <a:rPr lang="en-US" sz="2800" dirty="0" smtClean="0"/>
-              <a:t>Linear Search</a:t>
-            </a:r>
-          </a:p>
-          <a:p>
-            <a:r>
-              <a:rPr lang="en-US" sz="2800" dirty="0" smtClean="0"/>
-              <a:t>Binary Search</a:t>
-            </a:r>
-          </a:p>
-          <a:p>
-            <a:r>
-              <a:rPr lang="en-US" sz="2800" dirty="0" smtClean="0"/>
-              <a:t>What are the worst case and best case timings?</a:t>
-            </a:r>
+            <a:endParaRPr lang="en-US" sz="2800" dirty="0" smtClean="0"/>
           </a:p>
         </p:txBody>
       </p:sp>
+      <p:pic>
+        <p:nvPicPr>
+          <p:cNvPr id="7" name="Picture 6"/>
+          <p:cNvPicPr>
+            <a:picLocks noChangeAspect="1"/>
+          </p:cNvPicPr>
+          <p:nvPr/>
+        </p:nvPicPr>
+        <p:blipFill>
+          <a:blip r:embed="rId2">
+            <a:extLst>
+              <a:ext uri="{28A0092B-C50C-407E-A947-70E740481C1C}">
+                <a14:useLocalDpi xmlns:a14="http://schemas.microsoft.com/office/drawing/2010/main" val="0"/>
+              </a:ext>
+            </a:extLst>
+          </a:blip>
+          <a:stretch>
+            <a:fillRect/>
+          </a:stretch>
+        </p:blipFill>
+        <p:spPr>
+          <a:xfrm>
+            <a:off x="1906874" y="2238068"/>
+            <a:ext cx="7680471" cy="2586017"/>
+          </a:xfrm>
+          <a:prstGeom prst="rect">
+            <a:avLst/>
+          </a:prstGeom>
+        </p:spPr>
+      </p:pic>
     </p:spTree>
     <p:extLst>
       <p:ext uri="{BB962C8B-B14F-4D97-AF65-F5344CB8AC3E}">
@@ -8814,7 +8846,11 @@
             </a:br>
             <a:r>
               <a:rPr lang="en-US" dirty="0" smtClean="0"/>
-              <a:t>BIG OH NOTATION - exercises</a:t>
+              <a:t>BIG OH NOTATION - </a:t>
+            </a:r>
+            <a:r>
+              <a:rPr lang="en-US" sz="4400" dirty="0"/>
+              <a:t>Linear Search</a:t>
             </a:r>
             <a:endParaRPr lang="en-IN" dirty="0"/>
           </a:p>
@@ -9069,47 +9105,489 @@
             </a:lvl9pPr>
           </a:lstStyle>
           <a:p>
-            <a:r>
-              <a:rPr lang="en-US" sz="2800" dirty="0" smtClean="0"/>
-              <a:t>TOWER OF HANOI</a:t>
-            </a:r>
+            <a:endParaRPr lang="en-US" sz="2800" dirty="0" smtClean="0"/>
           </a:p>
         </p:txBody>
       </p:sp>
-      <p:pic>
-        <p:nvPicPr>
-          <p:cNvPr id="3" name="Picture 2"/>
-          <p:cNvPicPr>
-            <a:picLocks noChangeAspect="1"/>
-          </p:cNvPicPr>
-          <p:nvPr/>
-        </p:nvPicPr>
-        <p:blipFill>
-          <a:blip r:embed="rId2">
-            <a:extLst>
-              <a:ext uri="{28A0092B-C50C-407E-A947-70E740481C1C}">
-                <a14:useLocalDpi xmlns:a14="http://schemas.microsoft.com/office/drawing/2010/main" val="0"/>
-              </a:ext>
-            </a:extLst>
-          </a:blip>
-          <a:stretch>
-            <a:fillRect/>
-          </a:stretch>
-        </p:blipFill>
+      <p:sp>
+        <p:nvSpPr>
+          <p:cNvPr id="4" name="Content Placeholder 2"/>
+          <p:cNvSpPr>
+            <a:spLocks noGrp="1"/>
+          </p:cNvSpPr>
+          <p:nvPr>
+            <p:ph idx="1"/>
+          </p:nvPr>
+        </p:nvSpPr>
         <p:spPr>
           <a:xfrm>
-            <a:off x="923203" y="2734642"/>
-            <a:ext cx="8816542" cy="3713427"/>
+            <a:off x="452149" y="2175165"/>
+            <a:ext cx="4493924" cy="3086710"/>
+          </a:xfrm>
+          <a:solidFill>
+            <a:srgbClr val="002060"/>
+          </a:solidFill>
+        </p:spPr>
+        <p:txBody>
+          <a:bodyPr>
+            <a:noAutofit/>
+          </a:bodyPr>
+          <a:lstStyle/>
+          <a:p>
+            <a:pPr marL="0" indent="0">
+              <a:buNone/>
+            </a:pPr>
+            <a:endParaRPr lang="en-US" sz="2400" b="1" dirty="0" smtClean="0">
+              <a:solidFill>
+                <a:srgbClr val="569CD6"/>
+              </a:solidFill>
+              <a:latin typeface="Consolas" panose="020B0609020204030204" pitchFamily="49" charset="0"/>
+            </a:endParaRPr>
+          </a:p>
+          <a:p>
+            <a:pPr marL="0" indent="0">
+              <a:buNone/>
+            </a:pPr>
+            <a:r>
+              <a:rPr lang="en-US" sz="2400" b="1" dirty="0" err="1" smtClean="0">
+                <a:solidFill>
+                  <a:srgbClr val="569CD6"/>
+                </a:solidFill>
+                <a:latin typeface="Consolas" panose="020B0609020204030204" pitchFamily="49" charset="0"/>
+              </a:rPr>
+              <a:t>def</a:t>
+            </a:r>
+            <a:r>
+              <a:rPr lang="en-US" sz="2400" b="1" dirty="0">
+                <a:solidFill>
+                  <a:srgbClr val="D4D4D4"/>
+                </a:solidFill>
+                <a:latin typeface="Consolas" panose="020B0609020204030204" pitchFamily="49" charset="0"/>
+              </a:rPr>
+              <a:t> search(</a:t>
+            </a:r>
+            <a:r>
+              <a:rPr lang="en-US" sz="2400" b="1" dirty="0" err="1">
+                <a:solidFill>
+                  <a:srgbClr val="D4D4D4"/>
+                </a:solidFill>
+                <a:latin typeface="Consolas" panose="020B0609020204030204" pitchFamily="49" charset="0"/>
+              </a:rPr>
+              <a:t>arr</a:t>
+            </a:r>
+            <a:r>
+              <a:rPr lang="en-US" sz="2400" b="1" dirty="0">
+                <a:solidFill>
+                  <a:srgbClr val="D4D4D4"/>
+                </a:solidFill>
+                <a:latin typeface="Consolas" panose="020B0609020204030204" pitchFamily="49" charset="0"/>
+              </a:rPr>
+              <a:t>, n, x): </a:t>
+            </a:r>
+          </a:p>
+          <a:p>
+            <a:pPr marL="0" indent="0">
+              <a:buNone/>
+            </a:pPr>
+            <a:r>
+              <a:rPr lang="en-US" sz="2400" b="1" dirty="0">
+                <a:solidFill>
+                  <a:srgbClr val="D4D4D4"/>
+                </a:solidFill>
+                <a:latin typeface="Consolas" panose="020B0609020204030204" pitchFamily="49" charset="0"/>
+              </a:rPr>
+              <a:t>  </a:t>
+            </a:r>
+            <a:r>
+              <a:rPr lang="en-US" sz="2400" b="1" dirty="0">
+                <a:solidFill>
+                  <a:srgbClr val="569CD6"/>
+                </a:solidFill>
+                <a:latin typeface="Consolas" panose="020B0609020204030204" pitchFamily="49" charset="0"/>
+              </a:rPr>
+              <a:t>for</a:t>
+            </a:r>
+            <a:r>
+              <a:rPr lang="en-US" sz="2400" b="1" dirty="0">
+                <a:solidFill>
+                  <a:srgbClr val="D4D4D4"/>
+                </a:solidFill>
+                <a:latin typeface="Consolas" panose="020B0609020204030204" pitchFamily="49" charset="0"/>
+              </a:rPr>
+              <a:t> </a:t>
+            </a:r>
+            <a:r>
+              <a:rPr lang="en-US" sz="2400" b="1" dirty="0" err="1">
+                <a:solidFill>
+                  <a:srgbClr val="D4D4D4"/>
+                </a:solidFill>
+                <a:latin typeface="Consolas" panose="020B0609020204030204" pitchFamily="49" charset="0"/>
+              </a:rPr>
+              <a:t>i</a:t>
+            </a:r>
+            <a:r>
+              <a:rPr lang="en-US" sz="2400" b="1" dirty="0">
+                <a:solidFill>
+                  <a:srgbClr val="D4D4D4"/>
+                </a:solidFill>
+                <a:latin typeface="Consolas" panose="020B0609020204030204" pitchFamily="49" charset="0"/>
+              </a:rPr>
+              <a:t> </a:t>
+            </a:r>
+            <a:r>
+              <a:rPr lang="en-US" sz="2400" b="1" dirty="0">
+                <a:solidFill>
+                  <a:srgbClr val="569CD6"/>
+                </a:solidFill>
+                <a:latin typeface="Consolas" panose="020B0609020204030204" pitchFamily="49" charset="0"/>
+              </a:rPr>
+              <a:t>in</a:t>
+            </a:r>
+            <a:r>
+              <a:rPr lang="en-US" sz="2400" b="1" dirty="0">
+                <a:solidFill>
+                  <a:srgbClr val="D4D4D4"/>
+                </a:solidFill>
+                <a:latin typeface="Consolas" panose="020B0609020204030204" pitchFamily="49" charset="0"/>
+              </a:rPr>
+              <a:t> range (</a:t>
+            </a:r>
+            <a:r>
+              <a:rPr lang="en-US" sz="2400" b="1" dirty="0">
+                <a:solidFill>
+                  <a:srgbClr val="B5CEA8"/>
+                </a:solidFill>
+                <a:latin typeface="Consolas" panose="020B0609020204030204" pitchFamily="49" charset="0"/>
+              </a:rPr>
+              <a:t>0</a:t>
+            </a:r>
+            <a:r>
+              <a:rPr lang="en-US" sz="2400" b="1" dirty="0">
+                <a:solidFill>
+                  <a:srgbClr val="D4D4D4"/>
+                </a:solidFill>
+                <a:latin typeface="Consolas" panose="020B0609020204030204" pitchFamily="49" charset="0"/>
+              </a:rPr>
+              <a:t>, n): </a:t>
+            </a:r>
+          </a:p>
+          <a:p>
+            <a:pPr marL="0" indent="0">
+              <a:buNone/>
+            </a:pPr>
+            <a:r>
+              <a:rPr lang="en-US" sz="2400" b="1" dirty="0">
+                <a:solidFill>
+                  <a:srgbClr val="D4D4D4"/>
+                </a:solidFill>
+                <a:latin typeface="Consolas" panose="020B0609020204030204" pitchFamily="49" charset="0"/>
+              </a:rPr>
+              <a:t>    </a:t>
+            </a:r>
+            <a:r>
+              <a:rPr lang="en-US" sz="2400" b="1" dirty="0">
+                <a:solidFill>
+                  <a:srgbClr val="569CD6"/>
+                </a:solidFill>
+                <a:latin typeface="Consolas" panose="020B0609020204030204" pitchFamily="49" charset="0"/>
+              </a:rPr>
+              <a:t>if</a:t>
+            </a:r>
+            <a:r>
+              <a:rPr lang="en-US" sz="2400" b="1" dirty="0">
+                <a:solidFill>
+                  <a:srgbClr val="D4D4D4"/>
+                </a:solidFill>
+                <a:latin typeface="Consolas" panose="020B0609020204030204" pitchFamily="49" charset="0"/>
+              </a:rPr>
+              <a:t> (</a:t>
+            </a:r>
+            <a:r>
+              <a:rPr lang="en-US" sz="2400" b="1" dirty="0" err="1">
+                <a:solidFill>
+                  <a:srgbClr val="D4D4D4"/>
+                </a:solidFill>
+                <a:latin typeface="Consolas" panose="020B0609020204030204" pitchFamily="49" charset="0"/>
+              </a:rPr>
+              <a:t>arr</a:t>
+            </a:r>
+            <a:r>
+              <a:rPr lang="en-US" sz="2400" b="1" dirty="0">
+                <a:solidFill>
+                  <a:srgbClr val="D4D4D4"/>
+                </a:solidFill>
+                <a:latin typeface="Consolas" panose="020B0609020204030204" pitchFamily="49" charset="0"/>
+              </a:rPr>
+              <a:t>[</a:t>
+            </a:r>
+            <a:r>
+              <a:rPr lang="en-US" sz="2400" b="1" dirty="0" err="1">
+                <a:solidFill>
+                  <a:srgbClr val="D4D4D4"/>
+                </a:solidFill>
+                <a:latin typeface="Consolas" panose="020B0609020204030204" pitchFamily="49" charset="0"/>
+              </a:rPr>
+              <a:t>i</a:t>
+            </a:r>
+            <a:r>
+              <a:rPr lang="en-US" sz="2400" b="1" dirty="0">
+                <a:solidFill>
+                  <a:srgbClr val="D4D4D4"/>
+                </a:solidFill>
+                <a:latin typeface="Consolas" panose="020B0609020204030204" pitchFamily="49" charset="0"/>
+              </a:rPr>
+              <a:t>] == x): </a:t>
+            </a:r>
+          </a:p>
+          <a:p>
+            <a:pPr marL="0" indent="0">
+              <a:buNone/>
+            </a:pPr>
+            <a:r>
+              <a:rPr lang="en-US" sz="2400" b="1" dirty="0">
+                <a:solidFill>
+                  <a:srgbClr val="D4D4D4"/>
+                </a:solidFill>
+                <a:latin typeface="Consolas" panose="020B0609020204030204" pitchFamily="49" charset="0"/>
+              </a:rPr>
+              <a:t>        </a:t>
+            </a:r>
+            <a:r>
+              <a:rPr lang="en-US" sz="2400" b="1" dirty="0">
+                <a:solidFill>
+                  <a:srgbClr val="569CD6"/>
+                </a:solidFill>
+                <a:latin typeface="Consolas" panose="020B0609020204030204" pitchFamily="49" charset="0"/>
+              </a:rPr>
+              <a:t>return</a:t>
+            </a:r>
+            <a:r>
+              <a:rPr lang="en-US" sz="2400" b="1" dirty="0">
+                <a:solidFill>
+                  <a:srgbClr val="D4D4D4"/>
+                </a:solidFill>
+                <a:latin typeface="Consolas" panose="020B0609020204030204" pitchFamily="49" charset="0"/>
+              </a:rPr>
+              <a:t> </a:t>
+            </a:r>
+            <a:r>
+              <a:rPr lang="en-US" sz="2400" b="1" dirty="0" err="1">
+                <a:solidFill>
+                  <a:srgbClr val="D4D4D4"/>
+                </a:solidFill>
+                <a:latin typeface="Consolas" panose="020B0609020204030204" pitchFamily="49" charset="0"/>
+              </a:rPr>
+              <a:t>i</a:t>
+            </a:r>
+            <a:endParaRPr lang="en-US" sz="2400" b="1" dirty="0">
+              <a:solidFill>
+                <a:srgbClr val="D4D4D4"/>
+              </a:solidFill>
+              <a:latin typeface="Consolas" panose="020B0609020204030204" pitchFamily="49" charset="0"/>
+            </a:endParaRPr>
+          </a:p>
+          <a:p>
+            <a:pPr marL="0" indent="0">
+              <a:buNone/>
+            </a:pPr>
+            <a:r>
+              <a:rPr lang="en-US" sz="2400" b="1" dirty="0">
+                <a:solidFill>
+                  <a:srgbClr val="D4D4D4"/>
+                </a:solidFill>
+                <a:latin typeface="Consolas" panose="020B0609020204030204" pitchFamily="49" charset="0"/>
+              </a:rPr>
+              <a:t>    </a:t>
+            </a:r>
+            <a:r>
+              <a:rPr lang="en-US" sz="2400" b="1" dirty="0">
+                <a:solidFill>
+                  <a:srgbClr val="569CD6"/>
+                </a:solidFill>
+                <a:latin typeface="Consolas" panose="020B0609020204030204" pitchFamily="49" charset="0"/>
+              </a:rPr>
+              <a:t>return</a:t>
+            </a:r>
+            <a:r>
+              <a:rPr lang="en-US" sz="2400" b="1" dirty="0">
+                <a:solidFill>
+                  <a:srgbClr val="D4D4D4"/>
+                </a:solidFill>
+                <a:latin typeface="Consolas" panose="020B0609020204030204" pitchFamily="49" charset="0"/>
+              </a:rPr>
+              <a:t> -</a:t>
+            </a:r>
+            <a:r>
+              <a:rPr lang="en-US" sz="2400" b="1" dirty="0">
+                <a:solidFill>
+                  <a:srgbClr val="B5CEA8"/>
+                </a:solidFill>
+                <a:latin typeface="Consolas" panose="020B0609020204030204" pitchFamily="49" charset="0"/>
+              </a:rPr>
+              <a:t>1</a:t>
+            </a:r>
+            <a:endParaRPr lang="en-US" sz="2400" b="1" dirty="0">
+              <a:solidFill>
+                <a:srgbClr val="D4D4D4"/>
+              </a:solidFill>
+              <a:latin typeface="Consolas" panose="020B0609020204030204" pitchFamily="49" charset="0"/>
+            </a:endParaRPr>
+          </a:p>
+          <a:p>
+            <a:pPr marL="0" indent="0">
+              <a:buNone/>
+            </a:pPr>
+            <a:r>
+              <a:rPr lang="en-IN" sz="2400" b="1" dirty="0">
+                <a:solidFill>
+                  <a:srgbClr val="FFFF00"/>
+                </a:solidFill>
+              </a:rPr>
+              <a:t/>
+            </a:r>
+            <a:br>
+              <a:rPr lang="en-IN" sz="2400" b="1" dirty="0">
+                <a:solidFill>
+                  <a:srgbClr val="FFFF00"/>
+                </a:solidFill>
+              </a:rPr>
+            </a:br>
+            <a:endParaRPr lang="en-US" sz="2400" b="1" dirty="0" smtClean="0">
+              <a:solidFill>
+                <a:srgbClr val="FFFF00"/>
+              </a:solidFill>
+            </a:endParaRPr>
+          </a:p>
+        </p:txBody>
+      </p:sp>
+      <p:sp>
+        <p:nvSpPr>
+          <p:cNvPr id="6" name="Rectangle 5"/>
+          <p:cNvSpPr/>
+          <p:nvPr/>
+        </p:nvSpPr>
+        <p:spPr>
+          <a:xfrm>
+            <a:off x="6303819" y="2169457"/>
+            <a:ext cx="5500255" cy="3092417"/>
           </a:xfrm>
           <a:prstGeom prst="rect">
             <a:avLst/>
           </a:prstGeom>
+          <a:solidFill>
+            <a:schemeClr val="accent3">
+              <a:lumMod val="60000"/>
+              <a:lumOff val="40000"/>
+            </a:schemeClr>
+          </a:solidFill>
         </p:spPr>
-      </p:pic>
+        <p:style>
+          <a:lnRef idx="2">
+            <a:schemeClr val="accent1">
+              <a:shade val="50000"/>
+            </a:schemeClr>
+          </a:lnRef>
+          <a:fillRef idx="1">
+            <a:schemeClr val="accent1"/>
+          </a:fillRef>
+          <a:effectRef idx="0">
+            <a:schemeClr val="accent1"/>
+          </a:effectRef>
+          <a:fontRef idx="minor">
+            <a:schemeClr val="lt1"/>
+          </a:fontRef>
+        </p:style>
+        <p:txBody>
+          <a:bodyPr rtlCol="0" anchor="t"/>
+          <a:lstStyle/>
+          <a:p>
+            <a:r>
+              <a:rPr lang="en-US" sz="2800" dirty="0" smtClean="0">
+                <a:solidFill>
+                  <a:schemeClr val="bg1">
+                    <a:lumMod val="95000"/>
+                    <a:lumOff val="5000"/>
+                  </a:schemeClr>
+                </a:solidFill>
+              </a:rPr>
+              <a:t>Time:</a:t>
+            </a:r>
+            <a:r>
+              <a:rPr lang="en-US" sz="2800" dirty="0">
+                <a:solidFill>
+                  <a:schemeClr val="bg1">
+                    <a:lumMod val="95000"/>
+                    <a:lumOff val="5000"/>
+                  </a:schemeClr>
+                </a:solidFill>
+              </a:rPr>
+              <a:t> </a:t>
+            </a:r>
+          </a:p>
+          <a:p>
+            <a:endParaRPr lang="en-US" sz="2800" dirty="0" smtClean="0">
+              <a:solidFill>
+                <a:schemeClr val="bg1">
+                  <a:lumMod val="95000"/>
+                  <a:lumOff val="5000"/>
+                </a:schemeClr>
+              </a:solidFill>
+            </a:endParaRPr>
+          </a:p>
+          <a:p>
+            <a:r>
+              <a:rPr lang="en-US" sz="2800" dirty="0" err="1" smtClean="0">
+                <a:solidFill>
+                  <a:schemeClr val="bg1">
+                    <a:lumMod val="95000"/>
+                    <a:lumOff val="5000"/>
+                  </a:schemeClr>
+                </a:solidFill>
+              </a:rPr>
+              <a:t>T_loop</a:t>
+            </a:r>
+            <a:r>
+              <a:rPr lang="en-US" sz="2800" dirty="0" smtClean="0">
+                <a:solidFill>
+                  <a:schemeClr val="bg1">
+                    <a:lumMod val="95000"/>
+                    <a:lumOff val="5000"/>
+                  </a:schemeClr>
+                </a:solidFill>
+              </a:rPr>
+              <a:t> * n</a:t>
+            </a:r>
+          </a:p>
+          <a:p>
+            <a:r>
+              <a:rPr lang="en-US" sz="2800" dirty="0" err="1" smtClean="0">
+                <a:solidFill>
+                  <a:schemeClr val="bg1">
+                    <a:lumMod val="95000"/>
+                    <a:lumOff val="5000"/>
+                  </a:schemeClr>
+                </a:solidFill>
+              </a:rPr>
+              <a:t>T_comp</a:t>
+            </a:r>
+            <a:r>
+              <a:rPr lang="en-US" sz="2800" dirty="0" smtClean="0">
+                <a:solidFill>
+                  <a:schemeClr val="bg1">
+                    <a:lumMod val="95000"/>
+                    <a:lumOff val="5000"/>
+                  </a:schemeClr>
+                </a:solidFill>
+              </a:rPr>
+              <a:t> * n</a:t>
+            </a:r>
+          </a:p>
+        </p:txBody>
+      </p:sp>
     </p:spTree>
     <p:extLst>
       <p:ext uri="{BB962C8B-B14F-4D97-AF65-F5344CB8AC3E}">
-        <p14:creationId xmlns:p14="http://schemas.microsoft.com/office/powerpoint/2010/main" val="1409436969"/>
+        <p14:creationId xmlns:p14="http://schemas.microsoft.com/office/powerpoint/2010/main" val="3617510092"/>
       </p:ext>
     </p:extLst>
   </p:cSld>
@@ -9172,6 +9650,5954 @@
             </a:br>
             <a:r>
               <a:rPr lang="en-US" dirty="0" smtClean="0"/>
+              <a:t>BIG OH NOTATION - </a:t>
+            </a:r>
+            <a:r>
+              <a:rPr lang="en-US" sz="4400" dirty="0"/>
+              <a:t>Linear Search</a:t>
+            </a:r>
+            <a:endParaRPr lang="en-IN" dirty="0"/>
+          </a:p>
+        </p:txBody>
+      </p:sp>
+      <p:sp>
+        <p:nvSpPr>
+          <p:cNvPr id="5" name="Content Placeholder 4"/>
+          <p:cNvSpPr txBox="1">
+            <a:spLocks/>
+          </p:cNvSpPr>
+          <p:nvPr/>
+        </p:nvSpPr>
+        <p:spPr>
+          <a:xfrm>
+            <a:off x="452149" y="2052918"/>
+            <a:ext cx="8946541" cy="4195481"/>
+          </a:xfrm>
+          <a:prstGeom prst="rect">
+            <a:avLst/>
+          </a:prstGeom>
+        </p:spPr>
+        <p:txBody>
+          <a:bodyPr vert="horz" lIns="91440" tIns="45720" rIns="91440" bIns="45720" rtlCol="0">
+            <a:normAutofit/>
+          </a:bodyPr>
+          <a:lstStyle>
+            <a:lvl1pPr marL="342900" indent="-342900" algn="l" defTabSz="457200" rtl="0" eaLnBrk="1" latinLnBrk="0" hangingPunct="1">
+              <a:spcBef>
+                <a:spcPts val="1000"/>
+              </a:spcBef>
+              <a:spcAft>
+                <a:spcPts val="0"/>
+              </a:spcAft>
+              <a:buClr>
+                <a:schemeClr val="bg2">
+                  <a:lumMod val="40000"/>
+                  <a:lumOff val="60000"/>
+                </a:schemeClr>
+              </a:buClr>
+              <a:buSzPct val="80000"/>
+              <a:buFont typeface="Wingdings 3" charset="2"/>
+              <a:buChar char=""/>
+              <a:defRPr sz="2000" b="0" i="0" kern="1200">
+                <a:solidFill>
+                  <a:schemeClr val="tx1"/>
+                </a:solidFill>
+                <a:latin typeface="+mj-lt"/>
+                <a:ea typeface="+mj-ea"/>
+                <a:cs typeface="+mj-cs"/>
+              </a:defRPr>
+            </a:lvl1pPr>
+            <a:lvl2pPr marL="742950" indent="-285750" algn="l" defTabSz="457200" rtl="0" eaLnBrk="1" latinLnBrk="0" hangingPunct="1">
+              <a:spcBef>
+                <a:spcPts val="1000"/>
+              </a:spcBef>
+              <a:spcAft>
+                <a:spcPts val="0"/>
+              </a:spcAft>
+              <a:buClr>
+                <a:schemeClr val="bg2">
+                  <a:lumMod val="40000"/>
+                  <a:lumOff val="60000"/>
+                </a:schemeClr>
+              </a:buClr>
+              <a:buSzPct val="80000"/>
+              <a:buFont typeface="Wingdings 3" charset="2"/>
+              <a:buChar char=""/>
+              <a:defRPr sz="1800" b="0" i="0" kern="1200">
+                <a:solidFill>
+                  <a:schemeClr val="tx1"/>
+                </a:solidFill>
+                <a:latin typeface="+mj-lt"/>
+                <a:ea typeface="+mj-ea"/>
+                <a:cs typeface="+mj-cs"/>
+              </a:defRPr>
+            </a:lvl2pPr>
+            <a:lvl3pPr marL="1143000" indent="-228600" algn="l" defTabSz="457200" rtl="0" eaLnBrk="1" latinLnBrk="0" hangingPunct="1">
+              <a:spcBef>
+                <a:spcPts val="1000"/>
+              </a:spcBef>
+              <a:spcAft>
+                <a:spcPts val="0"/>
+              </a:spcAft>
+              <a:buClr>
+                <a:schemeClr val="bg2">
+                  <a:lumMod val="40000"/>
+                  <a:lumOff val="60000"/>
+                </a:schemeClr>
+              </a:buClr>
+              <a:buSzPct val="80000"/>
+              <a:buFont typeface="Wingdings 3" charset="2"/>
+              <a:buChar char=""/>
+              <a:defRPr sz="1600" b="0" i="0" kern="1200">
+                <a:solidFill>
+                  <a:schemeClr val="tx1"/>
+                </a:solidFill>
+                <a:latin typeface="+mj-lt"/>
+                <a:ea typeface="+mj-ea"/>
+                <a:cs typeface="+mj-cs"/>
+              </a:defRPr>
+            </a:lvl3pPr>
+            <a:lvl4pPr marL="1600200" indent="-228600" algn="l" defTabSz="457200" rtl="0" eaLnBrk="1" latinLnBrk="0" hangingPunct="1">
+              <a:spcBef>
+                <a:spcPts val="1000"/>
+              </a:spcBef>
+              <a:spcAft>
+                <a:spcPts val="0"/>
+              </a:spcAft>
+              <a:buClr>
+                <a:schemeClr val="bg2">
+                  <a:lumMod val="40000"/>
+                  <a:lumOff val="60000"/>
+                </a:schemeClr>
+              </a:buClr>
+              <a:buSzPct val="80000"/>
+              <a:buFont typeface="Wingdings 3" charset="2"/>
+              <a:buChar char=""/>
+              <a:defRPr sz="1400" b="0" i="0" kern="1200">
+                <a:solidFill>
+                  <a:schemeClr val="tx1"/>
+                </a:solidFill>
+                <a:latin typeface="+mj-lt"/>
+                <a:ea typeface="+mj-ea"/>
+                <a:cs typeface="+mj-cs"/>
+              </a:defRPr>
+            </a:lvl4pPr>
+            <a:lvl5pPr marL="2057400" indent="-228600" algn="l" defTabSz="457200" rtl="0" eaLnBrk="1" latinLnBrk="0" hangingPunct="1">
+              <a:spcBef>
+                <a:spcPts val="1000"/>
+              </a:spcBef>
+              <a:spcAft>
+                <a:spcPts val="0"/>
+              </a:spcAft>
+              <a:buClr>
+                <a:schemeClr val="bg2">
+                  <a:lumMod val="40000"/>
+                  <a:lumOff val="60000"/>
+                </a:schemeClr>
+              </a:buClr>
+              <a:buSzPct val="80000"/>
+              <a:buFont typeface="Wingdings 3" charset="2"/>
+              <a:buChar char=""/>
+              <a:defRPr sz="1400" b="0" i="0" kern="1200">
+                <a:solidFill>
+                  <a:schemeClr val="tx1"/>
+                </a:solidFill>
+                <a:latin typeface="+mj-lt"/>
+                <a:ea typeface="+mj-ea"/>
+                <a:cs typeface="+mj-cs"/>
+              </a:defRPr>
+            </a:lvl5pPr>
+            <a:lvl6pPr marL="2506000" indent="-228600" algn="l" defTabSz="457200" rtl="0" eaLnBrk="1" latinLnBrk="0" hangingPunct="1">
+              <a:spcBef>
+                <a:spcPts val="1000"/>
+              </a:spcBef>
+              <a:spcAft>
+                <a:spcPts val="0"/>
+              </a:spcAft>
+              <a:buClr>
+                <a:schemeClr val="bg2">
+                  <a:lumMod val="40000"/>
+                  <a:lumOff val="60000"/>
+                </a:schemeClr>
+              </a:buClr>
+              <a:buSzPct val="80000"/>
+              <a:buFont typeface="Wingdings 3" charset="2"/>
+              <a:buChar char=""/>
+              <a:defRPr sz="1400" b="0" i="0" kern="1200">
+                <a:solidFill>
+                  <a:schemeClr val="tx1"/>
+                </a:solidFill>
+                <a:latin typeface="+mj-lt"/>
+                <a:ea typeface="+mj-ea"/>
+                <a:cs typeface="+mj-cs"/>
+              </a:defRPr>
+            </a:lvl6pPr>
+            <a:lvl7pPr marL="2971800" indent="-228600" algn="l" defTabSz="457200" rtl="0" eaLnBrk="1" latinLnBrk="0" hangingPunct="1">
+              <a:spcBef>
+                <a:spcPts val="1000"/>
+              </a:spcBef>
+              <a:spcAft>
+                <a:spcPts val="0"/>
+              </a:spcAft>
+              <a:buClr>
+                <a:schemeClr val="bg2">
+                  <a:lumMod val="40000"/>
+                  <a:lumOff val="60000"/>
+                </a:schemeClr>
+              </a:buClr>
+              <a:buSzPct val="80000"/>
+              <a:buFont typeface="Wingdings 3" charset="2"/>
+              <a:buChar char=""/>
+              <a:defRPr sz="1400" b="0" i="0" kern="1200">
+                <a:solidFill>
+                  <a:schemeClr val="tx1"/>
+                </a:solidFill>
+                <a:latin typeface="+mj-lt"/>
+                <a:ea typeface="+mj-ea"/>
+                <a:cs typeface="+mj-cs"/>
+              </a:defRPr>
+            </a:lvl7pPr>
+            <a:lvl8pPr marL="3429000" indent="-228600" algn="l" defTabSz="457200" rtl="0" eaLnBrk="1" latinLnBrk="0" hangingPunct="1">
+              <a:spcBef>
+                <a:spcPts val="1000"/>
+              </a:spcBef>
+              <a:spcAft>
+                <a:spcPts val="0"/>
+              </a:spcAft>
+              <a:buClr>
+                <a:schemeClr val="bg2">
+                  <a:lumMod val="40000"/>
+                  <a:lumOff val="60000"/>
+                </a:schemeClr>
+              </a:buClr>
+              <a:buSzPct val="80000"/>
+              <a:buFont typeface="Wingdings 3" charset="2"/>
+              <a:buChar char=""/>
+              <a:defRPr sz="1400" b="0" i="0" kern="1200">
+                <a:solidFill>
+                  <a:schemeClr val="tx1"/>
+                </a:solidFill>
+                <a:latin typeface="+mj-lt"/>
+                <a:ea typeface="+mj-ea"/>
+                <a:cs typeface="+mj-cs"/>
+              </a:defRPr>
+            </a:lvl8pPr>
+            <a:lvl9pPr marL="3886200" indent="-228600" algn="l" defTabSz="457200" rtl="0" eaLnBrk="1" latinLnBrk="0" hangingPunct="1">
+              <a:spcBef>
+                <a:spcPts val="1000"/>
+              </a:spcBef>
+              <a:spcAft>
+                <a:spcPts val="0"/>
+              </a:spcAft>
+              <a:buClr>
+                <a:schemeClr val="bg2">
+                  <a:lumMod val="40000"/>
+                  <a:lumOff val="60000"/>
+                </a:schemeClr>
+              </a:buClr>
+              <a:buSzPct val="80000"/>
+              <a:buFont typeface="Wingdings 3" charset="2"/>
+              <a:buChar char=""/>
+              <a:defRPr sz="1400" b="0" i="0" kern="1200">
+                <a:solidFill>
+                  <a:schemeClr val="tx1"/>
+                </a:solidFill>
+                <a:latin typeface="+mj-lt"/>
+                <a:ea typeface="+mj-ea"/>
+                <a:cs typeface="+mj-cs"/>
+              </a:defRPr>
+            </a:lvl9pPr>
+          </a:lstStyle>
+          <a:p>
+            <a:endParaRPr lang="en-US" sz="2800" dirty="0" smtClean="0"/>
+          </a:p>
+        </p:txBody>
+      </p:sp>
+      <p:sp>
+        <p:nvSpPr>
+          <p:cNvPr id="4" name="Content Placeholder 2"/>
+          <p:cNvSpPr>
+            <a:spLocks noGrp="1"/>
+          </p:cNvSpPr>
+          <p:nvPr>
+            <p:ph idx="1"/>
+          </p:nvPr>
+        </p:nvSpPr>
+        <p:spPr>
+          <a:xfrm>
+            <a:off x="452149" y="2175165"/>
+            <a:ext cx="4493924" cy="3086710"/>
+          </a:xfrm>
+          <a:solidFill>
+            <a:srgbClr val="002060"/>
+          </a:solidFill>
+        </p:spPr>
+        <p:txBody>
+          <a:bodyPr>
+            <a:noAutofit/>
+          </a:bodyPr>
+          <a:lstStyle/>
+          <a:p>
+            <a:pPr marL="0" indent="0">
+              <a:buNone/>
+            </a:pPr>
+            <a:endParaRPr lang="en-US" sz="2400" b="1" dirty="0" smtClean="0">
+              <a:solidFill>
+                <a:srgbClr val="569CD6"/>
+              </a:solidFill>
+              <a:latin typeface="Consolas" panose="020B0609020204030204" pitchFamily="49" charset="0"/>
+            </a:endParaRPr>
+          </a:p>
+          <a:p>
+            <a:pPr marL="0" indent="0">
+              <a:buNone/>
+            </a:pPr>
+            <a:r>
+              <a:rPr lang="en-US" sz="2400" b="1" dirty="0" err="1" smtClean="0">
+                <a:solidFill>
+                  <a:srgbClr val="569CD6"/>
+                </a:solidFill>
+                <a:latin typeface="Consolas" panose="020B0609020204030204" pitchFamily="49" charset="0"/>
+              </a:rPr>
+              <a:t>def</a:t>
+            </a:r>
+            <a:r>
+              <a:rPr lang="en-US" sz="2400" b="1" dirty="0">
+                <a:solidFill>
+                  <a:srgbClr val="D4D4D4"/>
+                </a:solidFill>
+                <a:latin typeface="Consolas" panose="020B0609020204030204" pitchFamily="49" charset="0"/>
+              </a:rPr>
+              <a:t> search(</a:t>
+            </a:r>
+            <a:r>
+              <a:rPr lang="en-US" sz="2400" b="1" dirty="0" err="1">
+                <a:solidFill>
+                  <a:srgbClr val="D4D4D4"/>
+                </a:solidFill>
+                <a:latin typeface="Consolas" panose="020B0609020204030204" pitchFamily="49" charset="0"/>
+              </a:rPr>
+              <a:t>arr</a:t>
+            </a:r>
+            <a:r>
+              <a:rPr lang="en-US" sz="2400" b="1" dirty="0">
+                <a:solidFill>
+                  <a:srgbClr val="D4D4D4"/>
+                </a:solidFill>
+                <a:latin typeface="Consolas" panose="020B0609020204030204" pitchFamily="49" charset="0"/>
+              </a:rPr>
+              <a:t>, n, x): </a:t>
+            </a:r>
+          </a:p>
+          <a:p>
+            <a:pPr marL="0" indent="0">
+              <a:buNone/>
+            </a:pPr>
+            <a:r>
+              <a:rPr lang="en-US" sz="2400" b="1" dirty="0">
+                <a:solidFill>
+                  <a:srgbClr val="D4D4D4"/>
+                </a:solidFill>
+                <a:latin typeface="Consolas" panose="020B0609020204030204" pitchFamily="49" charset="0"/>
+              </a:rPr>
+              <a:t>  </a:t>
+            </a:r>
+            <a:r>
+              <a:rPr lang="en-US" sz="2400" b="1" dirty="0">
+                <a:solidFill>
+                  <a:srgbClr val="569CD6"/>
+                </a:solidFill>
+                <a:latin typeface="Consolas" panose="020B0609020204030204" pitchFamily="49" charset="0"/>
+              </a:rPr>
+              <a:t>for</a:t>
+            </a:r>
+            <a:r>
+              <a:rPr lang="en-US" sz="2400" b="1" dirty="0">
+                <a:solidFill>
+                  <a:srgbClr val="D4D4D4"/>
+                </a:solidFill>
+                <a:latin typeface="Consolas" panose="020B0609020204030204" pitchFamily="49" charset="0"/>
+              </a:rPr>
+              <a:t> </a:t>
+            </a:r>
+            <a:r>
+              <a:rPr lang="en-US" sz="2400" b="1" dirty="0" err="1">
+                <a:solidFill>
+                  <a:srgbClr val="D4D4D4"/>
+                </a:solidFill>
+                <a:latin typeface="Consolas" panose="020B0609020204030204" pitchFamily="49" charset="0"/>
+              </a:rPr>
+              <a:t>i</a:t>
+            </a:r>
+            <a:r>
+              <a:rPr lang="en-US" sz="2400" b="1" dirty="0">
+                <a:solidFill>
+                  <a:srgbClr val="D4D4D4"/>
+                </a:solidFill>
+                <a:latin typeface="Consolas" panose="020B0609020204030204" pitchFamily="49" charset="0"/>
+              </a:rPr>
+              <a:t> </a:t>
+            </a:r>
+            <a:r>
+              <a:rPr lang="en-US" sz="2400" b="1" dirty="0">
+                <a:solidFill>
+                  <a:srgbClr val="569CD6"/>
+                </a:solidFill>
+                <a:latin typeface="Consolas" panose="020B0609020204030204" pitchFamily="49" charset="0"/>
+              </a:rPr>
+              <a:t>in</a:t>
+            </a:r>
+            <a:r>
+              <a:rPr lang="en-US" sz="2400" b="1" dirty="0">
+                <a:solidFill>
+                  <a:srgbClr val="D4D4D4"/>
+                </a:solidFill>
+                <a:latin typeface="Consolas" panose="020B0609020204030204" pitchFamily="49" charset="0"/>
+              </a:rPr>
+              <a:t> range (</a:t>
+            </a:r>
+            <a:r>
+              <a:rPr lang="en-US" sz="2400" b="1" dirty="0">
+                <a:solidFill>
+                  <a:srgbClr val="B5CEA8"/>
+                </a:solidFill>
+                <a:latin typeface="Consolas" panose="020B0609020204030204" pitchFamily="49" charset="0"/>
+              </a:rPr>
+              <a:t>0</a:t>
+            </a:r>
+            <a:r>
+              <a:rPr lang="en-US" sz="2400" b="1" dirty="0">
+                <a:solidFill>
+                  <a:srgbClr val="D4D4D4"/>
+                </a:solidFill>
+                <a:latin typeface="Consolas" panose="020B0609020204030204" pitchFamily="49" charset="0"/>
+              </a:rPr>
+              <a:t>, n): </a:t>
+            </a:r>
+          </a:p>
+          <a:p>
+            <a:pPr marL="0" indent="0">
+              <a:buNone/>
+            </a:pPr>
+            <a:r>
+              <a:rPr lang="en-US" sz="2400" b="1" dirty="0">
+                <a:solidFill>
+                  <a:srgbClr val="D4D4D4"/>
+                </a:solidFill>
+                <a:latin typeface="Consolas" panose="020B0609020204030204" pitchFamily="49" charset="0"/>
+              </a:rPr>
+              <a:t>    </a:t>
+            </a:r>
+            <a:r>
+              <a:rPr lang="en-US" sz="2400" b="1" dirty="0">
+                <a:solidFill>
+                  <a:srgbClr val="569CD6"/>
+                </a:solidFill>
+                <a:latin typeface="Consolas" panose="020B0609020204030204" pitchFamily="49" charset="0"/>
+              </a:rPr>
+              <a:t>if</a:t>
+            </a:r>
+            <a:r>
+              <a:rPr lang="en-US" sz="2400" b="1" dirty="0">
+                <a:solidFill>
+                  <a:srgbClr val="D4D4D4"/>
+                </a:solidFill>
+                <a:latin typeface="Consolas" panose="020B0609020204030204" pitchFamily="49" charset="0"/>
+              </a:rPr>
+              <a:t> (</a:t>
+            </a:r>
+            <a:r>
+              <a:rPr lang="en-US" sz="2400" b="1" dirty="0" err="1">
+                <a:solidFill>
+                  <a:srgbClr val="D4D4D4"/>
+                </a:solidFill>
+                <a:latin typeface="Consolas" panose="020B0609020204030204" pitchFamily="49" charset="0"/>
+              </a:rPr>
+              <a:t>arr</a:t>
+            </a:r>
+            <a:r>
+              <a:rPr lang="en-US" sz="2400" b="1" dirty="0">
+                <a:solidFill>
+                  <a:srgbClr val="D4D4D4"/>
+                </a:solidFill>
+                <a:latin typeface="Consolas" panose="020B0609020204030204" pitchFamily="49" charset="0"/>
+              </a:rPr>
+              <a:t>[</a:t>
+            </a:r>
+            <a:r>
+              <a:rPr lang="en-US" sz="2400" b="1" dirty="0" err="1">
+                <a:solidFill>
+                  <a:srgbClr val="D4D4D4"/>
+                </a:solidFill>
+                <a:latin typeface="Consolas" panose="020B0609020204030204" pitchFamily="49" charset="0"/>
+              </a:rPr>
+              <a:t>i</a:t>
+            </a:r>
+            <a:r>
+              <a:rPr lang="en-US" sz="2400" b="1" dirty="0">
+                <a:solidFill>
+                  <a:srgbClr val="D4D4D4"/>
+                </a:solidFill>
+                <a:latin typeface="Consolas" panose="020B0609020204030204" pitchFamily="49" charset="0"/>
+              </a:rPr>
+              <a:t>] == x): </a:t>
+            </a:r>
+          </a:p>
+          <a:p>
+            <a:pPr marL="0" indent="0">
+              <a:buNone/>
+            </a:pPr>
+            <a:r>
+              <a:rPr lang="en-US" sz="2400" b="1" dirty="0">
+                <a:solidFill>
+                  <a:srgbClr val="D4D4D4"/>
+                </a:solidFill>
+                <a:latin typeface="Consolas" panose="020B0609020204030204" pitchFamily="49" charset="0"/>
+              </a:rPr>
+              <a:t>        </a:t>
+            </a:r>
+            <a:r>
+              <a:rPr lang="en-US" sz="2400" b="1" dirty="0">
+                <a:solidFill>
+                  <a:srgbClr val="569CD6"/>
+                </a:solidFill>
+                <a:latin typeface="Consolas" panose="020B0609020204030204" pitchFamily="49" charset="0"/>
+              </a:rPr>
+              <a:t>return</a:t>
+            </a:r>
+            <a:r>
+              <a:rPr lang="en-US" sz="2400" b="1" dirty="0">
+                <a:solidFill>
+                  <a:srgbClr val="D4D4D4"/>
+                </a:solidFill>
+                <a:latin typeface="Consolas" panose="020B0609020204030204" pitchFamily="49" charset="0"/>
+              </a:rPr>
+              <a:t> </a:t>
+            </a:r>
+            <a:r>
+              <a:rPr lang="en-US" sz="2400" b="1" dirty="0" err="1">
+                <a:solidFill>
+                  <a:srgbClr val="D4D4D4"/>
+                </a:solidFill>
+                <a:latin typeface="Consolas" panose="020B0609020204030204" pitchFamily="49" charset="0"/>
+              </a:rPr>
+              <a:t>i</a:t>
+            </a:r>
+            <a:endParaRPr lang="en-US" sz="2400" b="1" dirty="0">
+              <a:solidFill>
+                <a:srgbClr val="D4D4D4"/>
+              </a:solidFill>
+              <a:latin typeface="Consolas" panose="020B0609020204030204" pitchFamily="49" charset="0"/>
+            </a:endParaRPr>
+          </a:p>
+          <a:p>
+            <a:pPr marL="0" indent="0">
+              <a:buNone/>
+            </a:pPr>
+            <a:r>
+              <a:rPr lang="en-US" sz="2400" b="1" dirty="0">
+                <a:solidFill>
+                  <a:srgbClr val="D4D4D4"/>
+                </a:solidFill>
+                <a:latin typeface="Consolas" panose="020B0609020204030204" pitchFamily="49" charset="0"/>
+              </a:rPr>
+              <a:t>    </a:t>
+            </a:r>
+            <a:r>
+              <a:rPr lang="en-US" sz="2400" b="1" dirty="0">
+                <a:solidFill>
+                  <a:srgbClr val="569CD6"/>
+                </a:solidFill>
+                <a:latin typeface="Consolas" panose="020B0609020204030204" pitchFamily="49" charset="0"/>
+              </a:rPr>
+              <a:t>return</a:t>
+            </a:r>
+            <a:r>
+              <a:rPr lang="en-US" sz="2400" b="1" dirty="0">
+                <a:solidFill>
+                  <a:srgbClr val="D4D4D4"/>
+                </a:solidFill>
+                <a:latin typeface="Consolas" panose="020B0609020204030204" pitchFamily="49" charset="0"/>
+              </a:rPr>
+              <a:t> -</a:t>
+            </a:r>
+            <a:r>
+              <a:rPr lang="en-US" sz="2400" b="1" dirty="0">
+                <a:solidFill>
+                  <a:srgbClr val="B5CEA8"/>
+                </a:solidFill>
+                <a:latin typeface="Consolas" panose="020B0609020204030204" pitchFamily="49" charset="0"/>
+              </a:rPr>
+              <a:t>1</a:t>
+            </a:r>
+            <a:endParaRPr lang="en-US" sz="2400" b="1" dirty="0">
+              <a:solidFill>
+                <a:srgbClr val="D4D4D4"/>
+              </a:solidFill>
+              <a:latin typeface="Consolas" panose="020B0609020204030204" pitchFamily="49" charset="0"/>
+            </a:endParaRPr>
+          </a:p>
+          <a:p>
+            <a:pPr marL="0" indent="0">
+              <a:buNone/>
+            </a:pPr>
+            <a:r>
+              <a:rPr lang="en-IN" sz="2400" b="1" dirty="0">
+                <a:solidFill>
+                  <a:srgbClr val="FFFF00"/>
+                </a:solidFill>
+              </a:rPr>
+              <a:t/>
+            </a:r>
+            <a:br>
+              <a:rPr lang="en-IN" sz="2400" b="1" dirty="0">
+                <a:solidFill>
+                  <a:srgbClr val="FFFF00"/>
+                </a:solidFill>
+              </a:rPr>
+            </a:br>
+            <a:endParaRPr lang="en-US" sz="2400" b="1" dirty="0" smtClean="0">
+              <a:solidFill>
+                <a:srgbClr val="FFFF00"/>
+              </a:solidFill>
+            </a:endParaRPr>
+          </a:p>
+        </p:txBody>
+      </p:sp>
+      <p:sp>
+        <p:nvSpPr>
+          <p:cNvPr id="6" name="Rectangle 5"/>
+          <p:cNvSpPr/>
+          <p:nvPr/>
+        </p:nvSpPr>
+        <p:spPr>
+          <a:xfrm>
+            <a:off x="6303819" y="2169457"/>
+            <a:ext cx="5500255" cy="4466870"/>
+          </a:xfrm>
+          <a:prstGeom prst="rect">
+            <a:avLst/>
+          </a:prstGeom>
+          <a:solidFill>
+            <a:schemeClr val="accent3">
+              <a:lumMod val="60000"/>
+              <a:lumOff val="40000"/>
+            </a:schemeClr>
+          </a:solidFill>
+        </p:spPr>
+        <p:style>
+          <a:lnRef idx="2">
+            <a:schemeClr val="accent1">
+              <a:shade val="50000"/>
+            </a:schemeClr>
+          </a:lnRef>
+          <a:fillRef idx="1">
+            <a:schemeClr val="accent1"/>
+          </a:fillRef>
+          <a:effectRef idx="0">
+            <a:schemeClr val="accent1"/>
+          </a:effectRef>
+          <a:fontRef idx="minor">
+            <a:schemeClr val="lt1"/>
+          </a:fontRef>
+        </p:style>
+        <p:txBody>
+          <a:bodyPr rtlCol="0" anchor="t"/>
+          <a:lstStyle/>
+          <a:p>
+            <a:r>
+              <a:rPr lang="en-US" sz="2800" dirty="0" smtClean="0">
+                <a:solidFill>
+                  <a:schemeClr val="bg1">
+                    <a:lumMod val="95000"/>
+                    <a:lumOff val="5000"/>
+                  </a:schemeClr>
+                </a:solidFill>
+              </a:rPr>
+              <a:t>Time ~ (</a:t>
+            </a:r>
+            <a:r>
+              <a:rPr lang="en-US" sz="2800" dirty="0" err="1" smtClean="0">
+                <a:solidFill>
+                  <a:schemeClr val="bg1">
+                    <a:lumMod val="95000"/>
+                    <a:lumOff val="5000"/>
+                  </a:schemeClr>
+                </a:solidFill>
+              </a:rPr>
+              <a:t>T_comp+T_loop</a:t>
+            </a:r>
+            <a:r>
+              <a:rPr lang="en-US" sz="2800" dirty="0" smtClean="0">
+                <a:solidFill>
+                  <a:schemeClr val="bg1">
+                    <a:lumMod val="95000"/>
+                    <a:lumOff val="5000"/>
+                  </a:schemeClr>
+                </a:solidFill>
+              </a:rPr>
+              <a:t>) * n</a:t>
+            </a:r>
+          </a:p>
+          <a:p>
+            <a:endParaRPr lang="en-US" sz="2800" dirty="0">
+              <a:solidFill>
+                <a:schemeClr val="bg1">
+                  <a:lumMod val="95000"/>
+                  <a:lumOff val="5000"/>
+                </a:schemeClr>
+              </a:solidFill>
+            </a:endParaRPr>
+          </a:p>
+          <a:p>
+            <a:r>
+              <a:rPr lang="en-US" sz="2800" dirty="0" smtClean="0">
+                <a:solidFill>
+                  <a:schemeClr val="bg1">
+                    <a:lumMod val="95000"/>
+                    <a:lumOff val="5000"/>
+                  </a:schemeClr>
+                </a:solidFill>
+              </a:rPr>
+              <a:t>OR</a:t>
+            </a:r>
+          </a:p>
+          <a:p>
+            <a:endParaRPr lang="en-US" sz="2800" dirty="0">
+              <a:solidFill>
+                <a:schemeClr val="bg1">
+                  <a:lumMod val="95000"/>
+                  <a:lumOff val="5000"/>
+                </a:schemeClr>
+              </a:solidFill>
+            </a:endParaRPr>
+          </a:p>
+          <a:p>
+            <a:r>
+              <a:rPr lang="en-US" sz="2800" dirty="0" smtClean="0">
+                <a:solidFill>
+                  <a:schemeClr val="bg1">
+                    <a:lumMod val="95000"/>
+                    <a:lumOff val="5000"/>
+                  </a:schemeClr>
+                </a:solidFill>
+              </a:rPr>
+              <a:t>Time is a function of n and is &lt;= c * n where c is upper limit of the time taken for the operations.</a:t>
+            </a:r>
+          </a:p>
+          <a:p>
+            <a:endParaRPr lang="en-US" sz="2800" dirty="0" smtClean="0">
+              <a:solidFill>
+                <a:schemeClr val="bg1">
+                  <a:lumMod val="95000"/>
+                  <a:lumOff val="5000"/>
+                </a:schemeClr>
+              </a:solidFill>
+            </a:endParaRPr>
+          </a:p>
+          <a:p>
+            <a:r>
+              <a:rPr lang="en-US" sz="2800" dirty="0" smtClean="0">
+                <a:solidFill>
+                  <a:schemeClr val="bg1">
+                    <a:lumMod val="95000"/>
+                    <a:lumOff val="5000"/>
+                  </a:schemeClr>
+                </a:solidFill>
+              </a:rPr>
+              <a:t>Hence, T(n) is O(n).</a:t>
+            </a:r>
+            <a:endParaRPr lang="en-US" sz="2800" dirty="0">
+              <a:solidFill>
+                <a:schemeClr val="bg1">
+                  <a:lumMod val="95000"/>
+                  <a:lumOff val="5000"/>
+                </a:schemeClr>
+              </a:solidFill>
+            </a:endParaRPr>
+          </a:p>
+        </p:txBody>
+      </p:sp>
+    </p:spTree>
+    <p:extLst>
+      <p:ext uri="{BB962C8B-B14F-4D97-AF65-F5344CB8AC3E}">
+        <p14:creationId xmlns:p14="http://schemas.microsoft.com/office/powerpoint/2010/main" val="644100804"/>
+      </p:ext>
+    </p:extLst>
+  </p:cSld>
+  <p:clrMapOvr>
+    <a:masterClrMapping/>
+  </p:clrMapOvr>
+  <p:timing>
+    <p:tnLst>
+      <p:par>
+        <p:cTn id="1" dur="indefinite" restart="never" nodeType="tmRoot"/>
+      </p:par>
+    </p:tnLst>
+  </p:timing>
+</p:sld>
+</file>
+
+<file path=ppt/slides/slide23.xml><?xml version="1.0" encoding="utf-8"?>
+<p:sld xmlns:a="http://schemas.openxmlformats.org/drawingml/2006/main" xmlns:r="http://schemas.openxmlformats.org/officeDocument/2006/relationships" xmlns:p="http://schemas.openxmlformats.org/presentationml/2006/main">
+  <p:cSld>
+    <p:spTree>
+      <p:nvGrpSpPr>
+        <p:cNvPr id="1" name=""/>
+        <p:cNvGrpSpPr/>
+        <p:nvPr/>
+      </p:nvGrpSpPr>
+      <p:grpSpPr>
+        <a:xfrm>
+          <a:off x="0" y="0"/>
+          <a:ext cx="0" cy="0"/>
+          <a:chOff x="0" y="0"/>
+          <a:chExt cx="0" cy="0"/>
+        </a:xfrm>
+      </p:grpSpPr>
+      <p:sp>
+        <p:nvSpPr>
+          <p:cNvPr id="2" name="Title 1"/>
+          <p:cNvSpPr>
+            <a:spLocks noGrp="1"/>
+          </p:cNvSpPr>
+          <p:nvPr>
+            <p:ph type="title"/>
+          </p:nvPr>
+        </p:nvSpPr>
+        <p:spPr>
+          <a:xfrm>
+            <a:off x="646111" y="452718"/>
+            <a:ext cx="10562217" cy="1400530"/>
+          </a:xfrm>
+        </p:spPr>
+        <p:txBody>
+          <a:bodyPr/>
+          <a:lstStyle/>
+          <a:p>
+            <a:r>
+              <a:rPr lang="en-US" dirty="0" smtClean="0"/>
+              <a:t>Let’s evaluate running times-</a:t>
+            </a:r>
+            <a:br>
+              <a:rPr lang="en-US" dirty="0" smtClean="0"/>
+            </a:br>
+            <a:r>
+              <a:rPr lang="en-US" dirty="0" smtClean="0"/>
+              <a:t>BIG OH NOTATION - </a:t>
+            </a:r>
+            <a:r>
+              <a:rPr lang="en-US" sz="4400" dirty="0"/>
+              <a:t>Linear Search</a:t>
+            </a:r>
+            <a:endParaRPr lang="en-IN" dirty="0"/>
+          </a:p>
+        </p:txBody>
+      </p:sp>
+      <p:sp>
+        <p:nvSpPr>
+          <p:cNvPr id="5" name="Content Placeholder 4"/>
+          <p:cNvSpPr txBox="1">
+            <a:spLocks/>
+          </p:cNvSpPr>
+          <p:nvPr/>
+        </p:nvSpPr>
+        <p:spPr>
+          <a:xfrm>
+            <a:off x="452149" y="2052918"/>
+            <a:ext cx="8946541" cy="4195481"/>
+          </a:xfrm>
+          <a:prstGeom prst="rect">
+            <a:avLst/>
+          </a:prstGeom>
+        </p:spPr>
+        <p:txBody>
+          <a:bodyPr vert="horz" lIns="91440" tIns="45720" rIns="91440" bIns="45720" rtlCol="0">
+            <a:normAutofit/>
+          </a:bodyPr>
+          <a:lstStyle>
+            <a:lvl1pPr marL="342900" indent="-342900" algn="l" defTabSz="457200" rtl="0" eaLnBrk="1" latinLnBrk="0" hangingPunct="1">
+              <a:spcBef>
+                <a:spcPts val="1000"/>
+              </a:spcBef>
+              <a:spcAft>
+                <a:spcPts val="0"/>
+              </a:spcAft>
+              <a:buClr>
+                <a:schemeClr val="bg2">
+                  <a:lumMod val="40000"/>
+                  <a:lumOff val="60000"/>
+                </a:schemeClr>
+              </a:buClr>
+              <a:buSzPct val="80000"/>
+              <a:buFont typeface="Wingdings 3" charset="2"/>
+              <a:buChar char=""/>
+              <a:defRPr sz="2000" b="0" i="0" kern="1200">
+                <a:solidFill>
+                  <a:schemeClr val="tx1"/>
+                </a:solidFill>
+                <a:latin typeface="+mj-lt"/>
+                <a:ea typeface="+mj-ea"/>
+                <a:cs typeface="+mj-cs"/>
+              </a:defRPr>
+            </a:lvl1pPr>
+            <a:lvl2pPr marL="742950" indent="-285750" algn="l" defTabSz="457200" rtl="0" eaLnBrk="1" latinLnBrk="0" hangingPunct="1">
+              <a:spcBef>
+                <a:spcPts val="1000"/>
+              </a:spcBef>
+              <a:spcAft>
+                <a:spcPts val="0"/>
+              </a:spcAft>
+              <a:buClr>
+                <a:schemeClr val="bg2">
+                  <a:lumMod val="40000"/>
+                  <a:lumOff val="60000"/>
+                </a:schemeClr>
+              </a:buClr>
+              <a:buSzPct val="80000"/>
+              <a:buFont typeface="Wingdings 3" charset="2"/>
+              <a:buChar char=""/>
+              <a:defRPr sz="1800" b="0" i="0" kern="1200">
+                <a:solidFill>
+                  <a:schemeClr val="tx1"/>
+                </a:solidFill>
+                <a:latin typeface="+mj-lt"/>
+                <a:ea typeface="+mj-ea"/>
+                <a:cs typeface="+mj-cs"/>
+              </a:defRPr>
+            </a:lvl2pPr>
+            <a:lvl3pPr marL="1143000" indent="-228600" algn="l" defTabSz="457200" rtl="0" eaLnBrk="1" latinLnBrk="0" hangingPunct="1">
+              <a:spcBef>
+                <a:spcPts val="1000"/>
+              </a:spcBef>
+              <a:spcAft>
+                <a:spcPts val="0"/>
+              </a:spcAft>
+              <a:buClr>
+                <a:schemeClr val="bg2">
+                  <a:lumMod val="40000"/>
+                  <a:lumOff val="60000"/>
+                </a:schemeClr>
+              </a:buClr>
+              <a:buSzPct val="80000"/>
+              <a:buFont typeface="Wingdings 3" charset="2"/>
+              <a:buChar char=""/>
+              <a:defRPr sz="1600" b="0" i="0" kern="1200">
+                <a:solidFill>
+                  <a:schemeClr val="tx1"/>
+                </a:solidFill>
+                <a:latin typeface="+mj-lt"/>
+                <a:ea typeface="+mj-ea"/>
+                <a:cs typeface="+mj-cs"/>
+              </a:defRPr>
+            </a:lvl3pPr>
+            <a:lvl4pPr marL="1600200" indent="-228600" algn="l" defTabSz="457200" rtl="0" eaLnBrk="1" latinLnBrk="0" hangingPunct="1">
+              <a:spcBef>
+                <a:spcPts val="1000"/>
+              </a:spcBef>
+              <a:spcAft>
+                <a:spcPts val="0"/>
+              </a:spcAft>
+              <a:buClr>
+                <a:schemeClr val="bg2">
+                  <a:lumMod val="40000"/>
+                  <a:lumOff val="60000"/>
+                </a:schemeClr>
+              </a:buClr>
+              <a:buSzPct val="80000"/>
+              <a:buFont typeface="Wingdings 3" charset="2"/>
+              <a:buChar char=""/>
+              <a:defRPr sz="1400" b="0" i="0" kern="1200">
+                <a:solidFill>
+                  <a:schemeClr val="tx1"/>
+                </a:solidFill>
+                <a:latin typeface="+mj-lt"/>
+                <a:ea typeface="+mj-ea"/>
+                <a:cs typeface="+mj-cs"/>
+              </a:defRPr>
+            </a:lvl4pPr>
+            <a:lvl5pPr marL="2057400" indent="-228600" algn="l" defTabSz="457200" rtl="0" eaLnBrk="1" latinLnBrk="0" hangingPunct="1">
+              <a:spcBef>
+                <a:spcPts val="1000"/>
+              </a:spcBef>
+              <a:spcAft>
+                <a:spcPts val="0"/>
+              </a:spcAft>
+              <a:buClr>
+                <a:schemeClr val="bg2">
+                  <a:lumMod val="40000"/>
+                  <a:lumOff val="60000"/>
+                </a:schemeClr>
+              </a:buClr>
+              <a:buSzPct val="80000"/>
+              <a:buFont typeface="Wingdings 3" charset="2"/>
+              <a:buChar char=""/>
+              <a:defRPr sz="1400" b="0" i="0" kern="1200">
+                <a:solidFill>
+                  <a:schemeClr val="tx1"/>
+                </a:solidFill>
+                <a:latin typeface="+mj-lt"/>
+                <a:ea typeface="+mj-ea"/>
+                <a:cs typeface="+mj-cs"/>
+              </a:defRPr>
+            </a:lvl5pPr>
+            <a:lvl6pPr marL="2506000" indent="-228600" algn="l" defTabSz="457200" rtl="0" eaLnBrk="1" latinLnBrk="0" hangingPunct="1">
+              <a:spcBef>
+                <a:spcPts val="1000"/>
+              </a:spcBef>
+              <a:spcAft>
+                <a:spcPts val="0"/>
+              </a:spcAft>
+              <a:buClr>
+                <a:schemeClr val="bg2">
+                  <a:lumMod val="40000"/>
+                  <a:lumOff val="60000"/>
+                </a:schemeClr>
+              </a:buClr>
+              <a:buSzPct val="80000"/>
+              <a:buFont typeface="Wingdings 3" charset="2"/>
+              <a:buChar char=""/>
+              <a:defRPr sz="1400" b="0" i="0" kern="1200">
+                <a:solidFill>
+                  <a:schemeClr val="tx1"/>
+                </a:solidFill>
+                <a:latin typeface="+mj-lt"/>
+                <a:ea typeface="+mj-ea"/>
+                <a:cs typeface="+mj-cs"/>
+              </a:defRPr>
+            </a:lvl6pPr>
+            <a:lvl7pPr marL="2971800" indent="-228600" algn="l" defTabSz="457200" rtl="0" eaLnBrk="1" latinLnBrk="0" hangingPunct="1">
+              <a:spcBef>
+                <a:spcPts val="1000"/>
+              </a:spcBef>
+              <a:spcAft>
+                <a:spcPts val="0"/>
+              </a:spcAft>
+              <a:buClr>
+                <a:schemeClr val="bg2">
+                  <a:lumMod val="40000"/>
+                  <a:lumOff val="60000"/>
+                </a:schemeClr>
+              </a:buClr>
+              <a:buSzPct val="80000"/>
+              <a:buFont typeface="Wingdings 3" charset="2"/>
+              <a:buChar char=""/>
+              <a:defRPr sz="1400" b="0" i="0" kern="1200">
+                <a:solidFill>
+                  <a:schemeClr val="tx1"/>
+                </a:solidFill>
+                <a:latin typeface="+mj-lt"/>
+                <a:ea typeface="+mj-ea"/>
+                <a:cs typeface="+mj-cs"/>
+              </a:defRPr>
+            </a:lvl7pPr>
+            <a:lvl8pPr marL="3429000" indent="-228600" algn="l" defTabSz="457200" rtl="0" eaLnBrk="1" latinLnBrk="0" hangingPunct="1">
+              <a:spcBef>
+                <a:spcPts val="1000"/>
+              </a:spcBef>
+              <a:spcAft>
+                <a:spcPts val="0"/>
+              </a:spcAft>
+              <a:buClr>
+                <a:schemeClr val="bg2">
+                  <a:lumMod val="40000"/>
+                  <a:lumOff val="60000"/>
+                </a:schemeClr>
+              </a:buClr>
+              <a:buSzPct val="80000"/>
+              <a:buFont typeface="Wingdings 3" charset="2"/>
+              <a:buChar char=""/>
+              <a:defRPr sz="1400" b="0" i="0" kern="1200">
+                <a:solidFill>
+                  <a:schemeClr val="tx1"/>
+                </a:solidFill>
+                <a:latin typeface="+mj-lt"/>
+                <a:ea typeface="+mj-ea"/>
+                <a:cs typeface="+mj-cs"/>
+              </a:defRPr>
+            </a:lvl8pPr>
+            <a:lvl9pPr marL="3886200" indent="-228600" algn="l" defTabSz="457200" rtl="0" eaLnBrk="1" latinLnBrk="0" hangingPunct="1">
+              <a:spcBef>
+                <a:spcPts val="1000"/>
+              </a:spcBef>
+              <a:spcAft>
+                <a:spcPts val="0"/>
+              </a:spcAft>
+              <a:buClr>
+                <a:schemeClr val="bg2">
+                  <a:lumMod val="40000"/>
+                  <a:lumOff val="60000"/>
+                </a:schemeClr>
+              </a:buClr>
+              <a:buSzPct val="80000"/>
+              <a:buFont typeface="Wingdings 3" charset="2"/>
+              <a:buChar char=""/>
+              <a:defRPr sz="1400" b="0" i="0" kern="1200">
+                <a:solidFill>
+                  <a:schemeClr val="tx1"/>
+                </a:solidFill>
+                <a:latin typeface="+mj-lt"/>
+                <a:ea typeface="+mj-ea"/>
+                <a:cs typeface="+mj-cs"/>
+              </a:defRPr>
+            </a:lvl9pPr>
+          </a:lstStyle>
+          <a:p>
+            <a:endParaRPr lang="en-US" sz="2800" dirty="0" smtClean="0"/>
+          </a:p>
+        </p:txBody>
+      </p:sp>
+      <p:sp>
+        <p:nvSpPr>
+          <p:cNvPr id="4" name="Content Placeholder 2"/>
+          <p:cNvSpPr>
+            <a:spLocks noGrp="1"/>
+          </p:cNvSpPr>
+          <p:nvPr>
+            <p:ph idx="1"/>
+          </p:nvPr>
+        </p:nvSpPr>
+        <p:spPr>
+          <a:xfrm>
+            <a:off x="452149" y="2175165"/>
+            <a:ext cx="4493924" cy="3086710"/>
+          </a:xfrm>
+          <a:solidFill>
+            <a:srgbClr val="002060"/>
+          </a:solidFill>
+        </p:spPr>
+        <p:txBody>
+          <a:bodyPr>
+            <a:noAutofit/>
+          </a:bodyPr>
+          <a:lstStyle/>
+          <a:p>
+            <a:pPr marL="0" indent="0">
+              <a:buNone/>
+            </a:pPr>
+            <a:endParaRPr lang="en-US" sz="2400" b="1" dirty="0" smtClean="0">
+              <a:solidFill>
+                <a:srgbClr val="569CD6"/>
+              </a:solidFill>
+              <a:latin typeface="Consolas" panose="020B0609020204030204" pitchFamily="49" charset="0"/>
+            </a:endParaRPr>
+          </a:p>
+          <a:p>
+            <a:pPr marL="0" indent="0">
+              <a:buNone/>
+            </a:pPr>
+            <a:r>
+              <a:rPr lang="en-US" sz="2400" b="1" dirty="0" err="1" smtClean="0">
+                <a:solidFill>
+                  <a:srgbClr val="569CD6"/>
+                </a:solidFill>
+                <a:latin typeface="Consolas" panose="020B0609020204030204" pitchFamily="49" charset="0"/>
+              </a:rPr>
+              <a:t>def</a:t>
+            </a:r>
+            <a:r>
+              <a:rPr lang="en-US" sz="2400" b="1" dirty="0">
+                <a:solidFill>
+                  <a:srgbClr val="D4D4D4"/>
+                </a:solidFill>
+                <a:latin typeface="Consolas" panose="020B0609020204030204" pitchFamily="49" charset="0"/>
+              </a:rPr>
+              <a:t> search(</a:t>
+            </a:r>
+            <a:r>
+              <a:rPr lang="en-US" sz="2400" b="1" dirty="0" err="1">
+                <a:solidFill>
+                  <a:srgbClr val="D4D4D4"/>
+                </a:solidFill>
+                <a:latin typeface="Consolas" panose="020B0609020204030204" pitchFamily="49" charset="0"/>
+              </a:rPr>
+              <a:t>arr</a:t>
+            </a:r>
+            <a:r>
+              <a:rPr lang="en-US" sz="2400" b="1" dirty="0">
+                <a:solidFill>
+                  <a:srgbClr val="D4D4D4"/>
+                </a:solidFill>
+                <a:latin typeface="Consolas" panose="020B0609020204030204" pitchFamily="49" charset="0"/>
+              </a:rPr>
+              <a:t>, n, x): </a:t>
+            </a:r>
+          </a:p>
+          <a:p>
+            <a:pPr marL="0" indent="0">
+              <a:buNone/>
+            </a:pPr>
+            <a:r>
+              <a:rPr lang="en-US" sz="2400" b="1" dirty="0">
+                <a:solidFill>
+                  <a:srgbClr val="D4D4D4"/>
+                </a:solidFill>
+                <a:latin typeface="Consolas" panose="020B0609020204030204" pitchFamily="49" charset="0"/>
+              </a:rPr>
+              <a:t>  </a:t>
+            </a:r>
+            <a:r>
+              <a:rPr lang="en-US" sz="2400" b="1" dirty="0">
+                <a:solidFill>
+                  <a:srgbClr val="569CD6"/>
+                </a:solidFill>
+                <a:latin typeface="Consolas" panose="020B0609020204030204" pitchFamily="49" charset="0"/>
+              </a:rPr>
+              <a:t>for</a:t>
+            </a:r>
+            <a:r>
+              <a:rPr lang="en-US" sz="2400" b="1" dirty="0">
+                <a:solidFill>
+                  <a:srgbClr val="D4D4D4"/>
+                </a:solidFill>
+                <a:latin typeface="Consolas" panose="020B0609020204030204" pitchFamily="49" charset="0"/>
+              </a:rPr>
+              <a:t> </a:t>
+            </a:r>
+            <a:r>
+              <a:rPr lang="en-US" sz="2400" b="1" dirty="0" err="1">
+                <a:solidFill>
+                  <a:srgbClr val="D4D4D4"/>
+                </a:solidFill>
+                <a:latin typeface="Consolas" panose="020B0609020204030204" pitchFamily="49" charset="0"/>
+              </a:rPr>
+              <a:t>i</a:t>
+            </a:r>
+            <a:r>
+              <a:rPr lang="en-US" sz="2400" b="1" dirty="0">
+                <a:solidFill>
+                  <a:srgbClr val="D4D4D4"/>
+                </a:solidFill>
+                <a:latin typeface="Consolas" panose="020B0609020204030204" pitchFamily="49" charset="0"/>
+              </a:rPr>
+              <a:t> </a:t>
+            </a:r>
+            <a:r>
+              <a:rPr lang="en-US" sz="2400" b="1" dirty="0">
+                <a:solidFill>
+                  <a:srgbClr val="569CD6"/>
+                </a:solidFill>
+                <a:latin typeface="Consolas" panose="020B0609020204030204" pitchFamily="49" charset="0"/>
+              </a:rPr>
+              <a:t>in</a:t>
+            </a:r>
+            <a:r>
+              <a:rPr lang="en-US" sz="2400" b="1" dirty="0">
+                <a:solidFill>
+                  <a:srgbClr val="D4D4D4"/>
+                </a:solidFill>
+                <a:latin typeface="Consolas" panose="020B0609020204030204" pitchFamily="49" charset="0"/>
+              </a:rPr>
+              <a:t> range (</a:t>
+            </a:r>
+            <a:r>
+              <a:rPr lang="en-US" sz="2400" b="1" dirty="0">
+                <a:solidFill>
+                  <a:srgbClr val="B5CEA8"/>
+                </a:solidFill>
+                <a:latin typeface="Consolas" panose="020B0609020204030204" pitchFamily="49" charset="0"/>
+              </a:rPr>
+              <a:t>0</a:t>
+            </a:r>
+            <a:r>
+              <a:rPr lang="en-US" sz="2400" b="1" dirty="0">
+                <a:solidFill>
+                  <a:srgbClr val="D4D4D4"/>
+                </a:solidFill>
+                <a:latin typeface="Consolas" panose="020B0609020204030204" pitchFamily="49" charset="0"/>
+              </a:rPr>
+              <a:t>, n): </a:t>
+            </a:r>
+          </a:p>
+          <a:p>
+            <a:pPr marL="0" indent="0">
+              <a:buNone/>
+            </a:pPr>
+            <a:r>
+              <a:rPr lang="en-US" sz="2400" b="1" dirty="0">
+                <a:solidFill>
+                  <a:srgbClr val="D4D4D4"/>
+                </a:solidFill>
+                <a:latin typeface="Consolas" panose="020B0609020204030204" pitchFamily="49" charset="0"/>
+              </a:rPr>
+              <a:t>    </a:t>
+            </a:r>
+            <a:r>
+              <a:rPr lang="en-US" sz="2400" b="1" dirty="0">
+                <a:solidFill>
+                  <a:srgbClr val="569CD6"/>
+                </a:solidFill>
+                <a:latin typeface="Consolas" panose="020B0609020204030204" pitchFamily="49" charset="0"/>
+              </a:rPr>
+              <a:t>if</a:t>
+            </a:r>
+            <a:r>
+              <a:rPr lang="en-US" sz="2400" b="1" dirty="0">
+                <a:solidFill>
+                  <a:srgbClr val="D4D4D4"/>
+                </a:solidFill>
+                <a:latin typeface="Consolas" panose="020B0609020204030204" pitchFamily="49" charset="0"/>
+              </a:rPr>
+              <a:t> (</a:t>
+            </a:r>
+            <a:r>
+              <a:rPr lang="en-US" sz="2400" b="1" dirty="0" err="1">
+                <a:solidFill>
+                  <a:srgbClr val="D4D4D4"/>
+                </a:solidFill>
+                <a:latin typeface="Consolas" panose="020B0609020204030204" pitchFamily="49" charset="0"/>
+              </a:rPr>
+              <a:t>arr</a:t>
+            </a:r>
+            <a:r>
+              <a:rPr lang="en-US" sz="2400" b="1" dirty="0">
+                <a:solidFill>
+                  <a:srgbClr val="D4D4D4"/>
+                </a:solidFill>
+                <a:latin typeface="Consolas" panose="020B0609020204030204" pitchFamily="49" charset="0"/>
+              </a:rPr>
+              <a:t>[</a:t>
+            </a:r>
+            <a:r>
+              <a:rPr lang="en-US" sz="2400" b="1" dirty="0" err="1">
+                <a:solidFill>
+                  <a:srgbClr val="D4D4D4"/>
+                </a:solidFill>
+                <a:latin typeface="Consolas" panose="020B0609020204030204" pitchFamily="49" charset="0"/>
+              </a:rPr>
+              <a:t>i</a:t>
+            </a:r>
+            <a:r>
+              <a:rPr lang="en-US" sz="2400" b="1" dirty="0">
+                <a:solidFill>
+                  <a:srgbClr val="D4D4D4"/>
+                </a:solidFill>
+                <a:latin typeface="Consolas" panose="020B0609020204030204" pitchFamily="49" charset="0"/>
+              </a:rPr>
+              <a:t>] == x): </a:t>
+            </a:r>
+          </a:p>
+          <a:p>
+            <a:pPr marL="0" indent="0">
+              <a:buNone/>
+            </a:pPr>
+            <a:r>
+              <a:rPr lang="en-US" sz="2400" b="1" dirty="0">
+                <a:solidFill>
+                  <a:srgbClr val="D4D4D4"/>
+                </a:solidFill>
+                <a:latin typeface="Consolas" panose="020B0609020204030204" pitchFamily="49" charset="0"/>
+              </a:rPr>
+              <a:t>        </a:t>
+            </a:r>
+            <a:r>
+              <a:rPr lang="en-US" sz="2400" b="1" dirty="0">
+                <a:solidFill>
+                  <a:srgbClr val="569CD6"/>
+                </a:solidFill>
+                <a:latin typeface="Consolas" panose="020B0609020204030204" pitchFamily="49" charset="0"/>
+              </a:rPr>
+              <a:t>return</a:t>
+            </a:r>
+            <a:r>
+              <a:rPr lang="en-US" sz="2400" b="1" dirty="0">
+                <a:solidFill>
+                  <a:srgbClr val="D4D4D4"/>
+                </a:solidFill>
+                <a:latin typeface="Consolas" panose="020B0609020204030204" pitchFamily="49" charset="0"/>
+              </a:rPr>
+              <a:t> </a:t>
+            </a:r>
+            <a:r>
+              <a:rPr lang="en-US" sz="2400" b="1" dirty="0" err="1">
+                <a:solidFill>
+                  <a:srgbClr val="D4D4D4"/>
+                </a:solidFill>
+                <a:latin typeface="Consolas" panose="020B0609020204030204" pitchFamily="49" charset="0"/>
+              </a:rPr>
+              <a:t>i</a:t>
+            </a:r>
+            <a:endParaRPr lang="en-US" sz="2400" b="1" dirty="0">
+              <a:solidFill>
+                <a:srgbClr val="D4D4D4"/>
+              </a:solidFill>
+              <a:latin typeface="Consolas" panose="020B0609020204030204" pitchFamily="49" charset="0"/>
+            </a:endParaRPr>
+          </a:p>
+          <a:p>
+            <a:pPr marL="0" indent="0">
+              <a:buNone/>
+            </a:pPr>
+            <a:r>
+              <a:rPr lang="en-US" sz="2400" b="1" dirty="0">
+                <a:solidFill>
+                  <a:srgbClr val="D4D4D4"/>
+                </a:solidFill>
+                <a:latin typeface="Consolas" panose="020B0609020204030204" pitchFamily="49" charset="0"/>
+              </a:rPr>
+              <a:t>    </a:t>
+            </a:r>
+            <a:r>
+              <a:rPr lang="en-US" sz="2400" b="1" dirty="0">
+                <a:solidFill>
+                  <a:srgbClr val="569CD6"/>
+                </a:solidFill>
+                <a:latin typeface="Consolas" panose="020B0609020204030204" pitchFamily="49" charset="0"/>
+              </a:rPr>
+              <a:t>return</a:t>
+            </a:r>
+            <a:r>
+              <a:rPr lang="en-US" sz="2400" b="1" dirty="0">
+                <a:solidFill>
+                  <a:srgbClr val="D4D4D4"/>
+                </a:solidFill>
+                <a:latin typeface="Consolas" panose="020B0609020204030204" pitchFamily="49" charset="0"/>
+              </a:rPr>
+              <a:t> -</a:t>
+            </a:r>
+            <a:r>
+              <a:rPr lang="en-US" sz="2400" b="1" dirty="0">
+                <a:solidFill>
+                  <a:srgbClr val="B5CEA8"/>
+                </a:solidFill>
+                <a:latin typeface="Consolas" panose="020B0609020204030204" pitchFamily="49" charset="0"/>
+              </a:rPr>
+              <a:t>1</a:t>
+            </a:r>
+            <a:endParaRPr lang="en-US" sz="2400" b="1" dirty="0">
+              <a:solidFill>
+                <a:srgbClr val="D4D4D4"/>
+              </a:solidFill>
+              <a:latin typeface="Consolas" panose="020B0609020204030204" pitchFamily="49" charset="0"/>
+            </a:endParaRPr>
+          </a:p>
+          <a:p>
+            <a:pPr marL="0" indent="0">
+              <a:buNone/>
+            </a:pPr>
+            <a:r>
+              <a:rPr lang="en-IN" sz="2400" b="1" dirty="0">
+                <a:solidFill>
+                  <a:srgbClr val="FFFF00"/>
+                </a:solidFill>
+              </a:rPr>
+              <a:t/>
+            </a:r>
+            <a:br>
+              <a:rPr lang="en-IN" sz="2400" b="1" dirty="0">
+                <a:solidFill>
+                  <a:srgbClr val="FFFF00"/>
+                </a:solidFill>
+              </a:rPr>
+            </a:br>
+            <a:endParaRPr lang="en-US" sz="2400" b="1" dirty="0" smtClean="0">
+              <a:solidFill>
+                <a:srgbClr val="FFFF00"/>
+              </a:solidFill>
+            </a:endParaRPr>
+          </a:p>
+        </p:txBody>
+      </p:sp>
+      <p:sp>
+        <p:nvSpPr>
+          <p:cNvPr id="6" name="Rectangle 5"/>
+          <p:cNvSpPr/>
+          <p:nvPr/>
+        </p:nvSpPr>
+        <p:spPr>
+          <a:xfrm>
+            <a:off x="6303819" y="2169457"/>
+            <a:ext cx="5500255" cy="4466870"/>
+          </a:xfrm>
+          <a:prstGeom prst="rect">
+            <a:avLst/>
+          </a:prstGeom>
+          <a:solidFill>
+            <a:schemeClr val="accent3">
+              <a:lumMod val="60000"/>
+              <a:lumOff val="40000"/>
+            </a:schemeClr>
+          </a:solidFill>
+        </p:spPr>
+        <p:style>
+          <a:lnRef idx="2">
+            <a:schemeClr val="accent1">
+              <a:shade val="50000"/>
+            </a:schemeClr>
+          </a:lnRef>
+          <a:fillRef idx="1">
+            <a:schemeClr val="accent1"/>
+          </a:fillRef>
+          <a:effectRef idx="0">
+            <a:schemeClr val="accent1"/>
+          </a:effectRef>
+          <a:fontRef idx="minor">
+            <a:schemeClr val="lt1"/>
+          </a:fontRef>
+        </p:style>
+        <p:txBody>
+          <a:bodyPr rtlCol="0" anchor="t"/>
+          <a:lstStyle/>
+          <a:p>
+            <a:r>
+              <a:rPr lang="en-US" sz="2800" dirty="0" smtClean="0">
+                <a:solidFill>
+                  <a:schemeClr val="bg1">
+                    <a:lumMod val="95000"/>
+                    <a:lumOff val="5000"/>
+                  </a:schemeClr>
+                </a:solidFill>
+              </a:rPr>
+              <a:t>What is worst case complexity?</a:t>
+            </a:r>
+          </a:p>
+          <a:p>
+            <a:endParaRPr lang="en-US" sz="2800" dirty="0">
+              <a:solidFill>
+                <a:schemeClr val="bg1">
+                  <a:lumMod val="95000"/>
+                  <a:lumOff val="5000"/>
+                </a:schemeClr>
+              </a:solidFill>
+            </a:endParaRPr>
+          </a:p>
+          <a:p>
+            <a:r>
+              <a:rPr lang="en-US" sz="2800" dirty="0" smtClean="0">
+                <a:solidFill>
+                  <a:schemeClr val="bg1">
+                    <a:lumMod val="95000"/>
+                    <a:lumOff val="5000"/>
+                  </a:schemeClr>
+                </a:solidFill>
+              </a:rPr>
+              <a:t>What is best case complexity?</a:t>
+            </a:r>
+          </a:p>
+          <a:p>
+            <a:endParaRPr lang="en-US" sz="2800" dirty="0">
+              <a:solidFill>
+                <a:schemeClr val="bg1">
+                  <a:lumMod val="95000"/>
+                  <a:lumOff val="5000"/>
+                </a:schemeClr>
+              </a:solidFill>
+            </a:endParaRPr>
+          </a:p>
+          <a:p>
+            <a:r>
+              <a:rPr lang="en-US" sz="2800" dirty="0" smtClean="0">
+                <a:solidFill>
+                  <a:schemeClr val="bg1">
+                    <a:lumMod val="95000"/>
+                    <a:lumOff val="5000"/>
+                  </a:schemeClr>
+                </a:solidFill>
+              </a:rPr>
+              <a:t>What is average case complexity?</a:t>
+            </a:r>
+            <a:endParaRPr lang="en-US" sz="2800" dirty="0">
+              <a:solidFill>
+                <a:schemeClr val="bg1">
+                  <a:lumMod val="95000"/>
+                  <a:lumOff val="5000"/>
+                </a:schemeClr>
+              </a:solidFill>
+            </a:endParaRPr>
+          </a:p>
+        </p:txBody>
+      </p:sp>
+    </p:spTree>
+    <p:extLst>
+      <p:ext uri="{BB962C8B-B14F-4D97-AF65-F5344CB8AC3E}">
+        <p14:creationId xmlns:p14="http://schemas.microsoft.com/office/powerpoint/2010/main" val="3664811673"/>
+      </p:ext>
+    </p:extLst>
+  </p:cSld>
+  <p:clrMapOvr>
+    <a:masterClrMapping/>
+  </p:clrMapOvr>
+  <p:timing>
+    <p:tnLst>
+      <p:par>
+        <p:cTn id="1" dur="indefinite" restart="never" nodeType="tmRoot"/>
+      </p:par>
+    </p:tnLst>
+  </p:timing>
+</p:sld>
+</file>
+
+<file path=ppt/slides/slide24.xml><?xml version="1.0" encoding="utf-8"?>
+<p:sld xmlns:a="http://schemas.openxmlformats.org/drawingml/2006/main" xmlns:r="http://schemas.openxmlformats.org/officeDocument/2006/relationships" xmlns:p="http://schemas.openxmlformats.org/presentationml/2006/main">
+  <p:cSld>
+    <p:spTree>
+      <p:nvGrpSpPr>
+        <p:cNvPr id="1" name=""/>
+        <p:cNvGrpSpPr/>
+        <p:nvPr/>
+      </p:nvGrpSpPr>
+      <p:grpSpPr>
+        <a:xfrm>
+          <a:off x="0" y="0"/>
+          <a:ext cx="0" cy="0"/>
+          <a:chOff x="0" y="0"/>
+          <a:chExt cx="0" cy="0"/>
+        </a:xfrm>
+      </p:grpSpPr>
+      <p:sp>
+        <p:nvSpPr>
+          <p:cNvPr id="2" name="Title 1"/>
+          <p:cNvSpPr>
+            <a:spLocks noGrp="1"/>
+          </p:cNvSpPr>
+          <p:nvPr>
+            <p:ph type="title"/>
+          </p:nvPr>
+        </p:nvSpPr>
+        <p:spPr>
+          <a:xfrm>
+            <a:off x="646111" y="452718"/>
+            <a:ext cx="10562217" cy="1400530"/>
+          </a:xfrm>
+        </p:spPr>
+        <p:txBody>
+          <a:bodyPr/>
+          <a:lstStyle/>
+          <a:p>
+            <a:r>
+              <a:rPr lang="en-US" dirty="0" smtClean="0"/>
+              <a:t>Let’s evaluate running times-</a:t>
+            </a:r>
+            <a:br>
+              <a:rPr lang="en-US" dirty="0" smtClean="0"/>
+            </a:br>
+            <a:r>
+              <a:rPr lang="en-US" dirty="0" smtClean="0"/>
+              <a:t>BIG OH NOTATION - </a:t>
+            </a:r>
+            <a:r>
+              <a:rPr lang="en-US" sz="4400" dirty="0" smtClean="0"/>
+              <a:t>Binary </a:t>
+            </a:r>
+            <a:r>
+              <a:rPr lang="en-US" sz="4400" dirty="0"/>
+              <a:t>Search</a:t>
+            </a:r>
+            <a:endParaRPr lang="en-IN" dirty="0"/>
+          </a:p>
+        </p:txBody>
+      </p:sp>
+      <p:sp>
+        <p:nvSpPr>
+          <p:cNvPr id="5" name="Content Placeholder 4"/>
+          <p:cNvSpPr txBox="1">
+            <a:spLocks/>
+          </p:cNvSpPr>
+          <p:nvPr/>
+        </p:nvSpPr>
+        <p:spPr>
+          <a:xfrm>
+            <a:off x="452149" y="2052918"/>
+            <a:ext cx="8946541" cy="4195481"/>
+          </a:xfrm>
+          <a:prstGeom prst="rect">
+            <a:avLst/>
+          </a:prstGeom>
+        </p:spPr>
+        <p:txBody>
+          <a:bodyPr vert="horz" lIns="91440" tIns="45720" rIns="91440" bIns="45720" rtlCol="0">
+            <a:normAutofit/>
+          </a:bodyPr>
+          <a:lstStyle>
+            <a:lvl1pPr marL="342900" indent="-342900" algn="l" defTabSz="457200" rtl="0" eaLnBrk="1" latinLnBrk="0" hangingPunct="1">
+              <a:spcBef>
+                <a:spcPts val="1000"/>
+              </a:spcBef>
+              <a:spcAft>
+                <a:spcPts val="0"/>
+              </a:spcAft>
+              <a:buClr>
+                <a:schemeClr val="bg2">
+                  <a:lumMod val="40000"/>
+                  <a:lumOff val="60000"/>
+                </a:schemeClr>
+              </a:buClr>
+              <a:buSzPct val="80000"/>
+              <a:buFont typeface="Wingdings 3" charset="2"/>
+              <a:buChar char=""/>
+              <a:defRPr sz="2000" b="0" i="0" kern="1200">
+                <a:solidFill>
+                  <a:schemeClr val="tx1"/>
+                </a:solidFill>
+                <a:latin typeface="+mj-lt"/>
+                <a:ea typeface="+mj-ea"/>
+                <a:cs typeface="+mj-cs"/>
+              </a:defRPr>
+            </a:lvl1pPr>
+            <a:lvl2pPr marL="742950" indent="-285750" algn="l" defTabSz="457200" rtl="0" eaLnBrk="1" latinLnBrk="0" hangingPunct="1">
+              <a:spcBef>
+                <a:spcPts val="1000"/>
+              </a:spcBef>
+              <a:spcAft>
+                <a:spcPts val="0"/>
+              </a:spcAft>
+              <a:buClr>
+                <a:schemeClr val="bg2">
+                  <a:lumMod val="40000"/>
+                  <a:lumOff val="60000"/>
+                </a:schemeClr>
+              </a:buClr>
+              <a:buSzPct val="80000"/>
+              <a:buFont typeface="Wingdings 3" charset="2"/>
+              <a:buChar char=""/>
+              <a:defRPr sz="1800" b="0" i="0" kern="1200">
+                <a:solidFill>
+                  <a:schemeClr val="tx1"/>
+                </a:solidFill>
+                <a:latin typeface="+mj-lt"/>
+                <a:ea typeface="+mj-ea"/>
+                <a:cs typeface="+mj-cs"/>
+              </a:defRPr>
+            </a:lvl2pPr>
+            <a:lvl3pPr marL="1143000" indent="-228600" algn="l" defTabSz="457200" rtl="0" eaLnBrk="1" latinLnBrk="0" hangingPunct="1">
+              <a:spcBef>
+                <a:spcPts val="1000"/>
+              </a:spcBef>
+              <a:spcAft>
+                <a:spcPts val="0"/>
+              </a:spcAft>
+              <a:buClr>
+                <a:schemeClr val="bg2">
+                  <a:lumMod val="40000"/>
+                  <a:lumOff val="60000"/>
+                </a:schemeClr>
+              </a:buClr>
+              <a:buSzPct val="80000"/>
+              <a:buFont typeface="Wingdings 3" charset="2"/>
+              <a:buChar char=""/>
+              <a:defRPr sz="1600" b="0" i="0" kern="1200">
+                <a:solidFill>
+                  <a:schemeClr val="tx1"/>
+                </a:solidFill>
+                <a:latin typeface="+mj-lt"/>
+                <a:ea typeface="+mj-ea"/>
+                <a:cs typeface="+mj-cs"/>
+              </a:defRPr>
+            </a:lvl3pPr>
+            <a:lvl4pPr marL="1600200" indent="-228600" algn="l" defTabSz="457200" rtl="0" eaLnBrk="1" latinLnBrk="0" hangingPunct="1">
+              <a:spcBef>
+                <a:spcPts val="1000"/>
+              </a:spcBef>
+              <a:spcAft>
+                <a:spcPts val="0"/>
+              </a:spcAft>
+              <a:buClr>
+                <a:schemeClr val="bg2">
+                  <a:lumMod val="40000"/>
+                  <a:lumOff val="60000"/>
+                </a:schemeClr>
+              </a:buClr>
+              <a:buSzPct val="80000"/>
+              <a:buFont typeface="Wingdings 3" charset="2"/>
+              <a:buChar char=""/>
+              <a:defRPr sz="1400" b="0" i="0" kern="1200">
+                <a:solidFill>
+                  <a:schemeClr val="tx1"/>
+                </a:solidFill>
+                <a:latin typeface="+mj-lt"/>
+                <a:ea typeface="+mj-ea"/>
+                <a:cs typeface="+mj-cs"/>
+              </a:defRPr>
+            </a:lvl4pPr>
+            <a:lvl5pPr marL="2057400" indent="-228600" algn="l" defTabSz="457200" rtl="0" eaLnBrk="1" latinLnBrk="0" hangingPunct="1">
+              <a:spcBef>
+                <a:spcPts val="1000"/>
+              </a:spcBef>
+              <a:spcAft>
+                <a:spcPts val="0"/>
+              </a:spcAft>
+              <a:buClr>
+                <a:schemeClr val="bg2">
+                  <a:lumMod val="40000"/>
+                  <a:lumOff val="60000"/>
+                </a:schemeClr>
+              </a:buClr>
+              <a:buSzPct val="80000"/>
+              <a:buFont typeface="Wingdings 3" charset="2"/>
+              <a:buChar char=""/>
+              <a:defRPr sz="1400" b="0" i="0" kern="1200">
+                <a:solidFill>
+                  <a:schemeClr val="tx1"/>
+                </a:solidFill>
+                <a:latin typeface="+mj-lt"/>
+                <a:ea typeface="+mj-ea"/>
+                <a:cs typeface="+mj-cs"/>
+              </a:defRPr>
+            </a:lvl5pPr>
+            <a:lvl6pPr marL="2506000" indent="-228600" algn="l" defTabSz="457200" rtl="0" eaLnBrk="1" latinLnBrk="0" hangingPunct="1">
+              <a:spcBef>
+                <a:spcPts val="1000"/>
+              </a:spcBef>
+              <a:spcAft>
+                <a:spcPts val="0"/>
+              </a:spcAft>
+              <a:buClr>
+                <a:schemeClr val="bg2">
+                  <a:lumMod val="40000"/>
+                  <a:lumOff val="60000"/>
+                </a:schemeClr>
+              </a:buClr>
+              <a:buSzPct val="80000"/>
+              <a:buFont typeface="Wingdings 3" charset="2"/>
+              <a:buChar char=""/>
+              <a:defRPr sz="1400" b="0" i="0" kern="1200">
+                <a:solidFill>
+                  <a:schemeClr val="tx1"/>
+                </a:solidFill>
+                <a:latin typeface="+mj-lt"/>
+                <a:ea typeface="+mj-ea"/>
+                <a:cs typeface="+mj-cs"/>
+              </a:defRPr>
+            </a:lvl6pPr>
+            <a:lvl7pPr marL="2971800" indent="-228600" algn="l" defTabSz="457200" rtl="0" eaLnBrk="1" latinLnBrk="0" hangingPunct="1">
+              <a:spcBef>
+                <a:spcPts val="1000"/>
+              </a:spcBef>
+              <a:spcAft>
+                <a:spcPts val="0"/>
+              </a:spcAft>
+              <a:buClr>
+                <a:schemeClr val="bg2">
+                  <a:lumMod val="40000"/>
+                  <a:lumOff val="60000"/>
+                </a:schemeClr>
+              </a:buClr>
+              <a:buSzPct val="80000"/>
+              <a:buFont typeface="Wingdings 3" charset="2"/>
+              <a:buChar char=""/>
+              <a:defRPr sz="1400" b="0" i="0" kern="1200">
+                <a:solidFill>
+                  <a:schemeClr val="tx1"/>
+                </a:solidFill>
+                <a:latin typeface="+mj-lt"/>
+                <a:ea typeface="+mj-ea"/>
+                <a:cs typeface="+mj-cs"/>
+              </a:defRPr>
+            </a:lvl7pPr>
+            <a:lvl8pPr marL="3429000" indent="-228600" algn="l" defTabSz="457200" rtl="0" eaLnBrk="1" latinLnBrk="0" hangingPunct="1">
+              <a:spcBef>
+                <a:spcPts val="1000"/>
+              </a:spcBef>
+              <a:spcAft>
+                <a:spcPts val="0"/>
+              </a:spcAft>
+              <a:buClr>
+                <a:schemeClr val="bg2">
+                  <a:lumMod val="40000"/>
+                  <a:lumOff val="60000"/>
+                </a:schemeClr>
+              </a:buClr>
+              <a:buSzPct val="80000"/>
+              <a:buFont typeface="Wingdings 3" charset="2"/>
+              <a:buChar char=""/>
+              <a:defRPr sz="1400" b="0" i="0" kern="1200">
+                <a:solidFill>
+                  <a:schemeClr val="tx1"/>
+                </a:solidFill>
+                <a:latin typeface="+mj-lt"/>
+                <a:ea typeface="+mj-ea"/>
+                <a:cs typeface="+mj-cs"/>
+              </a:defRPr>
+            </a:lvl8pPr>
+            <a:lvl9pPr marL="3886200" indent="-228600" algn="l" defTabSz="457200" rtl="0" eaLnBrk="1" latinLnBrk="0" hangingPunct="1">
+              <a:spcBef>
+                <a:spcPts val="1000"/>
+              </a:spcBef>
+              <a:spcAft>
+                <a:spcPts val="0"/>
+              </a:spcAft>
+              <a:buClr>
+                <a:schemeClr val="bg2">
+                  <a:lumMod val="40000"/>
+                  <a:lumOff val="60000"/>
+                </a:schemeClr>
+              </a:buClr>
+              <a:buSzPct val="80000"/>
+              <a:buFont typeface="Wingdings 3" charset="2"/>
+              <a:buChar char=""/>
+              <a:defRPr sz="1400" b="0" i="0" kern="1200">
+                <a:solidFill>
+                  <a:schemeClr val="tx1"/>
+                </a:solidFill>
+                <a:latin typeface="+mj-lt"/>
+                <a:ea typeface="+mj-ea"/>
+                <a:cs typeface="+mj-cs"/>
+              </a:defRPr>
+            </a:lvl9pPr>
+          </a:lstStyle>
+          <a:p>
+            <a:endParaRPr lang="en-US" sz="2800" dirty="0" smtClean="0"/>
+          </a:p>
+        </p:txBody>
+      </p:sp>
+      <p:pic>
+        <p:nvPicPr>
+          <p:cNvPr id="7" name="Picture 6"/>
+          <p:cNvPicPr>
+            <a:picLocks noChangeAspect="1"/>
+          </p:cNvPicPr>
+          <p:nvPr/>
+        </p:nvPicPr>
+        <p:blipFill>
+          <a:blip r:embed="rId2">
+            <a:extLst>
+              <a:ext uri="{28A0092B-C50C-407E-A947-70E740481C1C}">
+                <a14:useLocalDpi xmlns:a14="http://schemas.microsoft.com/office/drawing/2010/main" val="0"/>
+              </a:ext>
+            </a:extLst>
+          </a:blip>
+          <a:stretch>
+            <a:fillRect/>
+          </a:stretch>
+        </p:blipFill>
+        <p:spPr>
+          <a:xfrm>
+            <a:off x="1906874" y="2402777"/>
+            <a:ext cx="7680471" cy="3000496"/>
+          </a:xfrm>
+          <a:prstGeom prst="rect">
+            <a:avLst/>
+          </a:prstGeom>
+        </p:spPr>
+      </p:pic>
+    </p:spTree>
+    <p:extLst>
+      <p:ext uri="{BB962C8B-B14F-4D97-AF65-F5344CB8AC3E}">
+        <p14:creationId xmlns:p14="http://schemas.microsoft.com/office/powerpoint/2010/main" val="7186449"/>
+      </p:ext>
+    </p:extLst>
+  </p:cSld>
+  <p:clrMapOvr>
+    <a:masterClrMapping/>
+  </p:clrMapOvr>
+  <p:timing>
+    <p:tnLst>
+      <p:par>
+        <p:cTn id="1" dur="indefinite" restart="never" nodeType="tmRoot"/>
+      </p:par>
+    </p:tnLst>
+  </p:timing>
+</p:sld>
+</file>
+
+<file path=ppt/slides/slide25.xml><?xml version="1.0" encoding="utf-8"?>
+<p:sld xmlns:a="http://schemas.openxmlformats.org/drawingml/2006/main" xmlns:r="http://schemas.openxmlformats.org/officeDocument/2006/relationships" xmlns:p="http://schemas.openxmlformats.org/presentationml/2006/main">
+  <p:cSld>
+    <p:spTree>
+      <p:nvGrpSpPr>
+        <p:cNvPr id="1" name=""/>
+        <p:cNvGrpSpPr/>
+        <p:nvPr/>
+      </p:nvGrpSpPr>
+      <p:grpSpPr>
+        <a:xfrm>
+          <a:off x="0" y="0"/>
+          <a:ext cx="0" cy="0"/>
+          <a:chOff x="0" y="0"/>
+          <a:chExt cx="0" cy="0"/>
+        </a:xfrm>
+      </p:grpSpPr>
+      <p:sp>
+        <p:nvSpPr>
+          <p:cNvPr id="2" name="Title 1"/>
+          <p:cNvSpPr>
+            <a:spLocks noGrp="1"/>
+          </p:cNvSpPr>
+          <p:nvPr>
+            <p:ph type="title"/>
+          </p:nvPr>
+        </p:nvSpPr>
+        <p:spPr>
+          <a:xfrm>
+            <a:off x="188913" y="314172"/>
+            <a:ext cx="11753705" cy="990600"/>
+          </a:xfrm>
+        </p:spPr>
+        <p:txBody>
+          <a:bodyPr/>
+          <a:lstStyle/>
+          <a:p>
+            <a:r>
+              <a:rPr lang="en-US" sz="2800" dirty="0" smtClean="0"/>
+              <a:t>Let’s evaluate running times - BIG OH NOTATION - Binary </a:t>
+            </a:r>
+            <a:r>
+              <a:rPr lang="en-US" sz="2800" dirty="0"/>
+              <a:t>Search</a:t>
+            </a:r>
+            <a:endParaRPr lang="en-IN" sz="2800" dirty="0"/>
+          </a:p>
+        </p:txBody>
+      </p:sp>
+      <p:sp>
+        <p:nvSpPr>
+          <p:cNvPr id="5" name="Content Placeholder 4"/>
+          <p:cNvSpPr txBox="1">
+            <a:spLocks/>
+          </p:cNvSpPr>
+          <p:nvPr/>
+        </p:nvSpPr>
+        <p:spPr>
+          <a:xfrm>
+            <a:off x="452149" y="2052918"/>
+            <a:ext cx="8946541" cy="4195481"/>
+          </a:xfrm>
+          <a:prstGeom prst="rect">
+            <a:avLst/>
+          </a:prstGeom>
+        </p:spPr>
+        <p:txBody>
+          <a:bodyPr vert="horz" lIns="91440" tIns="45720" rIns="91440" bIns="45720" rtlCol="0">
+            <a:normAutofit/>
+          </a:bodyPr>
+          <a:lstStyle>
+            <a:lvl1pPr marL="342900" indent="-342900" algn="l" defTabSz="457200" rtl="0" eaLnBrk="1" latinLnBrk="0" hangingPunct="1">
+              <a:spcBef>
+                <a:spcPts val="1000"/>
+              </a:spcBef>
+              <a:spcAft>
+                <a:spcPts val="0"/>
+              </a:spcAft>
+              <a:buClr>
+                <a:schemeClr val="bg2">
+                  <a:lumMod val="40000"/>
+                  <a:lumOff val="60000"/>
+                </a:schemeClr>
+              </a:buClr>
+              <a:buSzPct val="80000"/>
+              <a:buFont typeface="Wingdings 3" charset="2"/>
+              <a:buChar char=""/>
+              <a:defRPr sz="2000" b="0" i="0" kern="1200">
+                <a:solidFill>
+                  <a:schemeClr val="tx1"/>
+                </a:solidFill>
+                <a:latin typeface="+mj-lt"/>
+                <a:ea typeface="+mj-ea"/>
+                <a:cs typeface="+mj-cs"/>
+              </a:defRPr>
+            </a:lvl1pPr>
+            <a:lvl2pPr marL="742950" indent="-285750" algn="l" defTabSz="457200" rtl="0" eaLnBrk="1" latinLnBrk="0" hangingPunct="1">
+              <a:spcBef>
+                <a:spcPts val="1000"/>
+              </a:spcBef>
+              <a:spcAft>
+                <a:spcPts val="0"/>
+              </a:spcAft>
+              <a:buClr>
+                <a:schemeClr val="bg2">
+                  <a:lumMod val="40000"/>
+                  <a:lumOff val="60000"/>
+                </a:schemeClr>
+              </a:buClr>
+              <a:buSzPct val="80000"/>
+              <a:buFont typeface="Wingdings 3" charset="2"/>
+              <a:buChar char=""/>
+              <a:defRPr sz="1800" b="0" i="0" kern="1200">
+                <a:solidFill>
+                  <a:schemeClr val="tx1"/>
+                </a:solidFill>
+                <a:latin typeface="+mj-lt"/>
+                <a:ea typeface="+mj-ea"/>
+                <a:cs typeface="+mj-cs"/>
+              </a:defRPr>
+            </a:lvl2pPr>
+            <a:lvl3pPr marL="1143000" indent="-228600" algn="l" defTabSz="457200" rtl="0" eaLnBrk="1" latinLnBrk="0" hangingPunct="1">
+              <a:spcBef>
+                <a:spcPts val="1000"/>
+              </a:spcBef>
+              <a:spcAft>
+                <a:spcPts val="0"/>
+              </a:spcAft>
+              <a:buClr>
+                <a:schemeClr val="bg2">
+                  <a:lumMod val="40000"/>
+                  <a:lumOff val="60000"/>
+                </a:schemeClr>
+              </a:buClr>
+              <a:buSzPct val="80000"/>
+              <a:buFont typeface="Wingdings 3" charset="2"/>
+              <a:buChar char=""/>
+              <a:defRPr sz="1600" b="0" i="0" kern="1200">
+                <a:solidFill>
+                  <a:schemeClr val="tx1"/>
+                </a:solidFill>
+                <a:latin typeface="+mj-lt"/>
+                <a:ea typeface="+mj-ea"/>
+                <a:cs typeface="+mj-cs"/>
+              </a:defRPr>
+            </a:lvl3pPr>
+            <a:lvl4pPr marL="1600200" indent="-228600" algn="l" defTabSz="457200" rtl="0" eaLnBrk="1" latinLnBrk="0" hangingPunct="1">
+              <a:spcBef>
+                <a:spcPts val="1000"/>
+              </a:spcBef>
+              <a:spcAft>
+                <a:spcPts val="0"/>
+              </a:spcAft>
+              <a:buClr>
+                <a:schemeClr val="bg2">
+                  <a:lumMod val="40000"/>
+                  <a:lumOff val="60000"/>
+                </a:schemeClr>
+              </a:buClr>
+              <a:buSzPct val="80000"/>
+              <a:buFont typeface="Wingdings 3" charset="2"/>
+              <a:buChar char=""/>
+              <a:defRPr sz="1400" b="0" i="0" kern="1200">
+                <a:solidFill>
+                  <a:schemeClr val="tx1"/>
+                </a:solidFill>
+                <a:latin typeface="+mj-lt"/>
+                <a:ea typeface="+mj-ea"/>
+                <a:cs typeface="+mj-cs"/>
+              </a:defRPr>
+            </a:lvl4pPr>
+            <a:lvl5pPr marL="2057400" indent="-228600" algn="l" defTabSz="457200" rtl="0" eaLnBrk="1" latinLnBrk="0" hangingPunct="1">
+              <a:spcBef>
+                <a:spcPts val="1000"/>
+              </a:spcBef>
+              <a:spcAft>
+                <a:spcPts val="0"/>
+              </a:spcAft>
+              <a:buClr>
+                <a:schemeClr val="bg2">
+                  <a:lumMod val="40000"/>
+                  <a:lumOff val="60000"/>
+                </a:schemeClr>
+              </a:buClr>
+              <a:buSzPct val="80000"/>
+              <a:buFont typeface="Wingdings 3" charset="2"/>
+              <a:buChar char=""/>
+              <a:defRPr sz="1400" b="0" i="0" kern="1200">
+                <a:solidFill>
+                  <a:schemeClr val="tx1"/>
+                </a:solidFill>
+                <a:latin typeface="+mj-lt"/>
+                <a:ea typeface="+mj-ea"/>
+                <a:cs typeface="+mj-cs"/>
+              </a:defRPr>
+            </a:lvl5pPr>
+            <a:lvl6pPr marL="2506000" indent="-228600" algn="l" defTabSz="457200" rtl="0" eaLnBrk="1" latinLnBrk="0" hangingPunct="1">
+              <a:spcBef>
+                <a:spcPts val="1000"/>
+              </a:spcBef>
+              <a:spcAft>
+                <a:spcPts val="0"/>
+              </a:spcAft>
+              <a:buClr>
+                <a:schemeClr val="bg2">
+                  <a:lumMod val="40000"/>
+                  <a:lumOff val="60000"/>
+                </a:schemeClr>
+              </a:buClr>
+              <a:buSzPct val="80000"/>
+              <a:buFont typeface="Wingdings 3" charset="2"/>
+              <a:buChar char=""/>
+              <a:defRPr sz="1400" b="0" i="0" kern="1200">
+                <a:solidFill>
+                  <a:schemeClr val="tx1"/>
+                </a:solidFill>
+                <a:latin typeface="+mj-lt"/>
+                <a:ea typeface="+mj-ea"/>
+                <a:cs typeface="+mj-cs"/>
+              </a:defRPr>
+            </a:lvl6pPr>
+            <a:lvl7pPr marL="2971800" indent="-228600" algn="l" defTabSz="457200" rtl="0" eaLnBrk="1" latinLnBrk="0" hangingPunct="1">
+              <a:spcBef>
+                <a:spcPts val="1000"/>
+              </a:spcBef>
+              <a:spcAft>
+                <a:spcPts val="0"/>
+              </a:spcAft>
+              <a:buClr>
+                <a:schemeClr val="bg2">
+                  <a:lumMod val="40000"/>
+                  <a:lumOff val="60000"/>
+                </a:schemeClr>
+              </a:buClr>
+              <a:buSzPct val="80000"/>
+              <a:buFont typeface="Wingdings 3" charset="2"/>
+              <a:buChar char=""/>
+              <a:defRPr sz="1400" b="0" i="0" kern="1200">
+                <a:solidFill>
+                  <a:schemeClr val="tx1"/>
+                </a:solidFill>
+                <a:latin typeface="+mj-lt"/>
+                <a:ea typeface="+mj-ea"/>
+                <a:cs typeface="+mj-cs"/>
+              </a:defRPr>
+            </a:lvl7pPr>
+            <a:lvl8pPr marL="3429000" indent="-228600" algn="l" defTabSz="457200" rtl="0" eaLnBrk="1" latinLnBrk="0" hangingPunct="1">
+              <a:spcBef>
+                <a:spcPts val="1000"/>
+              </a:spcBef>
+              <a:spcAft>
+                <a:spcPts val="0"/>
+              </a:spcAft>
+              <a:buClr>
+                <a:schemeClr val="bg2">
+                  <a:lumMod val="40000"/>
+                  <a:lumOff val="60000"/>
+                </a:schemeClr>
+              </a:buClr>
+              <a:buSzPct val="80000"/>
+              <a:buFont typeface="Wingdings 3" charset="2"/>
+              <a:buChar char=""/>
+              <a:defRPr sz="1400" b="0" i="0" kern="1200">
+                <a:solidFill>
+                  <a:schemeClr val="tx1"/>
+                </a:solidFill>
+                <a:latin typeface="+mj-lt"/>
+                <a:ea typeface="+mj-ea"/>
+                <a:cs typeface="+mj-cs"/>
+              </a:defRPr>
+            </a:lvl8pPr>
+            <a:lvl9pPr marL="3886200" indent="-228600" algn="l" defTabSz="457200" rtl="0" eaLnBrk="1" latinLnBrk="0" hangingPunct="1">
+              <a:spcBef>
+                <a:spcPts val="1000"/>
+              </a:spcBef>
+              <a:spcAft>
+                <a:spcPts val="0"/>
+              </a:spcAft>
+              <a:buClr>
+                <a:schemeClr val="bg2">
+                  <a:lumMod val="40000"/>
+                  <a:lumOff val="60000"/>
+                </a:schemeClr>
+              </a:buClr>
+              <a:buSzPct val="80000"/>
+              <a:buFont typeface="Wingdings 3" charset="2"/>
+              <a:buChar char=""/>
+              <a:defRPr sz="1400" b="0" i="0" kern="1200">
+                <a:solidFill>
+                  <a:schemeClr val="tx1"/>
+                </a:solidFill>
+                <a:latin typeface="+mj-lt"/>
+                <a:ea typeface="+mj-ea"/>
+                <a:cs typeface="+mj-cs"/>
+              </a:defRPr>
+            </a:lvl9pPr>
+          </a:lstStyle>
+          <a:p>
+            <a:endParaRPr lang="en-US" sz="2800" dirty="0" smtClean="0"/>
+          </a:p>
+        </p:txBody>
+      </p:sp>
+      <p:sp>
+        <p:nvSpPr>
+          <p:cNvPr id="4" name="Content Placeholder 2"/>
+          <p:cNvSpPr>
+            <a:spLocks noGrp="1"/>
+          </p:cNvSpPr>
+          <p:nvPr>
+            <p:ph idx="1"/>
+          </p:nvPr>
+        </p:nvSpPr>
+        <p:spPr>
+          <a:xfrm>
+            <a:off x="188913" y="972263"/>
+            <a:ext cx="8677996" cy="5414682"/>
+          </a:xfrm>
+          <a:solidFill>
+            <a:srgbClr val="002060"/>
+          </a:solidFill>
+        </p:spPr>
+        <p:txBody>
+          <a:bodyPr>
+            <a:noAutofit/>
+          </a:bodyPr>
+          <a:lstStyle/>
+          <a:p>
+            <a:pPr marL="0" indent="0">
+              <a:buNone/>
+            </a:pPr>
+            <a:r>
+              <a:rPr lang="en-US" sz="2400" dirty="0" err="1" smtClean="0">
+                <a:solidFill>
+                  <a:srgbClr val="569CD6"/>
+                </a:solidFill>
+                <a:latin typeface="Consolas" panose="020B0609020204030204" pitchFamily="49" charset="0"/>
+              </a:rPr>
+              <a:t>def</a:t>
+            </a:r>
+            <a:r>
+              <a:rPr lang="en-US" sz="2400" dirty="0">
+                <a:solidFill>
+                  <a:srgbClr val="D4D4D4"/>
+                </a:solidFill>
+                <a:latin typeface="Consolas" panose="020B0609020204030204" pitchFamily="49" charset="0"/>
+              </a:rPr>
+              <a:t> </a:t>
+            </a:r>
+            <a:r>
+              <a:rPr lang="en-US" sz="2400" dirty="0" err="1">
+                <a:solidFill>
+                  <a:srgbClr val="D4D4D4"/>
+                </a:solidFill>
+                <a:latin typeface="Consolas" panose="020B0609020204030204" pitchFamily="49" charset="0"/>
+              </a:rPr>
+              <a:t>binarySearch</a:t>
+            </a:r>
+            <a:r>
+              <a:rPr lang="en-US" sz="2400" dirty="0">
+                <a:solidFill>
+                  <a:srgbClr val="D4D4D4"/>
+                </a:solidFill>
+                <a:latin typeface="Consolas" panose="020B0609020204030204" pitchFamily="49" charset="0"/>
+              </a:rPr>
+              <a:t> (</a:t>
+            </a:r>
+            <a:r>
+              <a:rPr lang="en-US" sz="2400" dirty="0" err="1">
+                <a:solidFill>
+                  <a:srgbClr val="D4D4D4"/>
+                </a:solidFill>
+                <a:latin typeface="Consolas" panose="020B0609020204030204" pitchFamily="49" charset="0"/>
+              </a:rPr>
+              <a:t>arr</a:t>
+            </a:r>
+            <a:r>
+              <a:rPr lang="en-US" sz="2400" dirty="0">
+                <a:solidFill>
+                  <a:srgbClr val="D4D4D4"/>
+                </a:solidFill>
+                <a:latin typeface="Consolas" panose="020B0609020204030204" pitchFamily="49" charset="0"/>
+              </a:rPr>
+              <a:t>, l, r, x): </a:t>
+            </a:r>
+          </a:p>
+          <a:p>
+            <a:pPr marL="0" indent="0">
+              <a:buNone/>
+            </a:pPr>
+            <a:r>
+              <a:rPr lang="en-US" sz="2400" dirty="0">
+                <a:solidFill>
+                  <a:srgbClr val="D4D4D4"/>
+                </a:solidFill>
+                <a:latin typeface="Consolas" panose="020B0609020204030204" pitchFamily="49" charset="0"/>
+              </a:rPr>
+              <a:t> </a:t>
+            </a:r>
+            <a:r>
+              <a:rPr lang="en-US" sz="2400" dirty="0" smtClean="0">
+                <a:solidFill>
+                  <a:srgbClr val="D4D4D4"/>
+                </a:solidFill>
+                <a:latin typeface="Consolas" panose="020B0609020204030204" pitchFamily="49" charset="0"/>
+              </a:rPr>
+              <a:t>	</a:t>
+            </a:r>
+            <a:r>
+              <a:rPr lang="en-US" sz="2400" dirty="0" smtClean="0">
+                <a:solidFill>
+                  <a:srgbClr val="569CD6"/>
+                </a:solidFill>
+                <a:latin typeface="Consolas" panose="020B0609020204030204" pitchFamily="49" charset="0"/>
+              </a:rPr>
+              <a:t>if</a:t>
+            </a:r>
+            <a:r>
+              <a:rPr lang="en-US" sz="2400" dirty="0">
+                <a:solidFill>
+                  <a:srgbClr val="D4D4D4"/>
+                </a:solidFill>
+                <a:latin typeface="Consolas" panose="020B0609020204030204" pitchFamily="49" charset="0"/>
+              </a:rPr>
+              <a:t> r &gt;= </a:t>
+            </a:r>
+            <a:r>
+              <a:rPr lang="en-US" sz="2400" dirty="0" smtClean="0">
+                <a:solidFill>
+                  <a:srgbClr val="D4D4D4"/>
+                </a:solidFill>
+                <a:latin typeface="Consolas" panose="020B0609020204030204" pitchFamily="49" charset="0"/>
+              </a:rPr>
+              <a:t>l:</a:t>
+            </a:r>
+          </a:p>
+          <a:p>
+            <a:pPr marL="0" indent="0">
+              <a:buNone/>
+            </a:pPr>
+            <a:r>
+              <a:rPr lang="en-US" sz="2400" dirty="0">
+                <a:solidFill>
+                  <a:srgbClr val="D4D4D4"/>
+                </a:solidFill>
+                <a:latin typeface="Consolas" panose="020B0609020204030204" pitchFamily="49" charset="0"/>
+              </a:rPr>
+              <a:t>	</a:t>
+            </a:r>
+            <a:r>
+              <a:rPr lang="en-US" sz="2400" dirty="0" smtClean="0">
+                <a:solidFill>
+                  <a:srgbClr val="D4D4D4"/>
+                </a:solidFill>
+                <a:latin typeface="Consolas" panose="020B0609020204030204" pitchFamily="49" charset="0"/>
+              </a:rPr>
+              <a:t>	mid</a:t>
+            </a:r>
+            <a:r>
+              <a:rPr lang="en-US" sz="2400" dirty="0">
+                <a:solidFill>
+                  <a:srgbClr val="D4D4D4"/>
+                </a:solidFill>
+                <a:latin typeface="Consolas" panose="020B0609020204030204" pitchFamily="49" charset="0"/>
+              </a:rPr>
+              <a:t> = l + (r - l)//</a:t>
+            </a:r>
+            <a:r>
+              <a:rPr lang="en-US" sz="2400" dirty="0">
+                <a:solidFill>
+                  <a:srgbClr val="B5CEA8"/>
+                </a:solidFill>
+                <a:latin typeface="Consolas" panose="020B0609020204030204" pitchFamily="49" charset="0"/>
+              </a:rPr>
+              <a:t>2</a:t>
+            </a:r>
+            <a:endParaRPr lang="en-US" sz="2400" dirty="0">
+              <a:solidFill>
+                <a:srgbClr val="D4D4D4"/>
+              </a:solidFill>
+              <a:latin typeface="Consolas" panose="020B0609020204030204" pitchFamily="49" charset="0"/>
+            </a:endParaRPr>
+          </a:p>
+          <a:p>
+            <a:pPr marL="0" indent="0">
+              <a:buNone/>
+            </a:pPr>
+            <a:r>
+              <a:rPr lang="en-US" sz="2400" dirty="0">
+                <a:solidFill>
+                  <a:srgbClr val="D4D4D4"/>
+                </a:solidFill>
+                <a:latin typeface="Consolas" panose="020B0609020204030204" pitchFamily="49" charset="0"/>
+              </a:rPr>
+              <a:t>     </a:t>
+            </a:r>
+            <a:r>
+              <a:rPr lang="en-US" sz="2400" dirty="0">
+                <a:solidFill>
+                  <a:srgbClr val="569CD6"/>
+                </a:solidFill>
+                <a:latin typeface="Consolas" panose="020B0609020204030204" pitchFamily="49" charset="0"/>
+              </a:rPr>
+              <a:t>if</a:t>
+            </a:r>
+            <a:r>
+              <a:rPr lang="en-US" sz="2400" dirty="0">
+                <a:solidFill>
+                  <a:srgbClr val="D4D4D4"/>
+                </a:solidFill>
+                <a:latin typeface="Consolas" panose="020B0609020204030204" pitchFamily="49" charset="0"/>
+              </a:rPr>
+              <a:t> </a:t>
+            </a:r>
+            <a:r>
+              <a:rPr lang="en-US" sz="2400" dirty="0" err="1">
+                <a:solidFill>
+                  <a:srgbClr val="D4D4D4"/>
+                </a:solidFill>
+                <a:latin typeface="Consolas" panose="020B0609020204030204" pitchFamily="49" charset="0"/>
+              </a:rPr>
+              <a:t>arr</a:t>
+            </a:r>
+            <a:r>
+              <a:rPr lang="en-US" sz="2400" dirty="0">
+                <a:solidFill>
+                  <a:srgbClr val="D4D4D4"/>
+                </a:solidFill>
+                <a:latin typeface="Consolas" panose="020B0609020204030204" pitchFamily="49" charset="0"/>
+              </a:rPr>
+              <a:t>[mid] == x: </a:t>
+            </a:r>
+          </a:p>
+          <a:p>
+            <a:pPr marL="0" indent="0">
+              <a:buNone/>
+            </a:pPr>
+            <a:r>
+              <a:rPr lang="en-US" sz="2400" dirty="0">
+                <a:solidFill>
+                  <a:srgbClr val="D4D4D4"/>
+                </a:solidFill>
+                <a:latin typeface="Consolas" panose="020B0609020204030204" pitchFamily="49" charset="0"/>
+              </a:rPr>
+              <a:t>            </a:t>
+            </a:r>
+            <a:r>
+              <a:rPr lang="en-US" sz="2400" dirty="0">
+                <a:solidFill>
+                  <a:srgbClr val="569CD6"/>
+                </a:solidFill>
+                <a:latin typeface="Consolas" panose="020B0609020204030204" pitchFamily="49" charset="0"/>
+              </a:rPr>
+              <a:t>return</a:t>
+            </a:r>
+            <a:r>
+              <a:rPr lang="en-US" sz="2400" dirty="0">
+                <a:solidFill>
+                  <a:srgbClr val="D4D4D4"/>
+                </a:solidFill>
+                <a:latin typeface="Consolas" panose="020B0609020204030204" pitchFamily="49" charset="0"/>
+              </a:rPr>
+              <a:t> mid </a:t>
+            </a:r>
+          </a:p>
+          <a:p>
+            <a:pPr marL="0" indent="0">
+              <a:buNone/>
+            </a:pPr>
+            <a:r>
+              <a:rPr lang="en-US" sz="2400" dirty="0">
+                <a:solidFill>
+                  <a:srgbClr val="D4D4D4"/>
+                </a:solidFill>
+                <a:latin typeface="Consolas" panose="020B0609020204030204" pitchFamily="49" charset="0"/>
+              </a:rPr>
+              <a:t>     </a:t>
+            </a:r>
+            <a:r>
+              <a:rPr lang="en-US" sz="2400" dirty="0" err="1" smtClean="0">
+                <a:solidFill>
+                  <a:srgbClr val="569CD6"/>
+                </a:solidFill>
+                <a:latin typeface="Consolas" panose="020B0609020204030204" pitchFamily="49" charset="0"/>
+              </a:rPr>
+              <a:t>elif</a:t>
+            </a:r>
+            <a:r>
+              <a:rPr lang="en-US" sz="2400" dirty="0">
+                <a:solidFill>
+                  <a:srgbClr val="D4D4D4"/>
+                </a:solidFill>
+                <a:latin typeface="Consolas" panose="020B0609020204030204" pitchFamily="49" charset="0"/>
+              </a:rPr>
+              <a:t> </a:t>
+            </a:r>
+            <a:r>
+              <a:rPr lang="en-US" sz="2400" dirty="0" err="1">
+                <a:solidFill>
+                  <a:srgbClr val="D4D4D4"/>
+                </a:solidFill>
+                <a:latin typeface="Consolas" panose="020B0609020204030204" pitchFamily="49" charset="0"/>
+              </a:rPr>
+              <a:t>arr</a:t>
+            </a:r>
+            <a:r>
+              <a:rPr lang="en-US" sz="2400" dirty="0">
+                <a:solidFill>
+                  <a:srgbClr val="D4D4D4"/>
+                </a:solidFill>
+                <a:latin typeface="Consolas" panose="020B0609020204030204" pitchFamily="49" charset="0"/>
+              </a:rPr>
+              <a:t>[mid] &gt; x: </a:t>
+            </a:r>
+          </a:p>
+          <a:p>
+            <a:pPr marL="0" indent="0">
+              <a:buNone/>
+            </a:pPr>
+            <a:r>
+              <a:rPr lang="en-US" sz="2400" dirty="0">
+                <a:solidFill>
+                  <a:srgbClr val="D4D4D4"/>
+                </a:solidFill>
+                <a:latin typeface="Consolas" panose="020B0609020204030204" pitchFamily="49" charset="0"/>
+              </a:rPr>
+              <a:t>            </a:t>
+            </a:r>
+            <a:r>
+              <a:rPr lang="en-US" sz="2400" dirty="0">
+                <a:solidFill>
+                  <a:srgbClr val="569CD6"/>
+                </a:solidFill>
+                <a:latin typeface="Consolas" panose="020B0609020204030204" pitchFamily="49" charset="0"/>
+              </a:rPr>
+              <a:t>return</a:t>
+            </a:r>
+            <a:r>
+              <a:rPr lang="en-US" sz="2400" dirty="0">
+                <a:solidFill>
+                  <a:srgbClr val="D4D4D4"/>
+                </a:solidFill>
+                <a:latin typeface="Consolas" panose="020B0609020204030204" pitchFamily="49" charset="0"/>
+              </a:rPr>
+              <a:t> </a:t>
+            </a:r>
+            <a:r>
+              <a:rPr lang="en-US" sz="2400" dirty="0" err="1">
+                <a:solidFill>
+                  <a:srgbClr val="D4D4D4"/>
+                </a:solidFill>
+                <a:latin typeface="Consolas" panose="020B0609020204030204" pitchFamily="49" charset="0"/>
+              </a:rPr>
+              <a:t>binarySearch</a:t>
+            </a:r>
+            <a:r>
+              <a:rPr lang="en-US" sz="2400" dirty="0">
+                <a:solidFill>
+                  <a:srgbClr val="D4D4D4"/>
+                </a:solidFill>
+                <a:latin typeface="Consolas" panose="020B0609020204030204" pitchFamily="49" charset="0"/>
+              </a:rPr>
+              <a:t>(</a:t>
+            </a:r>
+            <a:r>
+              <a:rPr lang="en-US" sz="2400" dirty="0" err="1">
+                <a:solidFill>
+                  <a:srgbClr val="D4D4D4"/>
+                </a:solidFill>
+                <a:latin typeface="Consolas" panose="020B0609020204030204" pitchFamily="49" charset="0"/>
+              </a:rPr>
+              <a:t>arr</a:t>
+            </a:r>
+            <a:r>
+              <a:rPr lang="en-US" sz="2400" dirty="0">
+                <a:solidFill>
+                  <a:srgbClr val="D4D4D4"/>
+                </a:solidFill>
+                <a:latin typeface="Consolas" panose="020B0609020204030204" pitchFamily="49" charset="0"/>
+              </a:rPr>
+              <a:t>, l, mid-</a:t>
+            </a:r>
+            <a:r>
+              <a:rPr lang="en-US" sz="2400" dirty="0">
+                <a:solidFill>
+                  <a:srgbClr val="B5CEA8"/>
+                </a:solidFill>
+                <a:latin typeface="Consolas" panose="020B0609020204030204" pitchFamily="49" charset="0"/>
+              </a:rPr>
+              <a:t>1</a:t>
+            </a:r>
+            <a:r>
+              <a:rPr lang="en-US" sz="2400" dirty="0">
+                <a:solidFill>
+                  <a:srgbClr val="D4D4D4"/>
+                </a:solidFill>
+                <a:latin typeface="Consolas" panose="020B0609020204030204" pitchFamily="49" charset="0"/>
+              </a:rPr>
+              <a:t>, x) </a:t>
+            </a:r>
+          </a:p>
+          <a:p>
+            <a:pPr marL="0" indent="0">
+              <a:buNone/>
+            </a:pPr>
+            <a:r>
+              <a:rPr lang="en-US" sz="2400" dirty="0">
+                <a:solidFill>
+                  <a:srgbClr val="D4D4D4"/>
+                </a:solidFill>
+                <a:latin typeface="Consolas" panose="020B0609020204030204" pitchFamily="49" charset="0"/>
+              </a:rPr>
+              <a:t>  </a:t>
+            </a:r>
+            <a:r>
+              <a:rPr lang="en-US" sz="2400" dirty="0" smtClean="0">
+                <a:solidFill>
+                  <a:srgbClr val="D4D4D4"/>
+                </a:solidFill>
+                <a:latin typeface="Consolas" panose="020B0609020204030204" pitchFamily="49" charset="0"/>
+              </a:rPr>
+              <a:t>	  </a:t>
+            </a:r>
+            <a:r>
+              <a:rPr lang="en-US" sz="2400" dirty="0" smtClean="0">
+                <a:solidFill>
+                  <a:srgbClr val="569CD6"/>
+                </a:solidFill>
+                <a:latin typeface="Consolas" panose="020B0609020204030204" pitchFamily="49" charset="0"/>
+              </a:rPr>
+              <a:t>else</a:t>
+            </a:r>
+            <a:r>
+              <a:rPr lang="en-US" sz="2400" dirty="0">
+                <a:solidFill>
+                  <a:srgbClr val="D4D4D4"/>
+                </a:solidFill>
+                <a:latin typeface="Consolas" panose="020B0609020204030204" pitchFamily="49" charset="0"/>
+              </a:rPr>
+              <a:t>: </a:t>
+            </a:r>
+          </a:p>
+          <a:p>
+            <a:pPr marL="0" indent="0">
+              <a:buNone/>
+            </a:pPr>
+            <a:r>
+              <a:rPr lang="en-US" sz="2400" dirty="0">
+                <a:solidFill>
+                  <a:srgbClr val="D4D4D4"/>
+                </a:solidFill>
+                <a:latin typeface="Consolas" panose="020B0609020204030204" pitchFamily="49" charset="0"/>
+              </a:rPr>
+              <a:t>            </a:t>
+            </a:r>
+            <a:r>
+              <a:rPr lang="en-US" sz="2400" dirty="0">
+                <a:solidFill>
+                  <a:srgbClr val="569CD6"/>
+                </a:solidFill>
+                <a:latin typeface="Consolas" panose="020B0609020204030204" pitchFamily="49" charset="0"/>
+              </a:rPr>
+              <a:t>return</a:t>
+            </a:r>
+            <a:r>
+              <a:rPr lang="en-US" sz="2400" dirty="0">
+                <a:solidFill>
+                  <a:srgbClr val="D4D4D4"/>
+                </a:solidFill>
+                <a:latin typeface="Consolas" panose="020B0609020204030204" pitchFamily="49" charset="0"/>
+              </a:rPr>
+              <a:t> </a:t>
+            </a:r>
+            <a:r>
+              <a:rPr lang="en-US" sz="2400" dirty="0" err="1">
+                <a:solidFill>
+                  <a:srgbClr val="D4D4D4"/>
+                </a:solidFill>
+                <a:latin typeface="Consolas" panose="020B0609020204030204" pitchFamily="49" charset="0"/>
+              </a:rPr>
+              <a:t>binarySearch</a:t>
+            </a:r>
+            <a:r>
+              <a:rPr lang="en-US" sz="2400" dirty="0">
+                <a:solidFill>
+                  <a:srgbClr val="D4D4D4"/>
+                </a:solidFill>
+                <a:latin typeface="Consolas" panose="020B0609020204030204" pitchFamily="49" charset="0"/>
+              </a:rPr>
+              <a:t>(</a:t>
+            </a:r>
+            <a:r>
+              <a:rPr lang="en-US" sz="2400" dirty="0" err="1">
+                <a:solidFill>
+                  <a:srgbClr val="D4D4D4"/>
+                </a:solidFill>
+                <a:latin typeface="Consolas" panose="020B0609020204030204" pitchFamily="49" charset="0"/>
+              </a:rPr>
+              <a:t>arr</a:t>
+            </a:r>
+            <a:r>
+              <a:rPr lang="en-US" sz="2400" dirty="0">
+                <a:solidFill>
+                  <a:srgbClr val="D4D4D4"/>
+                </a:solidFill>
+                <a:latin typeface="Consolas" panose="020B0609020204030204" pitchFamily="49" charset="0"/>
+              </a:rPr>
+              <a:t>, mid+</a:t>
+            </a:r>
+            <a:r>
+              <a:rPr lang="en-US" sz="2400" dirty="0">
+                <a:solidFill>
+                  <a:srgbClr val="B5CEA8"/>
+                </a:solidFill>
+                <a:latin typeface="Consolas" panose="020B0609020204030204" pitchFamily="49" charset="0"/>
+              </a:rPr>
+              <a:t>1</a:t>
+            </a:r>
+            <a:r>
+              <a:rPr lang="en-US" sz="2400" dirty="0">
+                <a:solidFill>
+                  <a:srgbClr val="D4D4D4"/>
+                </a:solidFill>
+                <a:latin typeface="Consolas" panose="020B0609020204030204" pitchFamily="49" charset="0"/>
+              </a:rPr>
+              <a:t>, r, x) </a:t>
+            </a:r>
+            <a:endParaRPr lang="en-US" sz="2400" dirty="0" smtClean="0">
+              <a:solidFill>
+                <a:srgbClr val="D4D4D4"/>
+              </a:solidFill>
+              <a:latin typeface="Consolas" panose="020B0609020204030204" pitchFamily="49" charset="0"/>
+            </a:endParaRPr>
+          </a:p>
+          <a:p>
+            <a:pPr marL="0" indent="0">
+              <a:buNone/>
+            </a:pPr>
+            <a:r>
+              <a:rPr lang="en-US" sz="2400" dirty="0">
+                <a:solidFill>
+                  <a:srgbClr val="D4D4D4"/>
+                </a:solidFill>
+                <a:latin typeface="Consolas" panose="020B0609020204030204" pitchFamily="49" charset="0"/>
+              </a:rPr>
+              <a:t>	</a:t>
+            </a:r>
+            <a:r>
+              <a:rPr lang="en-US" sz="2400" dirty="0" smtClean="0">
+                <a:solidFill>
+                  <a:srgbClr val="569CD6"/>
+                </a:solidFill>
+                <a:latin typeface="Consolas" panose="020B0609020204030204" pitchFamily="49" charset="0"/>
+              </a:rPr>
+              <a:t>else</a:t>
+            </a:r>
+            <a:r>
+              <a:rPr lang="en-US" sz="2400" dirty="0">
+                <a:solidFill>
+                  <a:srgbClr val="D4D4D4"/>
+                </a:solidFill>
+                <a:latin typeface="Consolas" panose="020B0609020204030204" pitchFamily="49" charset="0"/>
+              </a:rPr>
+              <a:t>: </a:t>
+            </a:r>
+            <a:endParaRPr lang="en-US" sz="2400" dirty="0" smtClean="0">
+              <a:solidFill>
+                <a:srgbClr val="D4D4D4"/>
+              </a:solidFill>
+              <a:latin typeface="Consolas" panose="020B0609020204030204" pitchFamily="49" charset="0"/>
+            </a:endParaRPr>
+          </a:p>
+          <a:p>
+            <a:pPr marL="0" indent="0">
+              <a:buNone/>
+            </a:pPr>
+            <a:r>
+              <a:rPr lang="en-US" sz="2400" dirty="0">
+                <a:solidFill>
+                  <a:srgbClr val="D4D4D4"/>
+                </a:solidFill>
+                <a:latin typeface="Consolas" panose="020B0609020204030204" pitchFamily="49" charset="0"/>
+              </a:rPr>
+              <a:t>	</a:t>
+            </a:r>
+            <a:r>
+              <a:rPr lang="en-US" sz="2400" dirty="0" smtClean="0">
+                <a:solidFill>
+                  <a:srgbClr val="D4D4D4"/>
+                </a:solidFill>
+                <a:latin typeface="Consolas" panose="020B0609020204030204" pitchFamily="49" charset="0"/>
+              </a:rPr>
+              <a:t>	return -1</a:t>
+            </a:r>
+            <a:endParaRPr lang="en-US" sz="2400" dirty="0">
+              <a:solidFill>
+                <a:srgbClr val="D4D4D4"/>
+              </a:solidFill>
+              <a:latin typeface="Consolas" panose="020B0609020204030204" pitchFamily="49" charset="0"/>
+            </a:endParaRPr>
+          </a:p>
+          <a:p>
+            <a:pPr marL="0" indent="0">
+              <a:buNone/>
+            </a:pPr>
+            <a:r>
+              <a:rPr lang="en-US" sz="2400" dirty="0">
+                <a:solidFill>
+                  <a:srgbClr val="D4D4D4"/>
+                </a:solidFill>
+                <a:latin typeface="Consolas" panose="020B0609020204030204" pitchFamily="49" charset="0"/>
+              </a:rPr>
+              <a:t> </a:t>
+            </a:r>
+            <a:r>
+              <a:rPr lang="en-IN" sz="2400" b="1" dirty="0">
+                <a:solidFill>
+                  <a:srgbClr val="FFFF00"/>
+                </a:solidFill>
+              </a:rPr>
+              <a:t/>
+            </a:r>
+            <a:br>
+              <a:rPr lang="en-IN" sz="2400" b="1" dirty="0">
+                <a:solidFill>
+                  <a:srgbClr val="FFFF00"/>
+                </a:solidFill>
+              </a:rPr>
+            </a:br>
+            <a:endParaRPr lang="en-US" sz="2400" b="1" dirty="0" smtClean="0">
+              <a:solidFill>
+                <a:srgbClr val="FFFF00"/>
+              </a:solidFill>
+            </a:endParaRPr>
+          </a:p>
+        </p:txBody>
+      </p:sp>
+      <p:sp>
+        <p:nvSpPr>
+          <p:cNvPr id="7" name="Rectangle 6"/>
+          <p:cNvSpPr/>
+          <p:nvPr/>
+        </p:nvSpPr>
+        <p:spPr>
+          <a:xfrm>
+            <a:off x="8866909" y="972263"/>
+            <a:ext cx="3075709" cy="5414682"/>
+          </a:xfrm>
+          <a:prstGeom prst="rect">
+            <a:avLst/>
+          </a:prstGeom>
+          <a:solidFill>
+            <a:schemeClr val="accent3">
+              <a:lumMod val="60000"/>
+              <a:lumOff val="40000"/>
+            </a:schemeClr>
+          </a:solidFill>
+        </p:spPr>
+        <p:style>
+          <a:lnRef idx="2">
+            <a:schemeClr val="accent1">
+              <a:shade val="50000"/>
+            </a:schemeClr>
+          </a:lnRef>
+          <a:fillRef idx="1">
+            <a:schemeClr val="accent1"/>
+          </a:fillRef>
+          <a:effectRef idx="0">
+            <a:schemeClr val="accent1"/>
+          </a:effectRef>
+          <a:fontRef idx="minor">
+            <a:schemeClr val="lt1"/>
+          </a:fontRef>
+        </p:style>
+        <p:txBody>
+          <a:bodyPr rtlCol="0" anchor="t"/>
+          <a:lstStyle/>
+          <a:p>
+            <a:r>
+              <a:rPr lang="en-US" sz="2800" dirty="0" smtClean="0">
+                <a:solidFill>
+                  <a:schemeClr val="bg1">
+                    <a:lumMod val="95000"/>
+                    <a:lumOff val="5000"/>
+                  </a:schemeClr>
+                </a:solidFill>
+              </a:rPr>
+              <a:t>Time:</a:t>
+            </a:r>
+            <a:r>
+              <a:rPr lang="en-US" sz="2800" dirty="0">
+                <a:solidFill>
+                  <a:schemeClr val="bg1">
+                    <a:lumMod val="95000"/>
+                    <a:lumOff val="5000"/>
+                  </a:schemeClr>
+                </a:solidFill>
+              </a:rPr>
+              <a:t> </a:t>
+            </a:r>
+          </a:p>
+          <a:p>
+            <a:r>
+              <a:rPr lang="en-US" sz="2800" dirty="0" err="1" smtClean="0">
+                <a:solidFill>
+                  <a:schemeClr val="bg1">
+                    <a:lumMod val="95000"/>
+                    <a:lumOff val="5000"/>
+                  </a:schemeClr>
+                </a:solidFill>
+              </a:rPr>
+              <a:t>T_comp</a:t>
+            </a:r>
+            <a:endParaRPr lang="en-US" sz="2800" dirty="0" smtClean="0">
+              <a:solidFill>
+                <a:schemeClr val="bg1">
+                  <a:lumMod val="95000"/>
+                  <a:lumOff val="5000"/>
+                </a:schemeClr>
+              </a:solidFill>
+            </a:endParaRPr>
+          </a:p>
+          <a:p>
+            <a:r>
+              <a:rPr lang="en-US" sz="2800" dirty="0" err="1" smtClean="0">
+                <a:solidFill>
+                  <a:schemeClr val="bg1">
+                    <a:lumMod val="95000"/>
+                    <a:lumOff val="5000"/>
+                  </a:schemeClr>
+                </a:solidFill>
+              </a:rPr>
+              <a:t>T_arith</a:t>
+            </a:r>
+            <a:endParaRPr lang="en-US" sz="2800" dirty="0" smtClean="0">
+              <a:solidFill>
+                <a:schemeClr val="bg1">
+                  <a:lumMod val="95000"/>
+                  <a:lumOff val="5000"/>
+                </a:schemeClr>
+              </a:solidFill>
+            </a:endParaRPr>
+          </a:p>
+          <a:p>
+            <a:r>
+              <a:rPr lang="en-US" sz="2800" dirty="0" err="1" smtClean="0">
+                <a:solidFill>
+                  <a:schemeClr val="bg1">
+                    <a:lumMod val="95000"/>
+                    <a:lumOff val="5000"/>
+                  </a:schemeClr>
+                </a:solidFill>
+              </a:rPr>
+              <a:t>T_comp</a:t>
+            </a:r>
+            <a:endParaRPr lang="en-US" sz="2800" dirty="0" smtClean="0">
+              <a:solidFill>
+                <a:schemeClr val="bg1">
+                  <a:lumMod val="95000"/>
+                  <a:lumOff val="5000"/>
+                </a:schemeClr>
+              </a:solidFill>
+            </a:endParaRPr>
+          </a:p>
+          <a:p>
+            <a:endParaRPr lang="en-US" sz="2800" dirty="0">
+              <a:solidFill>
+                <a:schemeClr val="bg1">
+                  <a:lumMod val="95000"/>
+                  <a:lumOff val="5000"/>
+                </a:schemeClr>
+              </a:solidFill>
+            </a:endParaRPr>
+          </a:p>
+          <a:p>
+            <a:endParaRPr lang="en-US" sz="2800" dirty="0" smtClean="0">
+              <a:solidFill>
+                <a:schemeClr val="bg1">
+                  <a:lumMod val="95000"/>
+                  <a:lumOff val="5000"/>
+                </a:schemeClr>
+              </a:solidFill>
+            </a:endParaRPr>
+          </a:p>
+          <a:p>
+            <a:endParaRPr lang="en-US" sz="2800" dirty="0">
+              <a:solidFill>
+                <a:schemeClr val="bg1">
+                  <a:lumMod val="95000"/>
+                  <a:lumOff val="5000"/>
+                </a:schemeClr>
+              </a:solidFill>
+            </a:endParaRPr>
+          </a:p>
+          <a:p>
+            <a:endParaRPr lang="en-US" sz="2800" dirty="0">
+              <a:solidFill>
+                <a:schemeClr val="bg1">
+                  <a:lumMod val="95000"/>
+                  <a:lumOff val="5000"/>
+                </a:schemeClr>
+              </a:solidFill>
+            </a:endParaRPr>
+          </a:p>
+          <a:p>
+            <a:r>
+              <a:rPr lang="en-US" sz="2800" dirty="0" smtClean="0">
+                <a:solidFill>
+                  <a:schemeClr val="bg1">
+                    <a:lumMod val="95000"/>
+                    <a:lumOff val="5000"/>
+                  </a:schemeClr>
+                </a:solidFill>
+              </a:rPr>
+              <a:t>Time/2 </a:t>
+            </a:r>
+            <a:r>
+              <a:rPr lang="en-US" sz="2800" dirty="0">
+                <a:solidFill>
+                  <a:schemeClr val="bg1">
+                    <a:lumMod val="95000"/>
+                    <a:lumOff val="5000"/>
+                  </a:schemeClr>
+                </a:solidFill>
+              </a:rPr>
+              <a:t>(in terms of r)</a:t>
+            </a:r>
+            <a:endParaRPr lang="en-US" sz="2800" dirty="0" smtClean="0">
+              <a:solidFill>
+                <a:schemeClr val="bg1">
+                  <a:lumMod val="95000"/>
+                  <a:lumOff val="5000"/>
+                </a:schemeClr>
+              </a:solidFill>
+            </a:endParaRPr>
+          </a:p>
+        </p:txBody>
+      </p:sp>
+    </p:spTree>
+    <p:extLst>
+      <p:ext uri="{BB962C8B-B14F-4D97-AF65-F5344CB8AC3E}">
+        <p14:creationId xmlns:p14="http://schemas.microsoft.com/office/powerpoint/2010/main" val="801409976"/>
+      </p:ext>
+    </p:extLst>
+  </p:cSld>
+  <p:clrMapOvr>
+    <a:masterClrMapping/>
+  </p:clrMapOvr>
+  <p:timing>
+    <p:tnLst>
+      <p:par>
+        <p:cTn id="1" dur="indefinite" restart="never" nodeType="tmRoot">
+          <p:childTnLst>
+            <p:seq concurrent="1" nextAc="seek">
+              <p:cTn id="2" dur="indefinite" nodeType="mainSeq">
+                <p:childTnLst>
+                  <p:par>
+                    <p:cTn id="3" fill="hold">
+                      <p:stCondLst>
+                        <p:cond delay="indefinite"/>
+                      </p:stCondLst>
+                      <p:childTnLst>
+                        <p:par>
+                          <p:cTn id="4" fill="hold">
+                            <p:stCondLst>
+                              <p:cond delay="0"/>
+                            </p:stCondLst>
+                            <p:childTnLst>
+                              <p:par>
+                                <p:cTn id="5" presetID="1" presetClass="entr" presetSubtype="0" fill="hold" grpId="0" nodeType="clickEffect">
+                                  <p:stCondLst>
+                                    <p:cond delay="0"/>
+                                  </p:stCondLst>
+                                  <p:childTnLst>
+                                    <p:set>
+                                      <p:cBhvr>
+                                        <p:cTn id="6" dur="1" fill="hold">
+                                          <p:stCondLst>
+                                            <p:cond delay="0"/>
+                                          </p:stCondLst>
+                                        </p:cTn>
+                                        <p:tgtEl>
+                                          <p:spTgt spid="7"/>
+                                        </p:tgtEl>
+                                        <p:attrNameLst>
+                                          <p:attrName>style.visibility</p:attrName>
+                                        </p:attrNameLst>
+                                      </p:cBhvr>
+                                      <p:to>
+                                        <p:strVal val="visible"/>
+                                      </p:to>
+                                    </p:set>
+                                  </p:childTnLst>
+                                </p:cTn>
+                              </p:par>
+                            </p:childTnLst>
+                          </p:cTn>
+                        </p:par>
+                      </p:childTnLst>
+                    </p:cTn>
+                  </p:par>
+                </p:childTnLst>
+              </p:cTn>
+              <p:prevCondLst>
+                <p:cond evt="onPrev" delay="0">
+                  <p:tgtEl>
+                    <p:sldTgt/>
+                  </p:tgtEl>
+                </p:cond>
+              </p:prevCondLst>
+              <p:nextCondLst>
+                <p:cond evt="onNext" delay="0">
+                  <p:tgtEl>
+                    <p:sldTgt/>
+                  </p:tgtEl>
+                </p:cond>
+              </p:nextCondLst>
+            </p:seq>
+          </p:childTnLst>
+        </p:cTn>
+      </p:par>
+    </p:tnLst>
+    <p:bldLst>
+      <p:bldP spid="7" grpId="0" animBg="1"/>
+    </p:bldLst>
+  </p:timing>
+</p:sld>
+</file>
+
+<file path=ppt/slides/slide26.xml><?xml version="1.0" encoding="utf-8"?>
+<p:sld xmlns:a="http://schemas.openxmlformats.org/drawingml/2006/main" xmlns:r="http://schemas.openxmlformats.org/officeDocument/2006/relationships" xmlns:p="http://schemas.openxmlformats.org/presentationml/2006/main">
+  <p:cSld>
+    <p:spTree>
+      <p:nvGrpSpPr>
+        <p:cNvPr id="1" name=""/>
+        <p:cNvGrpSpPr/>
+        <p:nvPr/>
+      </p:nvGrpSpPr>
+      <p:grpSpPr>
+        <a:xfrm>
+          <a:off x="0" y="0"/>
+          <a:ext cx="0" cy="0"/>
+          <a:chOff x="0" y="0"/>
+          <a:chExt cx="0" cy="0"/>
+        </a:xfrm>
+      </p:grpSpPr>
+      <p:sp>
+        <p:nvSpPr>
+          <p:cNvPr id="2" name="Title 1"/>
+          <p:cNvSpPr>
+            <a:spLocks noGrp="1"/>
+          </p:cNvSpPr>
+          <p:nvPr>
+            <p:ph type="title"/>
+          </p:nvPr>
+        </p:nvSpPr>
+        <p:spPr>
+          <a:xfrm>
+            <a:off x="188913" y="314172"/>
+            <a:ext cx="11753705" cy="990600"/>
+          </a:xfrm>
+        </p:spPr>
+        <p:txBody>
+          <a:bodyPr/>
+          <a:lstStyle/>
+          <a:p>
+            <a:r>
+              <a:rPr lang="en-US" sz="2800" dirty="0" smtClean="0"/>
+              <a:t>Let’s evaluate running times - BIG OH NOTATION - Binary </a:t>
+            </a:r>
+            <a:r>
+              <a:rPr lang="en-US" sz="2800" dirty="0"/>
+              <a:t>Search</a:t>
+            </a:r>
+            <a:endParaRPr lang="en-IN" sz="2800" dirty="0"/>
+          </a:p>
+        </p:txBody>
+      </p:sp>
+      <p:sp>
+        <p:nvSpPr>
+          <p:cNvPr id="5" name="Content Placeholder 4"/>
+          <p:cNvSpPr txBox="1">
+            <a:spLocks/>
+          </p:cNvSpPr>
+          <p:nvPr/>
+        </p:nvSpPr>
+        <p:spPr>
+          <a:xfrm>
+            <a:off x="452149" y="2052918"/>
+            <a:ext cx="8946541" cy="4195481"/>
+          </a:xfrm>
+          <a:prstGeom prst="rect">
+            <a:avLst/>
+          </a:prstGeom>
+        </p:spPr>
+        <p:txBody>
+          <a:bodyPr vert="horz" lIns="91440" tIns="45720" rIns="91440" bIns="45720" rtlCol="0">
+            <a:normAutofit/>
+          </a:bodyPr>
+          <a:lstStyle>
+            <a:lvl1pPr marL="342900" indent="-342900" algn="l" defTabSz="457200" rtl="0" eaLnBrk="1" latinLnBrk="0" hangingPunct="1">
+              <a:spcBef>
+                <a:spcPts val="1000"/>
+              </a:spcBef>
+              <a:spcAft>
+                <a:spcPts val="0"/>
+              </a:spcAft>
+              <a:buClr>
+                <a:schemeClr val="bg2">
+                  <a:lumMod val="40000"/>
+                  <a:lumOff val="60000"/>
+                </a:schemeClr>
+              </a:buClr>
+              <a:buSzPct val="80000"/>
+              <a:buFont typeface="Wingdings 3" charset="2"/>
+              <a:buChar char=""/>
+              <a:defRPr sz="2000" b="0" i="0" kern="1200">
+                <a:solidFill>
+                  <a:schemeClr val="tx1"/>
+                </a:solidFill>
+                <a:latin typeface="+mj-lt"/>
+                <a:ea typeface="+mj-ea"/>
+                <a:cs typeface="+mj-cs"/>
+              </a:defRPr>
+            </a:lvl1pPr>
+            <a:lvl2pPr marL="742950" indent="-285750" algn="l" defTabSz="457200" rtl="0" eaLnBrk="1" latinLnBrk="0" hangingPunct="1">
+              <a:spcBef>
+                <a:spcPts val="1000"/>
+              </a:spcBef>
+              <a:spcAft>
+                <a:spcPts val="0"/>
+              </a:spcAft>
+              <a:buClr>
+                <a:schemeClr val="bg2">
+                  <a:lumMod val="40000"/>
+                  <a:lumOff val="60000"/>
+                </a:schemeClr>
+              </a:buClr>
+              <a:buSzPct val="80000"/>
+              <a:buFont typeface="Wingdings 3" charset="2"/>
+              <a:buChar char=""/>
+              <a:defRPr sz="1800" b="0" i="0" kern="1200">
+                <a:solidFill>
+                  <a:schemeClr val="tx1"/>
+                </a:solidFill>
+                <a:latin typeface="+mj-lt"/>
+                <a:ea typeface="+mj-ea"/>
+                <a:cs typeface="+mj-cs"/>
+              </a:defRPr>
+            </a:lvl2pPr>
+            <a:lvl3pPr marL="1143000" indent="-228600" algn="l" defTabSz="457200" rtl="0" eaLnBrk="1" latinLnBrk="0" hangingPunct="1">
+              <a:spcBef>
+                <a:spcPts val="1000"/>
+              </a:spcBef>
+              <a:spcAft>
+                <a:spcPts val="0"/>
+              </a:spcAft>
+              <a:buClr>
+                <a:schemeClr val="bg2">
+                  <a:lumMod val="40000"/>
+                  <a:lumOff val="60000"/>
+                </a:schemeClr>
+              </a:buClr>
+              <a:buSzPct val="80000"/>
+              <a:buFont typeface="Wingdings 3" charset="2"/>
+              <a:buChar char=""/>
+              <a:defRPr sz="1600" b="0" i="0" kern="1200">
+                <a:solidFill>
+                  <a:schemeClr val="tx1"/>
+                </a:solidFill>
+                <a:latin typeface="+mj-lt"/>
+                <a:ea typeface="+mj-ea"/>
+                <a:cs typeface="+mj-cs"/>
+              </a:defRPr>
+            </a:lvl3pPr>
+            <a:lvl4pPr marL="1600200" indent="-228600" algn="l" defTabSz="457200" rtl="0" eaLnBrk="1" latinLnBrk="0" hangingPunct="1">
+              <a:spcBef>
+                <a:spcPts val="1000"/>
+              </a:spcBef>
+              <a:spcAft>
+                <a:spcPts val="0"/>
+              </a:spcAft>
+              <a:buClr>
+                <a:schemeClr val="bg2">
+                  <a:lumMod val="40000"/>
+                  <a:lumOff val="60000"/>
+                </a:schemeClr>
+              </a:buClr>
+              <a:buSzPct val="80000"/>
+              <a:buFont typeface="Wingdings 3" charset="2"/>
+              <a:buChar char=""/>
+              <a:defRPr sz="1400" b="0" i="0" kern="1200">
+                <a:solidFill>
+                  <a:schemeClr val="tx1"/>
+                </a:solidFill>
+                <a:latin typeface="+mj-lt"/>
+                <a:ea typeface="+mj-ea"/>
+                <a:cs typeface="+mj-cs"/>
+              </a:defRPr>
+            </a:lvl4pPr>
+            <a:lvl5pPr marL="2057400" indent="-228600" algn="l" defTabSz="457200" rtl="0" eaLnBrk="1" latinLnBrk="0" hangingPunct="1">
+              <a:spcBef>
+                <a:spcPts val="1000"/>
+              </a:spcBef>
+              <a:spcAft>
+                <a:spcPts val="0"/>
+              </a:spcAft>
+              <a:buClr>
+                <a:schemeClr val="bg2">
+                  <a:lumMod val="40000"/>
+                  <a:lumOff val="60000"/>
+                </a:schemeClr>
+              </a:buClr>
+              <a:buSzPct val="80000"/>
+              <a:buFont typeface="Wingdings 3" charset="2"/>
+              <a:buChar char=""/>
+              <a:defRPr sz="1400" b="0" i="0" kern="1200">
+                <a:solidFill>
+                  <a:schemeClr val="tx1"/>
+                </a:solidFill>
+                <a:latin typeface="+mj-lt"/>
+                <a:ea typeface="+mj-ea"/>
+                <a:cs typeface="+mj-cs"/>
+              </a:defRPr>
+            </a:lvl5pPr>
+            <a:lvl6pPr marL="2506000" indent="-228600" algn="l" defTabSz="457200" rtl="0" eaLnBrk="1" latinLnBrk="0" hangingPunct="1">
+              <a:spcBef>
+                <a:spcPts val="1000"/>
+              </a:spcBef>
+              <a:spcAft>
+                <a:spcPts val="0"/>
+              </a:spcAft>
+              <a:buClr>
+                <a:schemeClr val="bg2">
+                  <a:lumMod val="40000"/>
+                  <a:lumOff val="60000"/>
+                </a:schemeClr>
+              </a:buClr>
+              <a:buSzPct val="80000"/>
+              <a:buFont typeface="Wingdings 3" charset="2"/>
+              <a:buChar char=""/>
+              <a:defRPr sz="1400" b="0" i="0" kern="1200">
+                <a:solidFill>
+                  <a:schemeClr val="tx1"/>
+                </a:solidFill>
+                <a:latin typeface="+mj-lt"/>
+                <a:ea typeface="+mj-ea"/>
+                <a:cs typeface="+mj-cs"/>
+              </a:defRPr>
+            </a:lvl6pPr>
+            <a:lvl7pPr marL="2971800" indent="-228600" algn="l" defTabSz="457200" rtl="0" eaLnBrk="1" latinLnBrk="0" hangingPunct="1">
+              <a:spcBef>
+                <a:spcPts val="1000"/>
+              </a:spcBef>
+              <a:spcAft>
+                <a:spcPts val="0"/>
+              </a:spcAft>
+              <a:buClr>
+                <a:schemeClr val="bg2">
+                  <a:lumMod val="40000"/>
+                  <a:lumOff val="60000"/>
+                </a:schemeClr>
+              </a:buClr>
+              <a:buSzPct val="80000"/>
+              <a:buFont typeface="Wingdings 3" charset="2"/>
+              <a:buChar char=""/>
+              <a:defRPr sz="1400" b="0" i="0" kern="1200">
+                <a:solidFill>
+                  <a:schemeClr val="tx1"/>
+                </a:solidFill>
+                <a:latin typeface="+mj-lt"/>
+                <a:ea typeface="+mj-ea"/>
+                <a:cs typeface="+mj-cs"/>
+              </a:defRPr>
+            </a:lvl7pPr>
+            <a:lvl8pPr marL="3429000" indent="-228600" algn="l" defTabSz="457200" rtl="0" eaLnBrk="1" latinLnBrk="0" hangingPunct="1">
+              <a:spcBef>
+                <a:spcPts val="1000"/>
+              </a:spcBef>
+              <a:spcAft>
+                <a:spcPts val="0"/>
+              </a:spcAft>
+              <a:buClr>
+                <a:schemeClr val="bg2">
+                  <a:lumMod val="40000"/>
+                  <a:lumOff val="60000"/>
+                </a:schemeClr>
+              </a:buClr>
+              <a:buSzPct val="80000"/>
+              <a:buFont typeface="Wingdings 3" charset="2"/>
+              <a:buChar char=""/>
+              <a:defRPr sz="1400" b="0" i="0" kern="1200">
+                <a:solidFill>
+                  <a:schemeClr val="tx1"/>
+                </a:solidFill>
+                <a:latin typeface="+mj-lt"/>
+                <a:ea typeface="+mj-ea"/>
+                <a:cs typeface="+mj-cs"/>
+              </a:defRPr>
+            </a:lvl8pPr>
+            <a:lvl9pPr marL="3886200" indent="-228600" algn="l" defTabSz="457200" rtl="0" eaLnBrk="1" latinLnBrk="0" hangingPunct="1">
+              <a:spcBef>
+                <a:spcPts val="1000"/>
+              </a:spcBef>
+              <a:spcAft>
+                <a:spcPts val="0"/>
+              </a:spcAft>
+              <a:buClr>
+                <a:schemeClr val="bg2">
+                  <a:lumMod val="40000"/>
+                  <a:lumOff val="60000"/>
+                </a:schemeClr>
+              </a:buClr>
+              <a:buSzPct val="80000"/>
+              <a:buFont typeface="Wingdings 3" charset="2"/>
+              <a:buChar char=""/>
+              <a:defRPr sz="1400" b="0" i="0" kern="1200">
+                <a:solidFill>
+                  <a:schemeClr val="tx1"/>
+                </a:solidFill>
+                <a:latin typeface="+mj-lt"/>
+                <a:ea typeface="+mj-ea"/>
+                <a:cs typeface="+mj-cs"/>
+              </a:defRPr>
+            </a:lvl9pPr>
+          </a:lstStyle>
+          <a:p>
+            <a:endParaRPr lang="en-US" sz="2800" dirty="0" smtClean="0"/>
+          </a:p>
+        </p:txBody>
+      </p:sp>
+      <p:sp>
+        <p:nvSpPr>
+          <p:cNvPr id="4" name="Content Placeholder 2"/>
+          <p:cNvSpPr>
+            <a:spLocks noGrp="1"/>
+          </p:cNvSpPr>
+          <p:nvPr>
+            <p:ph idx="1"/>
+          </p:nvPr>
+        </p:nvSpPr>
+        <p:spPr>
+          <a:xfrm>
+            <a:off x="188913" y="972263"/>
+            <a:ext cx="8677996" cy="5414682"/>
+          </a:xfrm>
+          <a:solidFill>
+            <a:srgbClr val="002060"/>
+          </a:solidFill>
+        </p:spPr>
+        <p:txBody>
+          <a:bodyPr>
+            <a:noAutofit/>
+          </a:bodyPr>
+          <a:lstStyle/>
+          <a:p>
+            <a:pPr marL="0" indent="0">
+              <a:buNone/>
+            </a:pPr>
+            <a:r>
+              <a:rPr lang="en-US" sz="2400" dirty="0" err="1" smtClean="0">
+                <a:solidFill>
+                  <a:srgbClr val="569CD6"/>
+                </a:solidFill>
+                <a:latin typeface="Consolas" panose="020B0609020204030204" pitchFamily="49" charset="0"/>
+              </a:rPr>
+              <a:t>def</a:t>
+            </a:r>
+            <a:r>
+              <a:rPr lang="en-US" sz="2400" dirty="0">
+                <a:solidFill>
+                  <a:srgbClr val="D4D4D4"/>
+                </a:solidFill>
+                <a:latin typeface="Consolas" panose="020B0609020204030204" pitchFamily="49" charset="0"/>
+              </a:rPr>
+              <a:t> </a:t>
+            </a:r>
+            <a:r>
+              <a:rPr lang="en-US" sz="2400" dirty="0" err="1">
+                <a:solidFill>
+                  <a:srgbClr val="D4D4D4"/>
+                </a:solidFill>
+                <a:latin typeface="Consolas" panose="020B0609020204030204" pitchFamily="49" charset="0"/>
+              </a:rPr>
+              <a:t>binarySearch</a:t>
+            </a:r>
+            <a:r>
+              <a:rPr lang="en-US" sz="2400" dirty="0">
+                <a:solidFill>
+                  <a:srgbClr val="D4D4D4"/>
+                </a:solidFill>
+                <a:latin typeface="Consolas" panose="020B0609020204030204" pitchFamily="49" charset="0"/>
+              </a:rPr>
+              <a:t> (</a:t>
+            </a:r>
+            <a:r>
+              <a:rPr lang="en-US" sz="2400" dirty="0" err="1">
+                <a:solidFill>
+                  <a:srgbClr val="D4D4D4"/>
+                </a:solidFill>
+                <a:latin typeface="Consolas" panose="020B0609020204030204" pitchFamily="49" charset="0"/>
+              </a:rPr>
+              <a:t>arr</a:t>
+            </a:r>
+            <a:r>
+              <a:rPr lang="en-US" sz="2400" dirty="0">
+                <a:solidFill>
+                  <a:srgbClr val="D4D4D4"/>
+                </a:solidFill>
+                <a:latin typeface="Consolas" panose="020B0609020204030204" pitchFamily="49" charset="0"/>
+              </a:rPr>
+              <a:t>, l, r, x): </a:t>
+            </a:r>
+          </a:p>
+          <a:p>
+            <a:pPr marL="0" indent="0">
+              <a:buNone/>
+            </a:pPr>
+            <a:r>
+              <a:rPr lang="en-US" sz="2400" dirty="0">
+                <a:solidFill>
+                  <a:srgbClr val="D4D4D4"/>
+                </a:solidFill>
+                <a:latin typeface="Consolas" panose="020B0609020204030204" pitchFamily="49" charset="0"/>
+              </a:rPr>
+              <a:t> </a:t>
+            </a:r>
+            <a:r>
+              <a:rPr lang="en-US" sz="2400" dirty="0" smtClean="0">
+                <a:solidFill>
+                  <a:srgbClr val="D4D4D4"/>
+                </a:solidFill>
+                <a:latin typeface="Consolas" panose="020B0609020204030204" pitchFamily="49" charset="0"/>
+              </a:rPr>
+              <a:t>	</a:t>
+            </a:r>
+            <a:r>
+              <a:rPr lang="en-US" sz="2400" dirty="0" smtClean="0">
+                <a:solidFill>
+                  <a:srgbClr val="569CD6"/>
+                </a:solidFill>
+                <a:latin typeface="Consolas" panose="020B0609020204030204" pitchFamily="49" charset="0"/>
+              </a:rPr>
+              <a:t>if</a:t>
+            </a:r>
+            <a:r>
+              <a:rPr lang="en-US" sz="2400" dirty="0">
+                <a:solidFill>
+                  <a:srgbClr val="D4D4D4"/>
+                </a:solidFill>
+                <a:latin typeface="Consolas" panose="020B0609020204030204" pitchFamily="49" charset="0"/>
+              </a:rPr>
+              <a:t> r &gt;= </a:t>
+            </a:r>
+            <a:r>
+              <a:rPr lang="en-US" sz="2400" dirty="0" smtClean="0">
+                <a:solidFill>
+                  <a:srgbClr val="D4D4D4"/>
+                </a:solidFill>
+                <a:latin typeface="Consolas" panose="020B0609020204030204" pitchFamily="49" charset="0"/>
+              </a:rPr>
+              <a:t>l:</a:t>
+            </a:r>
+          </a:p>
+          <a:p>
+            <a:pPr marL="0" indent="0">
+              <a:buNone/>
+            </a:pPr>
+            <a:r>
+              <a:rPr lang="en-US" sz="2400" dirty="0">
+                <a:solidFill>
+                  <a:srgbClr val="D4D4D4"/>
+                </a:solidFill>
+                <a:latin typeface="Consolas" panose="020B0609020204030204" pitchFamily="49" charset="0"/>
+              </a:rPr>
+              <a:t>	</a:t>
+            </a:r>
+            <a:r>
+              <a:rPr lang="en-US" sz="2400" dirty="0" smtClean="0">
+                <a:solidFill>
+                  <a:srgbClr val="D4D4D4"/>
+                </a:solidFill>
+                <a:latin typeface="Consolas" panose="020B0609020204030204" pitchFamily="49" charset="0"/>
+              </a:rPr>
+              <a:t>	mid</a:t>
+            </a:r>
+            <a:r>
+              <a:rPr lang="en-US" sz="2400" dirty="0">
+                <a:solidFill>
+                  <a:srgbClr val="D4D4D4"/>
+                </a:solidFill>
+                <a:latin typeface="Consolas" panose="020B0609020204030204" pitchFamily="49" charset="0"/>
+              </a:rPr>
+              <a:t> = l + (r - l)//</a:t>
+            </a:r>
+            <a:r>
+              <a:rPr lang="en-US" sz="2400" dirty="0">
+                <a:solidFill>
+                  <a:srgbClr val="B5CEA8"/>
+                </a:solidFill>
+                <a:latin typeface="Consolas" panose="020B0609020204030204" pitchFamily="49" charset="0"/>
+              </a:rPr>
+              <a:t>2</a:t>
+            </a:r>
+            <a:endParaRPr lang="en-US" sz="2400" dirty="0">
+              <a:solidFill>
+                <a:srgbClr val="D4D4D4"/>
+              </a:solidFill>
+              <a:latin typeface="Consolas" panose="020B0609020204030204" pitchFamily="49" charset="0"/>
+            </a:endParaRPr>
+          </a:p>
+          <a:p>
+            <a:pPr marL="0" indent="0">
+              <a:buNone/>
+            </a:pPr>
+            <a:r>
+              <a:rPr lang="en-US" sz="2400" dirty="0">
+                <a:solidFill>
+                  <a:srgbClr val="D4D4D4"/>
+                </a:solidFill>
+                <a:latin typeface="Consolas" panose="020B0609020204030204" pitchFamily="49" charset="0"/>
+              </a:rPr>
+              <a:t>     </a:t>
+            </a:r>
+            <a:r>
+              <a:rPr lang="en-US" sz="2400" dirty="0">
+                <a:solidFill>
+                  <a:srgbClr val="569CD6"/>
+                </a:solidFill>
+                <a:latin typeface="Consolas" panose="020B0609020204030204" pitchFamily="49" charset="0"/>
+              </a:rPr>
+              <a:t>if</a:t>
+            </a:r>
+            <a:r>
+              <a:rPr lang="en-US" sz="2400" dirty="0">
+                <a:solidFill>
+                  <a:srgbClr val="D4D4D4"/>
+                </a:solidFill>
+                <a:latin typeface="Consolas" panose="020B0609020204030204" pitchFamily="49" charset="0"/>
+              </a:rPr>
+              <a:t> </a:t>
+            </a:r>
+            <a:r>
+              <a:rPr lang="en-US" sz="2400" dirty="0" err="1">
+                <a:solidFill>
+                  <a:srgbClr val="D4D4D4"/>
+                </a:solidFill>
+                <a:latin typeface="Consolas" panose="020B0609020204030204" pitchFamily="49" charset="0"/>
+              </a:rPr>
+              <a:t>arr</a:t>
+            </a:r>
+            <a:r>
+              <a:rPr lang="en-US" sz="2400" dirty="0">
+                <a:solidFill>
+                  <a:srgbClr val="D4D4D4"/>
+                </a:solidFill>
+                <a:latin typeface="Consolas" panose="020B0609020204030204" pitchFamily="49" charset="0"/>
+              </a:rPr>
+              <a:t>[mid] == x: </a:t>
+            </a:r>
+          </a:p>
+          <a:p>
+            <a:pPr marL="0" indent="0">
+              <a:buNone/>
+            </a:pPr>
+            <a:r>
+              <a:rPr lang="en-US" sz="2400" dirty="0">
+                <a:solidFill>
+                  <a:srgbClr val="D4D4D4"/>
+                </a:solidFill>
+                <a:latin typeface="Consolas" panose="020B0609020204030204" pitchFamily="49" charset="0"/>
+              </a:rPr>
+              <a:t>            </a:t>
+            </a:r>
+            <a:r>
+              <a:rPr lang="en-US" sz="2400" dirty="0">
+                <a:solidFill>
+                  <a:srgbClr val="569CD6"/>
+                </a:solidFill>
+                <a:latin typeface="Consolas" panose="020B0609020204030204" pitchFamily="49" charset="0"/>
+              </a:rPr>
+              <a:t>return</a:t>
+            </a:r>
+            <a:r>
+              <a:rPr lang="en-US" sz="2400" dirty="0">
+                <a:solidFill>
+                  <a:srgbClr val="D4D4D4"/>
+                </a:solidFill>
+                <a:latin typeface="Consolas" panose="020B0609020204030204" pitchFamily="49" charset="0"/>
+              </a:rPr>
+              <a:t> mid </a:t>
+            </a:r>
+          </a:p>
+          <a:p>
+            <a:pPr marL="0" indent="0">
+              <a:buNone/>
+            </a:pPr>
+            <a:r>
+              <a:rPr lang="en-US" sz="2400" dirty="0">
+                <a:solidFill>
+                  <a:srgbClr val="D4D4D4"/>
+                </a:solidFill>
+                <a:latin typeface="Consolas" panose="020B0609020204030204" pitchFamily="49" charset="0"/>
+              </a:rPr>
+              <a:t>     </a:t>
+            </a:r>
+            <a:r>
+              <a:rPr lang="en-US" sz="2400" dirty="0" err="1" smtClean="0">
+                <a:solidFill>
+                  <a:srgbClr val="569CD6"/>
+                </a:solidFill>
+                <a:latin typeface="Consolas" panose="020B0609020204030204" pitchFamily="49" charset="0"/>
+              </a:rPr>
+              <a:t>elif</a:t>
+            </a:r>
+            <a:r>
+              <a:rPr lang="en-US" sz="2400" dirty="0">
+                <a:solidFill>
+                  <a:srgbClr val="D4D4D4"/>
+                </a:solidFill>
+                <a:latin typeface="Consolas" panose="020B0609020204030204" pitchFamily="49" charset="0"/>
+              </a:rPr>
+              <a:t> </a:t>
+            </a:r>
+            <a:r>
+              <a:rPr lang="en-US" sz="2400" dirty="0" err="1">
+                <a:solidFill>
+                  <a:srgbClr val="D4D4D4"/>
+                </a:solidFill>
+                <a:latin typeface="Consolas" panose="020B0609020204030204" pitchFamily="49" charset="0"/>
+              </a:rPr>
+              <a:t>arr</a:t>
+            </a:r>
+            <a:r>
+              <a:rPr lang="en-US" sz="2400" dirty="0">
+                <a:solidFill>
+                  <a:srgbClr val="D4D4D4"/>
+                </a:solidFill>
+                <a:latin typeface="Consolas" panose="020B0609020204030204" pitchFamily="49" charset="0"/>
+              </a:rPr>
+              <a:t>[mid] &gt; x: </a:t>
+            </a:r>
+          </a:p>
+          <a:p>
+            <a:pPr marL="0" indent="0">
+              <a:buNone/>
+            </a:pPr>
+            <a:r>
+              <a:rPr lang="en-US" sz="2400" dirty="0">
+                <a:solidFill>
+                  <a:srgbClr val="D4D4D4"/>
+                </a:solidFill>
+                <a:latin typeface="Consolas" panose="020B0609020204030204" pitchFamily="49" charset="0"/>
+              </a:rPr>
+              <a:t>            </a:t>
+            </a:r>
+            <a:r>
+              <a:rPr lang="en-US" sz="2400" dirty="0">
+                <a:solidFill>
+                  <a:srgbClr val="569CD6"/>
+                </a:solidFill>
+                <a:latin typeface="Consolas" panose="020B0609020204030204" pitchFamily="49" charset="0"/>
+              </a:rPr>
+              <a:t>return</a:t>
+            </a:r>
+            <a:r>
+              <a:rPr lang="en-US" sz="2400" dirty="0">
+                <a:solidFill>
+                  <a:srgbClr val="D4D4D4"/>
+                </a:solidFill>
+                <a:latin typeface="Consolas" panose="020B0609020204030204" pitchFamily="49" charset="0"/>
+              </a:rPr>
+              <a:t> </a:t>
+            </a:r>
+            <a:r>
+              <a:rPr lang="en-US" sz="2400" dirty="0" err="1">
+                <a:solidFill>
+                  <a:srgbClr val="D4D4D4"/>
+                </a:solidFill>
+                <a:latin typeface="Consolas" panose="020B0609020204030204" pitchFamily="49" charset="0"/>
+              </a:rPr>
+              <a:t>binarySearch</a:t>
+            </a:r>
+            <a:r>
+              <a:rPr lang="en-US" sz="2400" dirty="0">
+                <a:solidFill>
+                  <a:srgbClr val="D4D4D4"/>
+                </a:solidFill>
+                <a:latin typeface="Consolas" panose="020B0609020204030204" pitchFamily="49" charset="0"/>
+              </a:rPr>
+              <a:t>(</a:t>
+            </a:r>
+            <a:r>
+              <a:rPr lang="en-US" sz="2400" dirty="0" err="1">
+                <a:solidFill>
+                  <a:srgbClr val="D4D4D4"/>
+                </a:solidFill>
+                <a:latin typeface="Consolas" panose="020B0609020204030204" pitchFamily="49" charset="0"/>
+              </a:rPr>
+              <a:t>arr</a:t>
+            </a:r>
+            <a:r>
+              <a:rPr lang="en-US" sz="2400" dirty="0">
+                <a:solidFill>
+                  <a:srgbClr val="D4D4D4"/>
+                </a:solidFill>
+                <a:latin typeface="Consolas" panose="020B0609020204030204" pitchFamily="49" charset="0"/>
+              </a:rPr>
+              <a:t>, l, mid-</a:t>
+            </a:r>
+            <a:r>
+              <a:rPr lang="en-US" sz="2400" dirty="0">
+                <a:solidFill>
+                  <a:srgbClr val="B5CEA8"/>
+                </a:solidFill>
+                <a:latin typeface="Consolas" panose="020B0609020204030204" pitchFamily="49" charset="0"/>
+              </a:rPr>
+              <a:t>1</a:t>
+            </a:r>
+            <a:r>
+              <a:rPr lang="en-US" sz="2400" dirty="0">
+                <a:solidFill>
+                  <a:srgbClr val="D4D4D4"/>
+                </a:solidFill>
+                <a:latin typeface="Consolas" panose="020B0609020204030204" pitchFamily="49" charset="0"/>
+              </a:rPr>
+              <a:t>, x) </a:t>
+            </a:r>
+          </a:p>
+          <a:p>
+            <a:pPr marL="0" indent="0">
+              <a:buNone/>
+            </a:pPr>
+            <a:r>
+              <a:rPr lang="en-US" sz="2400" dirty="0">
+                <a:solidFill>
+                  <a:srgbClr val="D4D4D4"/>
+                </a:solidFill>
+                <a:latin typeface="Consolas" panose="020B0609020204030204" pitchFamily="49" charset="0"/>
+              </a:rPr>
+              <a:t>  </a:t>
+            </a:r>
+            <a:r>
+              <a:rPr lang="en-US" sz="2400" dirty="0" smtClean="0">
+                <a:solidFill>
+                  <a:srgbClr val="D4D4D4"/>
+                </a:solidFill>
+                <a:latin typeface="Consolas" panose="020B0609020204030204" pitchFamily="49" charset="0"/>
+              </a:rPr>
+              <a:t>	  </a:t>
+            </a:r>
+            <a:r>
+              <a:rPr lang="en-US" sz="2400" dirty="0" smtClean="0">
+                <a:solidFill>
+                  <a:srgbClr val="569CD6"/>
+                </a:solidFill>
+                <a:latin typeface="Consolas" panose="020B0609020204030204" pitchFamily="49" charset="0"/>
+              </a:rPr>
+              <a:t>else</a:t>
+            </a:r>
+            <a:r>
+              <a:rPr lang="en-US" sz="2400" dirty="0">
+                <a:solidFill>
+                  <a:srgbClr val="D4D4D4"/>
+                </a:solidFill>
+                <a:latin typeface="Consolas" panose="020B0609020204030204" pitchFamily="49" charset="0"/>
+              </a:rPr>
+              <a:t>: </a:t>
+            </a:r>
+          </a:p>
+          <a:p>
+            <a:pPr marL="0" indent="0">
+              <a:buNone/>
+            </a:pPr>
+            <a:r>
+              <a:rPr lang="en-US" sz="2400" dirty="0">
+                <a:solidFill>
+                  <a:srgbClr val="D4D4D4"/>
+                </a:solidFill>
+                <a:latin typeface="Consolas" panose="020B0609020204030204" pitchFamily="49" charset="0"/>
+              </a:rPr>
+              <a:t>            </a:t>
+            </a:r>
+            <a:r>
+              <a:rPr lang="en-US" sz="2400" dirty="0">
+                <a:solidFill>
+                  <a:srgbClr val="569CD6"/>
+                </a:solidFill>
+                <a:latin typeface="Consolas" panose="020B0609020204030204" pitchFamily="49" charset="0"/>
+              </a:rPr>
+              <a:t>return</a:t>
+            </a:r>
+            <a:r>
+              <a:rPr lang="en-US" sz="2400" dirty="0">
+                <a:solidFill>
+                  <a:srgbClr val="D4D4D4"/>
+                </a:solidFill>
+                <a:latin typeface="Consolas" panose="020B0609020204030204" pitchFamily="49" charset="0"/>
+              </a:rPr>
+              <a:t> </a:t>
+            </a:r>
+            <a:r>
+              <a:rPr lang="en-US" sz="2400" dirty="0" err="1">
+                <a:solidFill>
+                  <a:srgbClr val="D4D4D4"/>
+                </a:solidFill>
+                <a:latin typeface="Consolas" panose="020B0609020204030204" pitchFamily="49" charset="0"/>
+              </a:rPr>
+              <a:t>binarySearch</a:t>
+            </a:r>
+            <a:r>
+              <a:rPr lang="en-US" sz="2400" dirty="0">
+                <a:solidFill>
+                  <a:srgbClr val="D4D4D4"/>
+                </a:solidFill>
+                <a:latin typeface="Consolas" panose="020B0609020204030204" pitchFamily="49" charset="0"/>
+              </a:rPr>
+              <a:t>(</a:t>
+            </a:r>
+            <a:r>
+              <a:rPr lang="en-US" sz="2400" dirty="0" err="1">
+                <a:solidFill>
+                  <a:srgbClr val="D4D4D4"/>
+                </a:solidFill>
+                <a:latin typeface="Consolas" panose="020B0609020204030204" pitchFamily="49" charset="0"/>
+              </a:rPr>
+              <a:t>arr</a:t>
+            </a:r>
+            <a:r>
+              <a:rPr lang="en-US" sz="2400" dirty="0">
+                <a:solidFill>
+                  <a:srgbClr val="D4D4D4"/>
+                </a:solidFill>
+                <a:latin typeface="Consolas" panose="020B0609020204030204" pitchFamily="49" charset="0"/>
+              </a:rPr>
+              <a:t>, mid+</a:t>
+            </a:r>
+            <a:r>
+              <a:rPr lang="en-US" sz="2400" dirty="0">
+                <a:solidFill>
+                  <a:srgbClr val="B5CEA8"/>
+                </a:solidFill>
+                <a:latin typeface="Consolas" panose="020B0609020204030204" pitchFamily="49" charset="0"/>
+              </a:rPr>
+              <a:t>1</a:t>
+            </a:r>
+            <a:r>
+              <a:rPr lang="en-US" sz="2400" dirty="0">
+                <a:solidFill>
+                  <a:srgbClr val="D4D4D4"/>
+                </a:solidFill>
+                <a:latin typeface="Consolas" panose="020B0609020204030204" pitchFamily="49" charset="0"/>
+              </a:rPr>
+              <a:t>, r, x) </a:t>
+            </a:r>
+            <a:endParaRPr lang="en-US" sz="2400" dirty="0" smtClean="0">
+              <a:solidFill>
+                <a:srgbClr val="D4D4D4"/>
+              </a:solidFill>
+              <a:latin typeface="Consolas" panose="020B0609020204030204" pitchFamily="49" charset="0"/>
+            </a:endParaRPr>
+          </a:p>
+          <a:p>
+            <a:pPr marL="0" indent="0">
+              <a:buNone/>
+            </a:pPr>
+            <a:r>
+              <a:rPr lang="en-US" sz="2400" dirty="0">
+                <a:solidFill>
+                  <a:srgbClr val="D4D4D4"/>
+                </a:solidFill>
+                <a:latin typeface="Consolas" panose="020B0609020204030204" pitchFamily="49" charset="0"/>
+              </a:rPr>
+              <a:t>	</a:t>
+            </a:r>
+            <a:r>
+              <a:rPr lang="en-US" sz="2400" dirty="0" smtClean="0">
+                <a:solidFill>
+                  <a:srgbClr val="569CD6"/>
+                </a:solidFill>
+                <a:latin typeface="Consolas" panose="020B0609020204030204" pitchFamily="49" charset="0"/>
+              </a:rPr>
+              <a:t>else</a:t>
+            </a:r>
+            <a:r>
+              <a:rPr lang="en-US" sz="2400" dirty="0">
+                <a:solidFill>
+                  <a:srgbClr val="D4D4D4"/>
+                </a:solidFill>
+                <a:latin typeface="Consolas" panose="020B0609020204030204" pitchFamily="49" charset="0"/>
+              </a:rPr>
+              <a:t>: </a:t>
+            </a:r>
+            <a:endParaRPr lang="en-US" sz="2400" dirty="0" smtClean="0">
+              <a:solidFill>
+                <a:srgbClr val="D4D4D4"/>
+              </a:solidFill>
+              <a:latin typeface="Consolas" panose="020B0609020204030204" pitchFamily="49" charset="0"/>
+            </a:endParaRPr>
+          </a:p>
+          <a:p>
+            <a:pPr marL="0" indent="0">
+              <a:buNone/>
+            </a:pPr>
+            <a:r>
+              <a:rPr lang="en-US" sz="2400" dirty="0">
+                <a:solidFill>
+                  <a:srgbClr val="D4D4D4"/>
+                </a:solidFill>
+                <a:latin typeface="Consolas" panose="020B0609020204030204" pitchFamily="49" charset="0"/>
+              </a:rPr>
+              <a:t>	</a:t>
+            </a:r>
+            <a:r>
+              <a:rPr lang="en-US" sz="2400" dirty="0" smtClean="0">
+                <a:solidFill>
+                  <a:srgbClr val="D4D4D4"/>
+                </a:solidFill>
+                <a:latin typeface="Consolas" panose="020B0609020204030204" pitchFamily="49" charset="0"/>
+              </a:rPr>
+              <a:t>	return -1</a:t>
+            </a:r>
+            <a:endParaRPr lang="en-US" sz="2400" dirty="0">
+              <a:solidFill>
+                <a:srgbClr val="D4D4D4"/>
+              </a:solidFill>
+              <a:latin typeface="Consolas" panose="020B0609020204030204" pitchFamily="49" charset="0"/>
+            </a:endParaRPr>
+          </a:p>
+          <a:p>
+            <a:pPr marL="0" indent="0">
+              <a:buNone/>
+            </a:pPr>
+            <a:r>
+              <a:rPr lang="en-US" sz="2400" dirty="0">
+                <a:solidFill>
+                  <a:srgbClr val="D4D4D4"/>
+                </a:solidFill>
+                <a:latin typeface="Consolas" panose="020B0609020204030204" pitchFamily="49" charset="0"/>
+              </a:rPr>
+              <a:t> </a:t>
+            </a:r>
+            <a:r>
+              <a:rPr lang="en-IN" sz="2400" b="1" dirty="0">
+                <a:solidFill>
+                  <a:srgbClr val="FFFF00"/>
+                </a:solidFill>
+              </a:rPr>
+              <a:t/>
+            </a:r>
+            <a:br>
+              <a:rPr lang="en-IN" sz="2400" b="1" dirty="0">
+                <a:solidFill>
+                  <a:srgbClr val="FFFF00"/>
+                </a:solidFill>
+              </a:rPr>
+            </a:br>
+            <a:endParaRPr lang="en-US" sz="2400" b="1" dirty="0" smtClean="0">
+              <a:solidFill>
+                <a:srgbClr val="FFFF00"/>
+              </a:solidFill>
+            </a:endParaRPr>
+          </a:p>
+        </p:txBody>
+      </p:sp>
+      <p:sp>
+        <p:nvSpPr>
+          <p:cNvPr id="7" name="Rectangle 6"/>
+          <p:cNvSpPr/>
+          <p:nvPr/>
+        </p:nvSpPr>
+        <p:spPr>
+          <a:xfrm>
+            <a:off x="8866909" y="972263"/>
+            <a:ext cx="3075709" cy="5414682"/>
+          </a:xfrm>
+          <a:prstGeom prst="rect">
+            <a:avLst/>
+          </a:prstGeom>
+          <a:solidFill>
+            <a:schemeClr val="accent3">
+              <a:lumMod val="60000"/>
+              <a:lumOff val="40000"/>
+            </a:schemeClr>
+          </a:solidFill>
+        </p:spPr>
+        <p:style>
+          <a:lnRef idx="2">
+            <a:schemeClr val="accent1">
+              <a:shade val="50000"/>
+            </a:schemeClr>
+          </a:lnRef>
+          <a:fillRef idx="1">
+            <a:schemeClr val="accent1"/>
+          </a:fillRef>
+          <a:effectRef idx="0">
+            <a:schemeClr val="accent1"/>
+          </a:effectRef>
+          <a:fontRef idx="minor">
+            <a:schemeClr val="lt1"/>
+          </a:fontRef>
+        </p:style>
+        <p:txBody>
+          <a:bodyPr rtlCol="0" anchor="t"/>
+          <a:lstStyle/>
+          <a:p>
+            <a:r>
+              <a:rPr lang="en-US" sz="2800" dirty="0" smtClean="0">
+                <a:solidFill>
+                  <a:schemeClr val="bg1">
+                    <a:lumMod val="95000"/>
+                    <a:lumOff val="5000"/>
+                  </a:schemeClr>
+                </a:solidFill>
+              </a:rPr>
+              <a:t>T(r) = T(r/2) + a1</a:t>
+            </a:r>
+          </a:p>
+          <a:p>
+            <a:endParaRPr lang="en-US" sz="2800" dirty="0">
+              <a:solidFill>
+                <a:schemeClr val="bg1">
+                  <a:lumMod val="95000"/>
+                  <a:lumOff val="5000"/>
+                </a:schemeClr>
+              </a:solidFill>
+            </a:endParaRPr>
+          </a:p>
+          <a:p>
+            <a:r>
+              <a:rPr lang="en-US" sz="2800" dirty="0" smtClean="0">
+                <a:solidFill>
+                  <a:schemeClr val="bg1">
+                    <a:lumMod val="95000"/>
+                    <a:lumOff val="5000"/>
+                  </a:schemeClr>
+                </a:solidFill>
+              </a:rPr>
+              <a:t>This forms a recursive series.</a:t>
+            </a:r>
+          </a:p>
+          <a:p>
+            <a:endParaRPr lang="en-US" sz="2800" dirty="0">
+              <a:solidFill>
+                <a:schemeClr val="bg1">
+                  <a:lumMod val="95000"/>
+                  <a:lumOff val="5000"/>
+                </a:schemeClr>
+              </a:solidFill>
+            </a:endParaRPr>
+          </a:p>
+          <a:p>
+            <a:r>
+              <a:rPr lang="en-US" sz="2800" dirty="0" smtClean="0">
+                <a:solidFill>
+                  <a:schemeClr val="bg1">
+                    <a:lumMod val="95000"/>
+                    <a:lumOff val="5000"/>
+                  </a:schemeClr>
+                </a:solidFill>
+              </a:rPr>
+              <a:t>T(r/2) = T(r/4) + a2</a:t>
+            </a:r>
+          </a:p>
+          <a:p>
+            <a:r>
+              <a:rPr lang="en-US" sz="2800" dirty="0" smtClean="0">
+                <a:solidFill>
+                  <a:schemeClr val="bg1">
+                    <a:lumMod val="95000"/>
+                    <a:lumOff val="5000"/>
+                  </a:schemeClr>
+                </a:solidFill>
+              </a:rPr>
+              <a:t>….</a:t>
+            </a:r>
+          </a:p>
+          <a:p>
+            <a:endParaRPr lang="en-US" sz="2800" dirty="0" smtClean="0">
+              <a:solidFill>
+                <a:schemeClr val="bg1">
+                  <a:lumMod val="95000"/>
+                  <a:lumOff val="5000"/>
+                </a:schemeClr>
+              </a:solidFill>
+            </a:endParaRPr>
+          </a:p>
+          <a:p>
+            <a:endParaRPr lang="en-US" sz="2800" dirty="0">
+              <a:solidFill>
+                <a:schemeClr val="bg1">
+                  <a:lumMod val="95000"/>
+                  <a:lumOff val="5000"/>
+                </a:schemeClr>
+              </a:solidFill>
+            </a:endParaRPr>
+          </a:p>
+        </p:txBody>
+      </p:sp>
+    </p:spTree>
+    <p:extLst>
+      <p:ext uri="{BB962C8B-B14F-4D97-AF65-F5344CB8AC3E}">
+        <p14:creationId xmlns:p14="http://schemas.microsoft.com/office/powerpoint/2010/main" val="3047416946"/>
+      </p:ext>
+    </p:extLst>
+  </p:cSld>
+  <p:clrMapOvr>
+    <a:masterClrMapping/>
+  </p:clrMapOvr>
+  <p:timing>
+    <p:tnLst>
+      <p:par>
+        <p:cTn id="1" dur="indefinite" restart="never" nodeType="tmRoot"/>
+      </p:par>
+    </p:tnLst>
+  </p:timing>
+</p:sld>
+</file>
+
+<file path=ppt/slides/slide27.xml><?xml version="1.0" encoding="utf-8"?>
+<p:sld xmlns:a="http://schemas.openxmlformats.org/drawingml/2006/main" xmlns:r="http://schemas.openxmlformats.org/officeDocument/2006/relationships" xmlns:p="http://schemas.openxmlformats.org/presentationml/2006/main">
+  <p:cSld>
+    <p:spTree>
+      <p:nvGrpSpPr>
+        <p:cNvPr id="1" name=""/>
+        <p:cNvGrpSpPr/>
+        <p:nvPr/>
+      </p:nvGrpSpPr>
+      <p:grpSpPr>
+        <a:xfrm>
+          <a:off x="0" y="0"/>
+          <a:ext cx="0" cy="0"/>
+          <a:chOff x="0" y="0"/>
+          <a:chExt cx="0" cy="0"/>
+        </a:xfrm>
+      </p:grpSpPr>
+      <p:sp>
+        <p:nvSpPr>
+          <p:cNvPr id="2" name="Title 1"/>
+          <p:cNvSpPr>
+            <a:spLocks noGrp="1"/>
+          </p:cNvSpPr>
+          <p:nvPr>
+            <p:ph type="title"/>
+          </p:nvPr>
+        </p:nvSpPr>
+        <p:spPr>
+          <a:xfrm>
+            <a:off x="188913" y="314172"/>
+            <a:ext cx="11753705" cy="990600"/>
+          </a:xfrm>
+        </p:spPr>
+        <p:txBody>
+          <a:bodyPr/>
+          <a:lstStyle/>
+          <a:p>
+            <a:r>
+              <a:rPr lang="en-US" sz="2800" dirty="0" smtClean="0"/>
+              <a:t>Let’s evaluate running times - BIG OH NOTATION - Binary </a:t>
+            </a:r>
+            <a:r>
+              <a:rPr lang="en-US" sz="2800" dirty="0"/>
+              <a:t>Search</a:t>
+            </a:r>
+            <a:endParaRPr lang="en-IN" sz="2800" dirty="0"/>
+          </a:p>
+        </p:txBody>
+      </p:sp>
+      <p:sp>
+        <p:nvSpPr>
+          <p:cNvPr id="5" name="Content Placeholder 4"/>
+          <p:cNvSpPr txBox="1">
+            <a:spLocks/>
+          </p:cNvSpPr>
+          <p:nvPr/>
+        </p:nvSpPr>
+        <p:spPr>
+          <a:xfrm>
+            <a:off x="452149" y="2052918"/>
+            <a:ext cx="8946541" cy="4195481"/>
+          </a:xfrm>
+          <a:prstGeom prst="rect">
+            <a:avLst/>
+          </a:prstGeom>
+        </p:spPr>
+        <p:txBody>
+          <a:bodyPr vert="horz" lIns="91440" tIns="45720" rIns="91440" bIns="45720" rtlCol="0">
+            <a:normAutofit/>
+          </a:bodyPr>
+          <a:lstStyle>
+            <a:lvl1pPr marL="342900" indent="-342900" algn="l" defTabSz="457200" rtl="0" eaLnBrk="1" latinLnBrk="0" hangingPunct="1">
+              <a:spcBef>
+                <a:spcPts val="1000"/>
+              </a:spcBef>
+              <a:spcAft>
+                <a:spcPts val="0"/>
+              </a:spcAft>
+              <a:buClr>
+                <a:schemeClr val="bg2">
+                  <a:lumMod val="40000"/>
+                  <a:lumOff val="60000"/>
+                </a:schemeClr>
+              </a:buClr>
+              <a:buSzPct val="80000"/>
+              <a:buFont typeface="Wingdings 3" charset="2"/>
+              <a:buChar char=""/>
+              <a:defRPr sz="2000" b="0" i="0" kern="1200">
+                <a:solidFill>
+                  <a:schemeClr val="tx1"/>
+                </a:solidFill>
+                <a:latin typeface="+mj-lt"/>
+                <a:ea typeface="+mj-ea"/>
+                <a:cs typeface="+mj-cs"/>
+              </a:defRPr>
+            </a:lvl1pPr>
+            <a:lvl2pPr marL="742950" indent="-285750" algn="l" defTabSz="457200" rtl="0" eaLnBrk="1" latinLnBrk="0" hangingPunct="1">
+              <a:spcBef>
+                <a:spcPts val="1000"/>
+              </a:spcBef>
+              <a:spcAft>
+                <a:spcPts val="0"/>
+              </a:spcAft>
+              <a:buClr>
+                <a:schemeClr val="bg2">
+                  <a:lumMod val="40000"/>
+                  <a:lumOff val="60000"/>
+                </a:schemeClr>
+              </a:buClr>
+              <a:buSzPct val="80000"/>
+              <a:buFont typeface="Wingdings 3" charset="2"/>
+              <a:buChar char=""/>
+              <a:defRPr sz="1800" b="0" i="0" kern="1200">
+                <a:solidFill>
+                  <a:schemeClr val="tx1"/>
+                </a:solidFill>
+                <a:latin typeface="+mj-lt"/>
+                <a:ea typeface="+mj-ea"/>
+                <a:cs typeface="+mj-cs"/>
+              </a:defRPr>
+            </a:lvl2pPr>
+            <a:lvl3pPr marL="1143000" indent="-228600" algn="l" defTabSz="457200" rtl="0" eaLnBrk="1" latinLnBrk="0" hangingPunct="1">
+              <a:spcBef>
+                <a:spcPts val="1000"/>
+              </a:spcBef>
+              <a:spcAft>
+                <a:spcPts val="0"/>
+              </a:spcAft>
+              <a:buClr>
+                <a:schemeClr val="bg2">
+                  <a:lumMod val="40000"/>
+                  <a:lumOff val="60000"/>
+                </a:schemeClr>
+              </a:buClr>
+              <a:buSzPct val="80000"/>
+              <a:buFont typeface="Wingdings 3" charset="2"/>
+              <a:buChar char=""/>
+              <a:defRPr sz="1600" b="0" i="0" kern="1200">
+                <a:solidFill>
+                  <a:schemeClr val="tx1"/>
+                </a:solidFill>
+                <a:latin typeface="+mj-lt"/>
+                <a:ea typeface="+mj-ea"/>
+                <a:cs typeface="+mj-cs"/>
+              </a:defRPr>
+            </a:lvl3pPr>
+            <a:lvl4pPr marL="1600200" indent="-228600" algn="l" defTabSz="457200" rtl="0" eaLnBrk="1" latinLnBrk="0" hangingPunct="1">
+              <a:spcBef>
+                <a:spcPts val="1000"/>
+              </a:spcBef>
+              <a:spcAft>
+                <a:spcPts val="0"/>
+              </a:spcAft>
+              <a:buClr>
+                <a:schemeClr val="bg2">
+                  <a:lumMod val="40000"/>
+                  <a:lumOff val="60000"/>
+                </a:schemeClr>
+              </a:buClr>
+              <a:buSzPct val="80000"/>
+              <a:buFont typeface="Wingdings 3" charset="2"/>
+              <a:buChar char=""/>
+              <a:defRPr sz="1400" b="0" i="0" kern="1200">
+                <a:solidFill>
+                  <a:schemeClr val="tx1"/>
+                </a:solidFill>
+                <a:latin typeface="+mj-lt"/>
+                <a:ea typeface="+mj-ea"/>
+                <a:cs typeface="+mj-cs"/>
+              </a:defRPr>
+            </a:lvl4pPr>
+            <a:lvl5pPr marL="2057400" indent="-228600" algn="l" defTabSz="457200" rtl="0" eaLnBrk="1" latinLnBrk="0" hangingPunct="1">
+              <a:spcBef>
+                <a:spcPts val="1000"/>
+              </a:spcBef>
+              <a:spcAft>
+                <a:spcPts val="0"/>
+              </a:spcAft>
+              <a:buClr>
+                <a:schemeClr val="bg2">
+                  <a:lumMod val="40000"/>
+                  <a:lumOff val="60000"/>
+                </a:schemeClr>
+              </a:buClr>
+              <a:buSzPct val="80000"/>
+              <a:buFont typeface="Wingdings 3" charset="2"/>
+              <a:buChar char=""/>
+              <a:defRPr sz="1400" b="0" i="0" kern="1200">
+                <a:solidFill>
+                  <a:schemeClr val="tx1"/>
+                </a:solidFill>
+                <a:latin typeface="+mj-lt"/>
+                <a:ea typeface="+mj-ea"/>
+                <a:cs typeface="+mj-cs"/>
+              </a:defRPr>
+            </a:lvl5pPr>
+            <a:lvl6pPr marL="2506000" indent="-228600" algn="l" defTabSz="457200" rtl="0" eaLnBrk="1" latinLnBrk="0" hangingPunct="1">
+              <a:spcBef>
+                <a:spcPts val="1000"/>
+              </a:spcBef>
+              <a:spcAft>
+                <a:spcPts val="0"/>
+              </a:spcAft>
+              <a:buClr>
+                <a:schemeClr val="bg2">
+                  <a:lumMod val="40000"/>
+                  <a:lumOff val="60000"/>
+                </a:schemeClr>
+              </a:buClr>
+              <a:buSzPct val="80000"/>
+              <a:buFont typeface="Wingdings 3" charset="2"/>
+              <a:buChar char=""/>
+              <a:defRPr sz="1400" b="0" i="0" kern="1200">
+                <a:solidFill>
+                  <a:schemeClr val="tx1"/>
+                </a:solidFill>
+                <a:latin typeface="+mj-lt"/>
+                <a:ea typeface="+mj-ea"/>
+                <a:cs typeface="+mj-cs"/>
+              </a:defRPr>
+            </a:lvl6pPr>
+            <a:lvl7pPr marL="2971800" indent="-228600" algn="l" defTabSz="457200" rtl="0" eaLnBrk="1" latinLnBrk="0" hangingPunct="1">
+              <a:spcBef>
+                <a:spcPts val="1000"/>
+              </a:spcBef>
+              <a:spcAft>
+                <a:spcPts val="0"/>
+              </a:spcAft>
+              <a:buClr>
+                <a:schemeClr val="bg2">
+                  <a:lumMod val="40000"/>
+                  <a:lumOff val="60000"/>
+                </a:schemeClr>
+              </a:buClr>
+              <a:buSzPct val="80000"/>
+              <a:buFont typeface="Wingdings 3" charset="2"/>
+              <a:buChar char=""/>
+              <a:defRPr sz="1400" b="0" i="0" kern="1200">
+                <a:solidFill>
+                  <a:schemeClr val="tx1"/>
+                </a:solidFill>
+                <a:latin typeface="+mj-lt"/>
+                <a:ea typeface="+mj-ea"/>
+                <a:cs typeface="+mj-cs"/>
+              </a:defRPr>
+            </a:lvl7pPr>
+            <a:lvl8pPr marL="3429000" indent="-228600" algn="l" defTabSz="457200" rtl="0" eaLnBrk="1" latinLnBrk="0" hangingPunct="1">
+              <a:spcBef>
+                <a:spcPts val="1000"/>
+              </a:spcBef>
+              <a:spcAft>
+                <a:spcPts val="0"/>
+              </a:spcAft>
+              <a:buClr>
+                <a:schemeClr val="bg2">
+                  <a:lumMod val="40000"/>
+                  <a:lumOff val="60000"/>
+                </a:schemeClr>
+              </a:buClr>
+              <a:buSzPct val="80000"/>
+              <a:buFont typeface="Wingdings 3" charset="2"/>
+              <a:buChar char=""/>
+              <a:defRPr sz="1400" b="0" i="0" kern="1200">
+                <a:solidFill>
+                  <a:schemeClr val="tx1"/>
+                </a:solidFill>
+                <a:latin typeface="+mj-lt"/>
+                <a:ea typeface="+mj-ea"/>
+                <a:cs typeface="+mj-cs"/>
+              </a:defRPr>
+            </a:lvl8pPr>
+            <a:lvl9pPr marL="3886200" indent="-228600" algn="l" defTabSz="457200" rtl="0" eaLnBrk="1" latinLnBrk="0" hangingPunct="1">
+              <a:spcBef>
+                <a:spcPts val="1000"/>
+              </a:spcBef>
+              <a:spcAft>
+                <a:spcPts val="0"/>
+              </a:spcAft>
+              <a:buClr>
+                <a:schemeClr val="bg2">
+                  <a:lumMod val="40000"/>
+                  <a:lumOff val="60000"/>
+                </a:schemeClr>
+              </a:buClr>
+              <a:buSzPct val="80000"/>
+              <a:buFont typeface="Wingdings 3" charset="2"/>
+              <a:buChar char=""/>
+              <a:defRPr sz="1400" b="0" i="0" kern="1200">
+                <a:solidFill>
+                  <a:schemeClr val="tx1"/>
+                </a:solidFill>
+                <a:latin typeface="+mj-lt"/>
+                <a:ea typeface="+mj-ea"/>
+                <a:cs typeface="+mj-cs"/>
+              </a:defRPr>
+            </a:lvl9pPr>
+          </a:lstStyle>
+          <a:p>
+            <a:endParaRPr lang="en-US" sz="2800" dirty="0" smtClean="0"/>
+          </a:p>
+        </p:txBody>
+      </p:sp>
+      <p:sp>
+        <p:nvSpPr>
+          <p:cNvPr id="4" name="Content Placeholder 2"/>
+          <p:cNvSpPr>
+            <a:spLocks noGrp="1"/>
+          </p:cNvSpPr>
+          <p:nvPr>
+            <p:ph idx="1"/>
+          </p:nvPr>
+        </p:nvSpPr>
+        <p:spPr>
+          <a:xfrm>
+            <a:off x="188913" y="972263"/>
+            <a:ext cx="8677996" cy="5414682"/>
+          </a:xfrm>
+          <a:solidFill>
+            <a:srgbClr val="002060"/>
+          </a:solidFill>
+        </p:spPr>
+        <p:txBody>
+          <a:bodyPr>
+            <a:noAutofit/>
+          </a:bodyPr>
+          <a:lstStyle/>
+          <a:p>
+            <a:pPr marL="0" indent="0">
+              <a:buNone/>
+            </a:pPr>
+            <a:r>
+              <a:rPr lang="en-US" sz="2400" dirty="0" err="1" smtClean="0">
+                <a:solidFill>
+                  <a:srgbClr val="569CD6"/>
+                </a:solidFill>
+                <a:latin typeface="Consolas" panose="020B0609020204030204" pitchFamily="49" charset="0"/>
+              </a:rPr>
+              <a:t>def</a:t>
+            </a:r>
+            <a:r>
+              <a:rPr lang="en-US" sz="2400" dirty="0">
+                <a:solidFill>
+                  <a:srgbClr val="D4D4D4"/>
+                </a:solidFill>
+                <a:latin typeface="Consolas" panose="020B0609020204030204" pitchFamily="49" charset="0"/>
+              </a:rPr>
+              <a:t> </a:t>
+            </a:r>
+            <a:r>
+              <a:rPr lang="en-US" sz="2400" dirty="0" err="1">
+                <a:solidFill>
+                  <a:srgbClr val="D4D4D4"/>
+                </a:solidFill>
+                <a:latin typeface="Consolas" panose="020B0609020204030204" pitchFamily="49" charset="0"/>
+              </a:rPr>
+              <a:t>binarySearch</a:t>
+            </a:r>
+            <a:r>
+              <a:rPr lang="en-US" sz="2400" dirty="0">
+                <a:solidFill>
+                  <a:srgbClr val="D4D4D4"/>
+                </a:solidFill>
+                <a:latin typeface="Consolas" panose="020B0609020204030204" pitchFamily="49" charset="0"/>
+              </a:rPr>
+              <a:t> (</a:t>
+            </a:r>
+            <a:r>
+              <a:rPr lang="en-US" sz="2400" dirty="0" err="1">
+                <a:solidFill>
+                  <a:srgbClr val="D4D4D4"/>
+                </a:solidFill>
+                <a:latin typeface="Consolas" panose="020B0609020204030204" pitchFamily="49" charset="0"/>
+              </a:rPr>
+              <a:t>arr</a:t>
+            </a:r>
+            <a:r>
+              <a:rPr lang="en-US" sz="2400" dirty="0">
+                <a:solidFill>
+                  <a:srgbClr val="D4D4D4"/>
+                </a:solidFill>
+                <a:latin typeface="Consolas" panose="020B0609020204030204" pitchFamily="49" charset="0"/>
+              </a:rPr>
+              <a:t>, l, r, x): </a:t>
+            </a:r>
+          </a:p>
+          <a:p>
+            <a:pPr marL="0" indent="0">
+              <a:buNone/>
+            </a:pPr>
+            <a:r>
+              <a:rPr lang="en-US" sz="2400" dirty="0">
+                <a:solidFill>
+                  <a:srgbClr val="D4D4D4"/>
+                </a:solidFill>
+                <a:latin typeface="Consolas" panose="020B0609020204030204" pitchFamily="49" charset="0"/>
+              </a:rPr>
+              <a:t> </a:t>
+            </a:r>
+            <a:r>
+              <a:rPr lang="en-US" sz="2400" dirty="0" smtClean="0">
+                <a:solidFill>
+                  <a:srgbClr val="D4D4D4"/>
+                </a:solidFill>
+                <a:latin typeface="Consolas" panose="020B0609020204030204" pitchFamily="49" charset="0"/>
+              </a:rPr>
+              <a:t>	</a:t>
+            </a:r>
+            <a:r>
+              <a:rPr lang="en-US" sz="2400" dirty="0" smtClean="0">
+                <a:solidFill>
+                  <a:srgbClr val="569CD6"/>
+                </a:solidFill>
+                <a:latin typeface="Consolas" panose="020B0609020204030204" pitchFamily="49" charset="0"/>
+              </a:rPr>
+              <a:t>if</a:t>
+            </a:r>
+            <a:r>
+              <a:rPr lang="en-US" sz="2400" dirty="0">
+                <a:solidFill>
+                  <a:srgbClr val="D4D4D4"/>
+                </a:solidFill>
+                <a:latin typeface="Consolas" panose="020B0609020204030204" pitchFamily="49" charset="0"/>
+              </a:rPr>
+              <a:t> r &gt;= </a:t>
+            </a:r>
+            <a:r>
+              <a:rPr lang="en-US" sz="2400" dirty="0" smtClean="0">
+                <a:solidFill>
+                  <a:srgbClr val="D4D4D4"/>
+                </a:solidFill>
+                <a:latin typeface="Consolas" panose="020B0609020204030204" pitchFamily="49" charset="0"/>
+              </a:rPr>
+              <a:t>l:</a:t>
+            </a:r>
+          </a:p>
+          <a:p>
+            <a:pPr marL="0" indent="0">
+              <a:buNone/>
+            </a:pPr>
+            <a:r>
+              <a:rPr lang="en-US" sz="2400" dirty="0">
+                <a:solidFill>
+                  <a:srgbClr val="D4D4D4"/>
+                </a:solidFill>
+                <a:latin typeface="Consolas" panose="020B0609020204030204" pitchFamily="49" charset="0"/>
+              </a:rPr>
+              <a:t>	</a:t>
+            </a:r>
+            <a:r>
+              <a:rPr lang="en-US" sz="2400" dirty="0" smtClean="0">
+                <a:solidFill>
+                  <a:srgbClr val="D4D4D4"/>
+                </a:solidFill>
+                <a:latin typeface="Consolas" panose="020B0609020204030204" pitchFamily="49" charset="0"/>
+              </a:rPr>
+              <a:t>	mid</a:t>
+            </a:r>
+            <a:r>
+              <a:rPr lang="en-US" sz="2400" dirty="0">
+                <a:solidFill>
+                  <a:srgbClr val="D4D4D4"/>
+                </a:solidFill>
+                <a:latin typeface="Consolas" panose="020B0609020204030204" pitchFamily="49" charset="0"/>
+              </a:rPr>
+              <a:t> = l + (r - l)//</a:t>
+            </a:r>
+            <a:r>
+              <a:rPr lang="en-US" sz="2400" dirty="0">
+                <a:solidFill>
+                  <a:srgbClr val="B5CEA8"/>
+                </a:solidFill>
+                <a:latin typeface="Consolas" panose="020B0609020204030204" pitchFamily="49" charset="0"/>
+              </a:rPr>
+              <a:t>2</a:t>
+            </a:r>
+            <a:endParaRPr lang="en-US" sz="2400" dirty="0">
+              <a:solidFill>
+                <a:srgbClr val="D4D4D4"/>
+              </a:solidFill>
+              <a:latin typeface="Consolas" panose="020B0609020204030204" pitchFamily="49" charset="0"/>
+            </a:endParaRPr>
+          </a:p>
+          <a:p>
+            <a:pPr marL="0" indent="0">
+              <a:buNone/>
+            </a:pPr>
+            <a:r>
+              <a:rPr lang="en-US" sz="2400" dirty="0">
+                <a:solidFill>
+                  <a:srgbClr val="D4D4D4"/>
+                </a:solidFill>
+                <a:latin typeface="Consolas" panose="020B0609020204030204" pitchFamily="49" charset="0"/>
+              </a:rPr>
+              <a:t>     </a:t>
+            </a:r>
+            <a:r>
+              <a:rPr lang="en-US" sz="2400" dirty="0">
+                <a:solidFill>
+                  <a:srgbClr val="569CD6"/>
+                </a:solidFill>
+                <a:latin typeface="Consolas" panose="020B0609020204030204" pitchFamily="49" charset="0"/>
+              </a:rPr>
+              <a:t>if</a:t>
+            </a:r>
+            <a:r>
+              <a:rPr lang="en-US" sz="2400" dirty="0">
+                <a:solidFill>
+                  <a:srgbClr val="D4D4D4"/>
+                </a:solidFill>
+                <a:latin typeface="Consolas" panose="020B0609020204030204" pitchFamily="49" charset="0"/>
+              </a:rPr>
+              <a:t> </a:t>
+            </a:r>
+            <a:r>
+              <a:rPr lang="en-US" sz="2400" dirty="0" err="1">
+                <a:solidFill>
+                  <a:srgbClr val="D4D4D4"/>
+                </a:solidFill>
+                <a:latin typeface="Consolas" panose="020B0609020204030204" pitchFamily="49" charset="0"/>
+              </a:rPr>
+              <a:t>arr</a:t>
+            </a:r>
+            <a:r>
+              <a:rPr lang="en-US" sz="2400" dirty="0">
+                <a:solidFill>
+                  <a:srgbClr val="D4D4D4"/>
+                </a:solidFill>
+                <a:latin typeface="Consolas" panose="020B0609020204030204" pitchFamily="49" charset="0"/>
+              </a:rPr>
+              <a:t>[mid] == x: </a:t>
+            </a:r>
+          </a:p>
+          <a:p>
+            <a:pPr marL="0" indent="0">
+              <a:buNone/>
+            </a:pPr>
+            <a:r>
+              <a:rPr lang="en-US" sz="2400" dirty="0">
+                <a:solidFill>
+                  <a:srgbClr val="D4D4D4"/>
+                </a:solidFill>
+                <a:latin typeface="Consolas" panose="020B0609020204030204" pitchFamily="49" charset="0"/>
+              </a:rPr>
+              <a:t>            </a:t>
+            </a:r>
+            <a:r>
+              <a:rPr lang="en-US" sz="2400" dirty="0">
+                <a:solidFill>
+                  <a:srgbClr val="569CD6"/>
+                </a:solidFill>
+                <a:latin typeface="Consolas" panose="020B0609020204030204" pitchFamily="49" charset="0"/>
+              </a:rPr>
+              <a:t>return</a:t>
+            </a:r>
+            <a:r>
+              <a:rPr lang="en-US" sz="2400" dirty="0">
+                <a:solidFill>
+                  <a:srgbClr val="D4D4D4"/>
+                </a:solidFill>
+                <a:latin typeface="Consolas" panose="020B0609020204030204" pitchFamily="49" charset="0"/>
+              </a:rPr>
+              <a:t> mid </a:t>
+            </a:r>
+          </a:p>
+          <a:p>
+            <a:pPr marL="0" indent="0">
+              <a:buNone/>
+            </a:pPr>
+            <a:r>
+              <a:rPr lang="en-US" sz="2400" dirty="0">
+                <a:solidFill>
+                  <a:srgbClr val="D4D4D4"/>
+                </a:solidFill>
+                <a:latin typeface="Consolas" panose="020B0609020204030204" pitchFamily="49" charset="0"/>
+              </a:rPr>
+              <a:t>     </a:t>
+            </a:r>
+            <a:r>
+              <a:rPr lang="en-US" sz="2400" dirty="0" err="1" smtClean="0">
+                <a:solidFill>
+                  <a:srgbClr val="569CD6"/>
+                </a:solidFill>
+                <a:latin typeface="Consolas" panose="020B0609020204030204" pitchFamily="49" charset="0"/>
+              </a:rPr>
+              <a:t>elif</a:t>
+            </a:r>
+            <a:r>
+              <a:rPr lang="en-US" sz="2400" dirty="0">
+                <a:solidFill>
+                  <a:srgbClr val="D4D4D4"/>
+                </a:solidFill>
+                <a:latin typeface="Consolas" panose="020B0609020204030204" pitchFamily="49" charset="0"/>
+              </a:rPr>
+              <a:t> </a:t>
+            </a:r>
+            <a:r>
+              <a:rPr lang="en-US" sz="2400" dirty="0" err="1">
+                <a:solidFill>
+                  <a:srgbClr val="D4D4D4"/>
+                </a:solidFill>
+                <a:latin typeface="Consolas" panose="020B0609020204030204" pitchFamily="49" charset="0"/>
+              </a:rPr>
+              <a:t>arr</a:t>
+            </a:r>
+            <a:r>
+              <a:rPr lang="en-US" sz="2400" dirty="0">
+                <a:solidFill>
+                  <a:srgbClr val="D4D4D4"/>
+                </a:solidFill>
+                <a:latin typeface="Consolas" panose="020B0609020204030204" pitchFamily="49" charset="0"/>
+              </a:rPr>
+              <a:t>[mid] &gt; x: </a:t>
+            </a:r>
+          </a:p>
+          <a:p>
+            <a:pPr marL="0" indent="0">
+              <a:buNone/>
+            </a:pPr>
+            <a:r>
+              <a:rPr lang="en-US" sz="2400" dirty="0">
+                <a:solidFill>
+                  <a:srgbClr val="D4D4D4"/>
+                </a:solidFill>
+                <a:latin typeface="Consolas" panose="020B0609020204030204" pitchFamily="49" charset="0"/>
+              </a:rPr>
+              <a:t>            </a:t>
+            </a:r>
+            <a:r>
+              <a:rPr lang="en-US" sz="2400" dirty="0">
+                <a:solidFill>
+                  <a:srgbClr val="569CD6"/>
+                </a:solidFill>
+                <a:latin typeface="Consolas" panose="020B0609020204030204" pitchFamily="49" charset="0"/>
+              </a:rPr>
+              <a:t>return</a:t>
+            </a:r>
+            <a:r>
+              <a:rPr lang="en-US" sz="2400" dirty="0">
+                <a:solidFill>
+                  <a:srgbClr val="D4D4D4"/>
+                </a:solidFill>
+                <a:latin typeface="Consolas" panose="020B0609020204030204" pitchFamily="49" charset="0"/>
+              </a:rPr>
+              <a:t> </a:t>
+            </a:r>
+            <a:r>
+              <a:rPr lang="en-US" sz="2400" dirty="0" err="1">
+                <a:solidFill>
+                  <a:srgbClr val="D4D4D4"/>
+                </a:solidFill>
+                <a:latin typeface="Consolas" panose="020B0609020204030204" pitchFamily="49" charset="0"/>
+              </a:rPr>
+              <a:t>binarySearch</a:t>
+            </a:r>
+            <a:r>
+              <a:rPr lang="en-US" sz="2400" dirty="0">
+                <a:solidFill>
+                  <a:srgbClr val="D4D4D4"/>
+                </a:solidFill>
+                <a:latin typeface="Consolas" panose="020B0609020204030204" pitchFamily="49" charset="0"/>
+              </a:rPr>
+              <a:t>(</a:t>
+            </a:r>
+            <a:r>
+              <a:rPr lang="en-US" sz="2400" dirty="0" err="1">
+                <a:solidFill>
+                  <a:srgbClr val="D4D4D4"/>
+                </a:solidFill>
+                <a:latin typeface="Consolas" panose="020B0609020204030204" pitchFamily="49" charset="0"/>
+              </a:rPr>
+              <a:t>arr</a:t>
+            </a:r>
+            <a:r>
+              <a:rPr lang="en-US" sz="2400" dirty="0">
+                <a:solidFill>
+                  <a:srgbClr val="D4D4D4"/>
+                </a:solidFill>
+                <a:latin typeface="Consolas" panose="020B0609020204030204" pitchFamily="49" charset="0"/>
+              </a:rPr>
+              <a:t>, l, mid-</a:t>
+            </a:r>
+            <a:r>
+              <a:rPr lang="en-US" sz="2400" dirty="0">
+                <a:solidFill>
+                  <a:srgbClr val="B5CEA8"/>
+                </a:solidFill>
+                <a:latin typeface="Consolas" panose="020B0609020204030204" pitchFamily="49" charset="0"/>
+              </a:rPr>
+              <a:t>1</a:t>
+            </a:r>
+            <a:r>
+              <a:rPr lang="en-US" sz="2400" dirty="0">
+                <a:solidFill>
+                  <a:srgbClr val="D4D4D4"/>
+                </a:solidFill>
+                <a:latin typeface="Consolas" panose="020B0609020204030204" pitchFamily="49" charset="0"/>
+              </a:rPr>
+              <a:t>, x) </a:t>
+            </a:r>
+          </a:p>
+          <a:p>
+            <a:pPr marL="0" indent="0">
+              <a:buNone/>
+            </a:pPr>
+            <a:r>
+              <a:rPr lang="en-US" sz="2400" dirty="0">
+                <a:solidFill>
+                  <a:srgbClr val="D4D4D4"/>
+                </a:solidFill>
+                <a:latin typeface="Consolas" panose="020B0609020204030204" pitchFamily="49" charset="0"/>
+              </a:rPr>
+              <a:t>  </a:t>
+            </a:r>
+            <a:r>
+              <a:rPr lang="en-US" sz="2400" dirty="0" smtClean="0">
+                <a:solidFill>
+                  <a:srgbClr val="D4D4D4"/>
+                </a:solidFill>
+                <a:latin typeface="Consolas" panose="020B0609020204030204" pitchFamily="49" charset="0"/>
+              </a:rPr>
+              <a:t>	  </a:t>
+            </a:r>
+            <a:r>
+              <a:rPr lang="en-US" sz="2400" dirty="0" smtClean="0">
+                <a:solidFill>
+                  <a:srgbClr val="569CD6"/>
+                </a:solidFill>
+                <a:latin typeface="Consolas" panose="020B0609020204030204" pitchFamily="49" charset="0"/>
+              </a:rPr>
+              <a:t>else</a:t>
+            </a:r>
+            <a:r>
+              <a:rPr lang="en-US" sz="2400" dirty="0">
+                <a:solidFill>
+                  <a:srgbClr val="D4D4D4"/>
+                </a:solidFill>
+                <a:latin typeface="Consolas" panose="020B0609020204030204" pitchFamily="49" charset="0"/>
+              </a:rPr>
+              <a:t>: </a:t>
+            </a:r>
+          </a:p>
+          <a:p>
+            <a:pPr marL="0" indent="0">
+              <a:buNone/>
+            </a:pPr>
+            <a:r>
+              <a:rPr lang="en-US" sz="2400" dirty="0">
+                <a:solidFill>
+                  <a:srgbClr val="D4D4D4"/>
+                </a:solidFill>
+                <a:latin typeface="Consolas" panose="020B0609020204030204" pitchFamily="49" charset="0"/>
+              </a:rPr>
+              <a:t>            </a:t>
+            </a:r>
+            <a:r>
+              <a:rPr lang="en-US" sz="2400" dirty="0">
+                <a:solidFill>
+                  <a:srgbClr val="569CD6"/>
+                </a:solidFill>
+                <a:latin typeface="Consolas" panose="020B0609020204030204" pitchFamily="49" charset="0"/>
+              </a:rPr>
+              <a:t>return</a:t>
+            </a:r>
+            <a:r>
+              <a:rPr lang="en-US" sz="2400" dirty="0">
+                <a:solidFill>
+                  <a:srgbClr val="D4D4D4"/>
+                </a:solidFill>
+                <a:latin typeface="Consolas" panose="020B0609020204030204" pitchFamily="49" charset="0"/>
+              </a:rPr>
+              <a:t> </a:t>
+            </a:r>
+            <a:r>
+              <a:rPr lang="en-US" sz="2400" dirty="0" err="1">
+                <a:solidFill>
+                  <a:srgbClr val="D4D4D4"/>
+                </a:solidFill>
+                <a:latin typeface="Consolas" panose="020B0609020204030204" pitchFamily="49" charset="0"/>
+              </a:rPr>
+              <a:t>binarySearch</a:t>
+            </a:r>
+            <a:r>
+              <a:rPr lang="en-US" sz="2400" dirty="0">
+                <a:solidFill>
+                  <a:srgbClr val="D4D4D4"/>
+                </a:solidFill>
+                <a:latin typeface="Consolas" panose="020B0609020204030204" pitchFamily="49" charset="0"/>
+              </a:rPr>
+              <a:t>(</a:t>
+            </a:r>
+            <a:r>
+              <a:rPr lang="en-US" sz="2400" dirty="0" err="1">
+                <a:solidFill>
+                  <a:srgbClr val="D4D4D4"/>
+                </a:solidFill>
+                <a:latin typeface="Consolas" panose="020B0609020204030204" pitchFamily="49" charset="0"/>
+              </a:rPr>
+              <a:t>arr</a:t>
+            </a:r>
+            <a:r>
+              <a:rPr lang="en-US" sz="2400" dirty="0">
+                <a:solidFill>
+                  <a:srgbClr val="D4D4D4"/>
+                </a:solidFill>
+                <a:latin typeface="Consolas" panose="020B0609020204030204" pitchFamily="49" charset="0"/>
+              </a:rPr>
+              <a:t>, mid+</a:t>
+            </a:r>
+            <a:r>
+              <a:rPr lang="en-US" sz="2400" dirty="0">
+                <a:solidFill>
+                  <a:srgbClr val="B5CEA8"/>
+                </a:solidFill>
+                <a:latin typeface="Consolas" panose="020B0609020204030204" pitchFamily="49" charset="0"/>
+              </a:rPr>
+              <a:t>1</a:t>
+            </a:r>
+            <a:r>
+              <a:rPr lang="en-US" sz="2400" dirty="0">
+                <a:solidFill>
+                  <a:srgbClr val="D4D4D4"/>
+                </a:solidFill>
+                <a:latin typeface="Consolas" panose="020B0609020204030204" pitchFamily="49" charset="0"/>
+              </a:rPr>
+              <a:t>, r, x) </a:t>
+            </a:r>
+            <a:endParaRPr lang="en-US" sz="2400" dirty="0" smtClean="0">
+              <a:solidFill>
+                <a:srgbClr val="D4D4D4"/>
+              </a:solidFill>
+              <a:latin typeface="Consolas" panose="020B0609020204030204" pitchFamily="49" charset="0"/>
+            </a:endParaRPr>
+          </a:p>
+          <a:p>
+            <a:pPr marL="0" indent="0">
+              <a:buNone/>
+            </a:pPr>
+            <a:r>
+              <a:rPr lang="en-US" sz="2400" dirty="0">
+                <a:solidFill>
+                  <a:srgbClr val="D4D4D4"/>
+                </a:solidFill>
+                <a:latin typeface="Consolas" panose="020B0609020204030204" pitchFamily="49" charset="0"/>
+              </a:rPr>
+              <a:t>	</a:t>
+            </a:r>
+            <a:r>
+              <a:rPr lang="en-US" sz="2400" dirty="0" smtClean="0">
+                <a:solidFill>
+                  <a:srgbClr val="569CD6"/>
+                </a:solidFill>
+                <a:latin typeface="Consolas" panose="020B0609020204030204" pitchFamily="49" charset="0"/>
+              </a:rPr>
+              <a:t>else</a:t>
+            </a:r>
+            <a:r>
+              <a:rPr lang="en-US" sz="2400" dirty="0">
+                <a:solidFill>
+                  <a:srgbClr val="D4D4D4"/>
+                </a:solidFill>
+                <a:latin typeface="Consolas" panose="020B0609020204030204" pitchFamily="49" charset="0"/>
+              </a:rPr>
+              <a:t>: </a:t>
+            </a:r>
+            <a:endParaRPr lang="en-US" sz="2400" dirty="0" smtClean="0">
+              <a:solidFill>
+                <a:srgbClr val="D4D4D4"/>
+              </a:solidFill>
+              <a:latin typeface="Consolas" panose="020B0609020204030204" pitchFamily="49" charset="0"/>
+            </a:endParaRPr>
+          </a:p>
+          <a:p>
+            <a:pPr marL="0" indent="0">
+              <a:buNone/>
+            </a:pPr>
+            <a:r>
+              <a:rPr lang="en-US" sz="2400" dirty="0">
+                <a:solidFill>
+                  <a:srgbClr val="D4D4D4"/>
+                </a:solidFill>
+                <a:latin typeface="Consolas" panose="020B0609020204030204" pitchFamily="49" charset="0"/>
+              </a:rPr>
+              <a:t>	</a:t>
+            </a:r>
+            <a:r>
+              <a:rPr lang="en-US" sz="2400" dirty="0" smtClean="0">
+                <a:solidFill>
+                  <a:srgbClr val="D4D4D4"/>
+                </a:solidFill>
+                <a:latin typeface="Consolas" panose="020B0609020204030204" pitchFamily="49" charset="0"/>
+              </a:rPr>
+              <a:t>	return -1</a:t>
+            </a:r>
+            <a:endParaRPr lang="en-US" sz="2400" dirty="0">
+              <a:solidFill>
+                <a:srgbClr val="D4D4D4"/>
+              </a:solidFill>
+              <a:latin typeface="Consolas" panose="020B0609020204030204" pitchFamily="49" charset="0"/>
+            </a:endParaRPr>
+          </a:p>
+          <a:p>
+            <a:pPr marL="0" indent="0">
+              <a:buNone/>
+            </a:pPr>
+            <a:r>
+              <a:rPr lang="en-US" sz="2400" dirty="0">
+                <a:solidFill>
+                  <a:srgbClr val="D4D4D4"/>
+                </a:solidFill>
+                <a:latin typeface="Consolas" panose="020B0609020204030204" pitchFamily="49" charset="0"/>
+              </a:rPr>
+              <a:t> </a:t>
+            </a:r>
+            <a:r>
+              <a:rPr lang="en-IN" sz="2400" b="1" dirty="0">
+                <a:solidFill>
+                  <a:srgbClr val="FFFF00"/>
+                </a:solidFill>
+              </a:rPr>
+              <a:t/>
+            </a:r>
+            <a:br>
+              <a:rPr lang="en-IN" sz="2400" b="1" dirty="0">
+                <a:solidFill>
+                  <a:srgbClr val="FFFF00"/>
+                </a:solidFill>
+              </a:rPr>
+            </a:br>
+            <a:endParaRPr lang="en-US" sz="2400" b="1" dirty="0" smtClean="0">
+              <a:solidFill>
+                <a:srgbClr val="FFFF00"/>
+              </a:solidFill>
+            </a:endParaRPr>
+          </a:p>
+        </p:txBody>
+      </p:sp>
+      <p:sp>
+        <p:nvSpPr>
+          <p:cNvPr id="7" name="Rectangle 6"/>
+          <p:cNvSpPr/>
+          <p:nvPr/>
+        </p:nvSpPr>
+        <p:spPr>
+          <a:xfrm>
+            <a:off x="8866909" y="972263"/>
+            <a:ext cx="3075709" cy="5414682"/>
+          </a:xfrm>
+          <a:prstGeom prst="rect">
+            <a:avLst/>
+          </a:prstGeom>
+          <a:solidFill>
+            <a:schemeClr val="accent3">
+              <a:lumMod val="60000"/>
+              <a:lumOff val="40000"/>
+            </a:schemeClr>
+          </a:solidFill>
+        </p:spPr>
+        <p:style>
+          <a:lnRef idx="2">
+            <a:schemeClr val="accent1">
+              <a:shade val="50000"/>
+            </a:schemeClr>
+          </a:lnRef>
+          <a:fillRef idx="1">
+            <a:schemeClr val="accent1"/>
+          </a:fillRef>
+          <a:effectRef idx="0">
+            <a:schemeClr val="accent1"/>
+          </a:effectRef>
+          <a:fontRef idx="minor">
+            <a:schemeClr val="lt1"/>
+          </a:fontRef>
+        </p:style>
+        <p:txBody>
+          <a:bodyPr rtlCol="0" anchor="t"/>
+          <a:lstStyle/>
+          <a:p>
+            <a:r>
+              <a:rPr lang="en-US" sz="2800" dirty="0" smtClean="0">
+                <a:solidFill>
+                  <a:schemeClr val="bg1">
+                    <a:lumMod val="95000"/>
+                    <a:lumOff val="5000"/>
+                  </a:schemeClr>
+                </a:solidFill>
+              </a:rPr>
+              <a:t>Finally</a:t>
+            </a:r>
+            <a:r>
+              <a:rPr lang="en-US" sz="2800" dirty="0">
+                <a:solidFill>
+                  <a:schemeClr val="bg1">
+                    <a:lumMod val="95000"/>
+                    <a:lumOff val="5000"/>
+                  </a:schemeClr>
+                </a:solidFill>
+              </a:rPr>
+              <a:t>, we get</a:t>
+            </a:r>
+          </a:p>
+          <a:p>
+            <a:r>
+              <a:rPr lang="en-US" sz="2800" dirty="0">
+                <a:solidFill>
+                  <a:schemeClr val="bg1">
+                    <a:lumMod val="95000"/>
+                    <a:lumOff val="5000"/>
+                  </a:schemeClr>
+                </a:solidFill>
+              </a:rPr>
+              <a:t>T(r) = </a:t>
+            </a:r>
+            <a:endParaRPr lang="en-US" sz="2800" dirty="0" smtClean="0">
+              <a:solidFill>
+                <a:schemeClr val="bg1">
+                  <a:lumMod val="95000"/>
+                  <a:lumOff val="5000"/>
+                </a:schemeClr>
+              </a:solidFill>
+            </a:endParaRPr>
+          </a:p>
+          <a:p>
+            <a:r>
+              <a:rPr lang="en-US" sz="2800" dirty="0" smtClean="0">
+                <a:solidFill>
+                  <a:schemeClr val="bg1">
+                    <a:lumMod val="95000"/>
+                    <a:lumOff val="5000"/>
+                  </a:schemeClr>
+                </a:solidFill>
+              </a:rPr>
+              <a:t>Sigma</a:t>
+            </a:r>
+          </a:p>
+          <a:p>
+            <a:r>
+              <a:rPr lang="en-US" sz="2800" dirty="0" smtClean="0">
+                <a:solidFill>
+                  <a:schemeClr val="bg1">
+                    <a:lumMod val="95000"/>
+                    <a:lumOff val="5000"/>
+                  </a:schemeClr>
+                </a:solidFill>
+              </a:rPr>
+              <a:t>(</a:t>
+            </a:r>
+            <a:r>
+              <a:rPr lang="en-US" sz="2800" dirty="0" err="1" smtClean="0">
+                <a:solidFill>
+                  <a:schemeClr val="bg1">
+                    <a:lumMod val="95000"/>
+                    <a:lumOff val="5000"/>
+                  </a:schemeClr>
+                </a:solidFill>
+              </a:rPr>
+              <a:t>i</a:t>
+            </a:r>
+            <a:r>
+              <a:rPr lang="en-US" sz="2800" dirty="0" smtClean="0">
+                <a:solidFill>
+                  <a:schemeClr val="bg1">
+                    <a:lumMod val="95000"/>
+                    <a:lumOff val="5000"/>
+                  </a:schemeClr>
+                </a:solidFill>
+              </a:rPr>
+              <a:t> </a:t>
+            </a:r>
+            <a:r>
+              <a:rPr lang="en-US" sz="2800" dirty="0">
+                <a:solidFill>
+                  <a:schemeClr val="bg1">
+                    <a:lumMod val="95000"/>
+                    <a:lumOff val="5000"/>
+                  </a:schemeClr>
+                </a:solidFill>
+              </a:rPr>
+              <a:t>from 1 </a:t>
+            </a:r>
+            <a:r>
+              <a:rPr lang="en-US" sz="2800" dirty="0" smtClean="0">
+                <a:solidFill>
+                  <a:schemeClr val="bg1">
+                    <a:lumMod val="95000"/>
+                    <a:lumOff val="5000"/>
+                  </a:schemeClr>
+                </a:solidFill>
+              </a:rPr>
+              <a:t>to </a:t>
+            </a:r>
+            <a:r>
+              <a:rPr lang="en-US" sz="2800" dirty="0" err="1" smtClean="0">
+                <a:solidFill>
+                  <a:schemeClr val="bg1">
+                    <a:lumMod val="95000"/>
+                    <a:lumOff val="5000"/>
+                  </a:schemeClr>
+                </a:solidFill>
+              </a:rPr>
+              <a:t>logr</a:t>
+            </a:r>
+            <a:r>
+              <a:rPr lang="en-US" sz="2800" dirty="0" smtClean="0">
+                <a:solidFill>
+                  <a:schemeClr val="bg1">
+                    <a:lumMod val="95000"/>
+                    <a:lumOff val="5000"/>
+                  </a:schemeClr>
+                </a:solidFill>
+              </a:rPr>
+              <a:t>)</a:t>
+            </a:r>
+          </a:p>
+          <a:p>
+            <a:r>
+              <a:rPr lang="en-US" sz="2800" dirty="0" err="1" smtClean="0">
+                <a:solidFill>
+                  <a:schemeClr val="bg1">
+                    <a:lumMod val="95000"/>
+                    <a:lumOff val="5000"/>
+                  </a:schemeClr>
+                </a:solidFill>
+              </a:rPr>
+              <a:t>ai</a:t>
+            </a:r>
+            <a:endParaRPr lang="en-US" sz="2800" dirty="0">
+              <a:solidFill>
+                <a:schemeClr val="bg1">
+                  <a:lumMod val="95000"/>
+                  <a:lumOff val="5000"/>
+                </a:schemeClr>
+              </a:solidFill>
+            </a:endParaRPr>
+          </a:p>
+          <a:p>
+            <a:endParaRPr lang="en-US" sz="2800" dirty="0" smtClean="0">
+              <a:solidFill>
+                <a:schemeClr val="bg1">
+                  <a:lumMod val="95000"/>
+                  <a:lumOff val="5000"/>
+                </a:schemeClr>
+              </a:solidFill>
+            </a:endParaRPr>
+          </a:p>
+          <a:p>
+            <a:r>
+              <a:rPr lang="en-US" sz="2800" dirty="0" smtClean="0">
+                <a:solidFill>
+                  <a:schemeClr val="bg1">
+                    <a:lumMod val="95000"/>
+                    <a:lumOff val="5000"/>
+                  </a:schemeClr>
+                </a:solidFill>
+              </a:rPr>
+              <a:t>T(r) &lt;= max(</a:t>
+            </a:r>
+            <a:r>
+              <a:rPr lang="en-US" sz="2800" dirty="0" err="1" smtClean="0">
+                <a:solidFill>
+                  <a:schemeClr val="bg1">
+                    <a:lumMod val="95000"/>
+                    <a:lumOff val="5000"/>
+                  </a:schemeClr>
+                </a:solidFill>
+              </a:rPr>
+              <a:t>ai</a:t>
+            </a:r>
+            <a:r>
+              <a:rPr lang="en-US" sz="2800" dirty="0" smtClean="0">
+                <a:solidFill>
+                  <a:schemeClr val="bg1">
+                    <a:lumMod val="95000"/>
+                    <a:lumOff val="5000"/>
+                  </a:schemeClr>
+                </a:solidFill>
+              </a:rPr>
+              <a:t>)</a:t>
+            </a:r>
+            <a:r>
+              <a:rPr lang="en-US" sz="2800" dirty="0" err="1" smtClean="0">
+                <a:solidFill>
+                  <a:schemeClr val="bg1">
+                    <a:lumMod val="95000"/>
+                    <a:lumOff val="5000"/>
+                  </a:schemeClr>
+                </a:solidFill>
+              </a:rPr>
+              <a:t>logr</a:t>
+            </a:r>
+            <a:endParaRPr lang="en-US" sz="2800" dirty="0" smtClean="0">
+              <a:solidFill>
+                <a:schemeClr val="bg1">
+                  <a:lumMod val="95000"/>
+                  <a:lumOff val="5000"/>
+                </a:schemeClr>
+              </a:solidFill>
+            </a:endParaRPr>
+          </a:p>
+          <a:p>
+            <a:endParaRPr lang="en-US" sz="2800" dirty="0">
+              <a:solidFill>
+                <a:schemeClr val="bg1">
+                  <a:lumMod val="95000"/>
+                  <a:lumOff val="5000"/>
+                </a:schemeClr>
+              </a:solidFill>
+            </a:endParaRPr>
+          </a:p>
+          <a:p>
+            <a:r>
+              <a:rPr lang="en-US" sz="2800" dirty="0" smtClean="0">
+                <a:solidFill>
+                  <a:schemeClr val="bg1">
+                    <a:lumMod val="95000"/>
+                    <a:lumOff val="5000"/>
+                  </a:schemeClr>
+                </a:solidFill>
+              </a:rPr>
+              <a:t>Hence,</a:t>
+            </a:r>
+          </a:p>
+          <a:p>
+            <a:r>
+              <a:rPr lang="en-US" sz="2800" dirty="0" smtClean="0">
+                <a:solidFill>
+                  <a:schemeClr val="bg1">
+                    <a:lumMod val="95000"/>
+                    <a:lumOff val="5000"/>
+                  </a:schemeClr>
+                </a:solidFill>
+              </a:rPr>
+              <a:t>T(r) is O(log(r))</a:t>
+            </a:r>
+          </a:p>
+        </p:txBody>
+      </p:sp>
+    </p:spTree>
+    <p:extLst>
+      <p:ext uri="{BB962C8B-B14F-4D97-AF65-F5344CB8AC3E}">
+        <p14:creationId xmlns:p14="http://schemas.microsoft.com/office/powerpoint/2010/main" val="3588929322"/>
+      </p:ext>
+    </p:extLst>
+  </p:cSld>
+  <p:clrMapOvr>
+    <a:masterClrMapping/>
+  </p:clrMapOvr>
+  <p:timing>
+    <p:tnLst>
+      <p:par>
+        <p:cTn id="1" dur="indefinite" restart="never" nodeType="tmRoot"/>
+      </p:par>
+    </p:tnLst>
+  </p:timing>
+</p:sld>
+</file>
+
+<file path=ppt/slides/slide28.xml><?xml version="1.0" encoding="utf-8"?>
+<p:sld xmlns:a="http://schemas.openxmlformats.org/drawingml/2006/main" xmlns:r="http://schemas.openxmlformats.org/officeDocument/2006/relationships" xmlns:p="http://schemas.openxmlformats.org/presentationml/2006/main">
+  <p:cSld>
+    <p:spTree>
+      <p:nvGrpSpPr>
+        <p:cNvPr id="1" name=""/>
+        <p:cNvGrpSpPr/>
+        <p:nvPr/>
+      </p:nvGrpSpPr>
+      <p:grpSpPr>
+        <a:xfrm>
+          <a:off x="0" y="0"/>
+          <a:ext cx="0" cy="0"/>
+          <a:chOff x="0" y="0"/>
+          <a:chExt cx="0" cy="0"/>
+        </a:xfrm>
+      </p:grpSpPr>
+      <p:sp>
+        <p:nvSpPr>
+          <p:cNvPr id="2" name="Title 1"/>
+          <p:cNvSpPr>
+            <a:spLocks noGrp="1"/>
+          </p:cNvSpPr>
+          <p:nvPr>
+            <p:ph type="title"/>
+          </p:nvPr>
+        </p:nvSpPr>
+        <p:spPr>
+          <a:xfrm>
+            <a:off x="646111" y="452718"/>
+            <a:ext cx="10562217" cy="1400530"/>
+          </a:xfrm>
+        </p:spPr>
+        <p:txBody>
+          <a:bodyPr/>
+          <a:lstStyle/>
+          <a:p>
+            <a:r>
+              <a:rPr lang="en-US" dirty="0" smtClean="0"/>
+              <a:t>Let’s evaluate running times-</a:t>
+            </a:r>
+            <a:br>
+              <a:rPr lang="en-US" dirty="0" smtClean="0"/>
+            </a:br>
+            <a:r>
+              <a:rPr lang="en-US" dirty="0" smtClean="0"/>
+              <a:t>BIG OH NOTATION - exercises</a:t>
+            </a:r>
+            <a:endParaRPr lang="en-IN" dirty="0"/>
+          </a:p>
+        </p:txBody>
+      </p:sp>
+      <p:sp>
+        <p:nvSpPr>
+          <p:cNvPr id="5" name="Content Placeholder 4"/>
+          <p:cNvSpPr txBox="1">
+            <a:spLocks/>
+          </p:cNvSpPr>
+          <p:nvPr/>
+        </p:nvSpPr>
+        <p:spPr>
+          <a:xfrm>
+            <a:off x="452149" y="2052918"/>
+            <a:ext cx="8946541" cy="4195481"/>
+          </a:xfrm>
+          <a:prstGeom prst="rect">
+            <a:avLst/>
+          </a:prstGeom>
+        </p:spPr>
+        <p:txBody>
+          <a:bodyPr vert="horz" lIns="91440" tIns="45720" rIns="91440" bIns="45720" rtlCol="0">
+            <a:normAutofit/>
+          </a:bodyPr>
+          <a:lstStyle>
+            <a:lvl1pPr marL="342900" indent="-342900" algn="l" defTabSz="457200" rtl="0" eaLnBrk="1" latinLnBrk="0" hangingPunct="1">
+              <a:spcBef>
+                <a:spcPts val="1000"/>
+              </a:spcBef>
+              <a:spcAft>
+                <a:spcPts val="0"/>
+              </a:spcAft>
+              <a:buClr>
+                <a:schemeClr val="bg2">
+                  <a:lumMod val="40000"/>
+                  <a:lumOff val="60000"/>
+                </a:schemeClr>
+              </a:buClr>
+              <a:buSzPct val="80000"/>
+              <a:buFont typeface="Wingdings 3" charset="2"/>
+              <a:buChar char=""/>
+              <a:defRPr sz="2000" b="0" i="0" kern="1200">
+                <a:solidFill>
+                  <a:schemeClr val="tx1"/>
+                </a:solidFill>
+                <a:latin typeface="+mj-lt"/>
+                <a:ea typeface="+mj-ea"/>
+                <a:cs typeface="+mj-cs"/>
+              </a:defRPr>
+            </a:lvl1pPr>
+            <a:lvl2pPr marL="742950" indent="-285750" algn="l" defTabSz="457200" rtl="0" eaLnBrk="1" latinLnBrk="0" hangingPunct="1">
+              <a:spcBef>
+                <a:spcPts val="1000"/>
+              </a:spcBef>
+              <a:spcAft>
+                <a:spcPts val="0"/>
+              </a:spcAft>
+              <a:buClr>
+                <a:schemeClr val="bg2">
+                  <a:lumMod val="40000"/>
+                  <a:lumOff val="60000"/>
+                </a:schemeClr>
+              </a:buClr>
+              <a:buSzPct val="80000"/>
+              <a:buFont typeface="Wingdings 3" charset="2"/>
+              <a:buChar char=""/>
+              <a:defRPr sz="1800" b="0" i="0" kern="1200">
+                <a:solidFill>
+                  <a:schemeClr val="tx1"/>
+                </a:solidFill>
+                <a:latin typeface="+mj-lt"/>
+                <a:ea typeface="+mj-ea"/>
+                <a:cs typeface="+mj-cs"/>
+              </a:defRPr>
+            </a:lvl2pPr>
+            <a:lvl3pPr marL="1143000" indent="-228600" algn="l" defTabSz="457200" rtl="0" eaLnBrk="1" latinLnBrk="0" hangingPunct="1">
+              <a:spcBef>
+                <a:spcPts val="1000"/>
+              </a:spcBef>
+              <a:spcAft>
+                <a:spcPts val="0"/>
+              </a:spcAft>
+              <a:buClr>
+                <a:schemeClr val="bg2">
+                  <a:lumMod val="40000"/>
+                  <a:lumOff val="60000"/>
+                </a:schemeClr>
+              </a:buClr>
+              <a:buSzPct val="80000"/>
+              <a:buFont typeface="Wingdings 3" charset="2"/>
+              <a:buChar char=""/>
+              <a:defRPr sz="1600" b="0" i="0" kern="1200">
+                <a:solidFill>
+                  <a:schemeClr val="tx1"/>
+                </a:solidFill>
+                <a:latin typeface="+mj-lt"/>
+                <a:ea typeface="+mj-ea"/>
+                <a:cs typeface="+mj-cs"/>
+              </a:defRPr>
+            </a:lvl3pPr>
+            <a:lvl4pPr marL="1600200" indent="-228600" algn="l" defTabSz="457200" rtl="0" eaLnBrk="1" latinLnBrk="0" hangingPunct="1">
+              <a:spcBef>
+                <a:spcPts val="1000"/>
+              </a:spcBef>
+              <a:spcAft>
+                <a:spcPts val="0"/>
+              </a:spcAft>
+              <a:buClr>
+                <a:schemeClr val="bg2">
+                  <a:lumMod val="40000"/>
+                  <a:lumOff val="60000"/>
+                </a:schemeClr>
+              </a:buClr>
+              <a:buSzPct val="80000"/>
+              <a:buFont typeface="Wingdings 3" charset="2"/>
+              <a:buChar char=""/>
+              <a:defRPr sz="1400" b="0" i="0" kern="1200">
+                <a:solidFill>
+                  <a:schemeClr val="tx1"/>
+                </a:solidFill>
+                <a:latin typeface="+mj-lt"/>
+                <a:ea typeface="+mj-ea"/>
+                <a:cs typeface="+mj-cs"/>
+              </a:defRPr>
+            </a:lvl4pPr>
+            <a:lvl5pPr marL="2057400" indent="-228600" algn="l" defTabSz="457200" rtl="0" eaLnBrk="1" latinLnBrk="0" hangingPunct="1">
+              <a:spcBef>
+                <a:spcPts val="1000"/>
+              </a:spcBef>
+              <a:spcAft>
+                <a:spcPts val="0"/>
+              </a:spcAft>
+              <a:buClr>
+                <a:schemeClr val="bg2">
+                  <a:lumMod val="40000"/>
+                  <a:lumOff val="60000"/>
+                </a:schemeClr>
+              </a:buClr>
+              <a:buSzPct val="80000"/>
+              <a:buFont typeface="Wingdings 3" charset="2"/>
+              <a:buChar char=""/>
+              <a:defRPr sz="1400" b="0" i="0" kern="1200">
+                <a:solidFill>
+                  <a:schemeClr val="tx1"/>
+                </a:solidFill>
+                <a:latin typeface="+mj-lt"/>
+                <a:ea typeface="+mj-ea"/>
+                <a:cs typeface="+mj-cs"/>
+              </a:defRPr>
+            </a:lvl5pPr>
+            <a:lvl6pPr marL="2506000" indent="-228600" algn="l" defTabSz="457200" rtl="0" eaLnBrk="1" latinLnBrk="0" hangingPunct="1">
+              <a:spcBef>
+                <a:spcPts val="1000"/>
+              </a:spcBef>
+              <a:spcAft>
+                <a:spcPts val="0"/>
+              </a:spcAft>
+              <a:buClr>
+                <a:schemeClr val="bg2">
+                  <a:lumMod val="40000"/>
+                  <a:lumOff val="60000"/>
+                </a:schemeClr>
+              </a:buClr>
+              <a:buSzPct val="80000"/>
+              <a:buFont typeface="Wingdings 3" charset="2"/>
+              <a:buChar char=""/>
+              <a:defRPr sz="1400" b="0" i="0" kern="1200">
+                <a:solidFill>
+                  <a:schemeClr val="tx1"/>
+                </a:solidFill>
+                <a:latin typeface="+mj-lt"/>
+                <a:ea typeface="+mj-ea"/>
+                <a:cs typeface="+mj-cs"/>
+              </a:defRPr>
+            </a:lvl6pPr>
+            <a:lvl7pPr marL="2971800" indent="-228600" algn="l" defTabSz="457200" rtl="0" eaLnBrk="1" latinLnBrk="0" hangingPunct="1">
+              <a:spcBef>
+                <a:spcPts val="1000"/>
+              </a:spcBef>
+              <a:spcAft>
+                <a:spcPts val="0"/>
+              </a:spcAft>
+              <a:buClr>
+                <a:schemeClr val="bg2">
+                  <a:lumMod val="40000"/>
+                  <a:lumOff val="60000"/>
+                </a:schemeClr>
+              </a:buClr>
+              <a:buSzPct val="80000"/>
+              <a:buFont typeface="Wingdings 3" charset="2"/>
+              <a:buChar char=""/>
+              <a:defRPr sz="1400" b="0" i="0" kern="1200">
+                <a:solidFill>
+                  <a:schemeClr val="tx1"/>
+                </a:solidFill>
+                <a:latin typeface="+mj-lt"/>
+                <a:ea typeface="+mj-ea"/>
+                <a:cs typeface="+mj-cs"/>
+              </a:defRPr>
+            </a:lvl7pPr>
+            <a:lvl8pPr marL="3429000" indent="-228600" algn="l" defTabSz="457200" rtl="0" eaLnBrk="1" latinLnBrk="0" hangingPunct="1">
+              <a:spcBef>
+                <a:spcPts val="1000"/>
+              </a:spcBef>
+              <a:spcAft>
+                <a:spcPts val="0"/>
+              </a:spcAft>
+              <a:buClr>
+                <a:schemeClr val="bg2">
+                  <a:lumMod val="40000"/>
+                  <a:lumOff val="60000"/>
+                </a:schemeClr>
+              </a:buClr>
+              <a:buSzPct val="80000"/>
+              <a:buFont typeface="Wingdings 3" charset="2"/>
+              <a:buChar char=""/>
+              <a:defRPr sz="1400" b="0" i="0" kern="1200">
+                <a:solidFill>
+                  <a:schemeClr val="tx1"/>
+                </a:solidFill>
+                <a:latin typeface="+mj-lt"/>
+                <a:ea typeface="+mj-ea"/>
+                <a:cs typeface="+mj-cs"/>
+              </a:defRPr>
+            </a:lvl8pPr>
+            <a:lvl9pPr marL="3886200" indent="-228600" algn="l" defTabSz="457200" rtl="0" eaLnBrk="1" latinLnBrk="0" hangingPunct="1">
+              <a:spcBef>
+                <a:spcPts val="1000"/>
+              </a:spcBef>
+              <a:spcAft>
+                <a:spcPts val="0"/>
+              </a:spcAft>
+              <a:buClr>
+                <a:schemeClr val="bg2">
+                  <a:lumMod val="40000"/>
+                  <a:lumOff val="60000"/>
+                </a:schemeClr>
+              </a:buClr>
+              <a:buSzPct val="80000"/>
+              <a:buFont typeface="Wingdings 3" charset="2"/>
+              <a:buChar char=""/>
+              <a:defRPr sz="1400" b="0" i="0" kern="1200">
+                <a:solidFill>
+                  <a:schemeClr val="tx1"/>
+                </a:solidFill>
+                <a:latin typeface="+mj-lt"/>
+                <a:ea typeface="+mj-ea"/>
+                <a:cs typeface="+mj-cs"/>
+              </a:defRPr>
+            </a:lvl9pPr>
+          </a:lstStyle>
+          <a:p>
+            <a:r>
+              <a:rPr lang="en-US" sz="2800" dirty="0" smtClean="0"/>
+              <a:t>TOWER OF HANOI</a:t>
+            </a:r>
+          </a:p>
+        </p:txBody>
+      </p:sp>
+      <p:pic>
+        <p:nvPicPr>
+          <p:cNvPr id="3" name="Picture 2"/>
+          <p:cNvPicPr>
+            <a:picLocks noChangeAspect="1"/>
+          </p:cNvPicPr>
+          <p:nvPr/>
+        </p:nvPicPr>
+        <p:blipFill>
+          <a:blip r:embed="rId2">
+            <a:extLst>
+              <a:ext uri="{28A0092B-C50C-407E-A947-70E740481C1C}">
+                <a14:useLocalDpi xmlns:a14="http://schemas.microsoft.com/office/drawing/2010/main" val="0"/>
+              </a:ext>
+            </a:extLst>
+          </a:blip>
+          <a:stretch>
+            <a:fillRect/>
+          </a:stretch>
+        </p:blipFill>
+        <p:spPr>
+          <a:xfrm>
+            <a:off x="923203" y="2734642"/>
+            <a:ext cx="8816542" cy="3713427"/>
+          </a:xfrm>
+          <a:prstGeom prst="rect">
+            <a:avLst/>
+          </a:prstGeom>
+        </p:spPr>
+      </p:pic>
+      <p:cxnSp>
+        <p:nvCxnSpPr>
+          <p:cNvPr id="6" name="Straight Connector 5"/>
+          <p:cNvCxnSpPr/>
+          <p:nvPr/>
+        </p:nvCxnSpPr>
+        <p:spPr>
+          <a:xfrm>
+            <a:off x="3422073" y="5680364"/>
+            <a:ext cx="6179127" cy="0"/>
+          </a:xfrm>
+          <a:prstGeom prst="line">
+            <a:avLst/>
+          </a:prstGeom>
+        </p:spPr>
+        <p:style>
+          <a:lnRef idx="1">
+            <a:schemeClr val="accent1"/>
+          </a:lnRef>
+          <a:fillRef idx="0">
+            <a:schemeClr val="accent1"/>
+          </a:fillRef>
+          <a:effectRef idx="0">
+            <a:schemeClr val="accent1"/>
+          </a:effectRef>
+          <a:fontRef idx="minor">
+            <a:schemeClr val="tx1"/>
+          </a:fontRef>
+        </p:style>
+      </p:cxnSp>
+    </p:spTree>
+    <p:extLst>
+      <p:ext uri="{BB962C8B-B14F-4D97-AF65-F5344CB8AC3E}">
+        <p14:creationId xmlns:p14="http://schemas.microsoft.com/office/powerpoint/2010/main" val="1409436969"/>
+      </p:ext>
+    </p:extLst>
+  </p:cSld>
+  <p:clrMapOvr>
+    <a:masterClrMapping/>
+  </p:clrMapOvr>
+  <p:timing>
+    <p:tnLst>
+      <p:par>
+        <p:cTn id="1" dur="indefinite" restart="never" nodeType="tmRoot"/>
+      </p:par>
+    </p:tnLst>
+  </p:timing>
+</p:sld>
+</file>
+
+<file path=ppt/slides/slide29.xml><?xml version="1.0" encoding="utf-8"?>
+<p:sld xmlns:a="http://schemas.openxmlformats.org/drawingml/2006/main" xmlns:r="http://schemas.openxmlformats.org/officeDocument/2006/relationships" xmlns:p="http://schemas.openxmlformats.org/presentationml/2006/main">
+  <p:cSld>
+    <p:spTree>
+      <p:nvGrpSpPr>
+        <p:cNvPr id="1" name=""/>
+        <p:cNvGrpSpPr/>
+        <p:nvPr/>
+      </p:nvGrpSpPr>
+      <p:grpSpPr>
+        <a:xfrm>
+          <a:off x="0" y="0"/>
+          <a:ext cx="0" cy="0"/>
+          <a:chOff x="0" y="0"/>
+          <a:chExt cx="0" cy="0"/>
+        </a:xfrm>
+      </p:grpSpPr>
+      <p:sp>
+        <p:nvSpPr>
+          <p:cNvPr id="2" name="Title 1"/>
+          <p:cNvSpPr>
+            <a:spLocks noGrp="1"/>
+          </p:cNvSpPr>
+          <p:nvPr>
+            <p:ph type="title"/>
+          </p:nvPr>
+        </p:nvSpPr>
+        <p:spPr>
+          <a:xfrm>
+            <a:off x="646111" y="452718"/>
+            <a:ext cx="10562217" cy="1400530"/>
+          </a:xfrm>
+        </p:spPr>
+        <p:txBody>
+          <a:bodyPr/>
+          <a:lstStyle/>
+          <a:p>
+            <a:r>
+              <a:rPr lang="en-US" dirty="0" smtClean="0"/>
+              <a:t>Let’s evaluate running times-</a:t>
+            </a:r>
+            <a:br>
+              <a:rPr lang="en-US" dirty="0" smtClean="0"/>
+            </a:br>
+            <a:r>
+              <a:rPr lang="en-US" dirty="0" smtClean="0"/>
               <a:t>BIG OH NOTATION - exercises</a:t>
             </a:r>
             <a:endParaRPr lang="en-IN" dirty="0"/>
@@ -9484,7 +15910,114 @@
 </p:sld>
 </file>
 
-<file path=ppt/slides/slide23.xml><?xml version="1.0" encoding="utf-8"?>
+<file path=ppt/slides/slide3.xml><?xml version="1.0" encoding="utf-8"?>
+<p:sld xmlns:a="http://schemas.openxmlformats.org/drawingml/2006/main" xmlns:r="http://schemas.openxmlformats.org/officeDocument/2006/relationships" xmlns:p="http://schemas.openxmlformats.org/presentationml/2006/main">
+  <p:cSld>
+    <p:spTree>
+      <p:nvGrpSpPr>
+        <p:cNvPr id="1" name=""/>
+        <p:cNvGrpSpPr/>
+        <p:nvPr/>
+      </p:nvGrpSpPr>
+      <p:grpSpPr>
+        <a:xfrm>
+          <a:off x="0" y="0"/>
+          <a:ext cx="0" cy="0"/>
+          <a:chOff x="0" y="0"/>
+          <a:chExt cx="0" cy="0"/>
+        </a:xfrm>
+      </p:grpSpPr>
+      <p:sp>
+        <p:nvSpPr>
+          <p:cNvPr id="2" name="Title 1"/>
+          <p:cNvSpPr>
+            <a:spLocks noGrp="1"/>
+          </p:cNvSpPr>
+          <p:nvPr>
+            <p:ph type="title"/>
+          </p:nvPr>
+        </p:nvSpPr>
+        <p:spPr/>
+        <p:txBody>
+          <a:bodyPr/>
+          <a:lstStyle/>
+          <a:p>
+            <a:r>
+              <a:rPr lang="en-US" dirty="0" smtClean="0"/>
+              <a:t>Good Programs</a:t>
+            </a:r>
+            <a:endParaRPr lang="en-IN" dirty="0"/>
+          </a:p>
+        </p:txBody>
+      </p:sp>
+      <p:sp>
+        <p:nvSpPr>
+          <p:cNvPr id="3" name="Content Placeholder 2"/>
+          <p:cNvSpPr>
+            <a:spLocks noGrp="1"/>
+          </p:cNvSpPr>
+          <p:nvPr>
+            <p:ph idx="1"/>
+          </p:nvPr>
+        </p:nvSpPr>
+        <p:spPr>
+          <a:xfrm>
+            <a:off x="646111" y="1498736"/>
+            <a:ext cx="10756179" cy="4195481"/>
+          </a:xfrm>
+        </p:spPr>
+        <p:txBody>
+          <a:bodyPr>
+            <a:normAutofit/>
+          </a:bodyPr>
+          <a:lstStyle/>
+          <a:p>
+            <a:r>
+              <a:rPr lang="en-US" sz="2400" dirty="0" smtClean="0"/>
+              <a:t>Correct and Efficient</a:t>
+            </a:r>
+          </a:p>
+          <a:p>
+            <a:r>
+              <a:rPr lang="en-US" sz="2400" dirty="0" smtClean="0"/>
+              <a:t>Easy to read and write</a:t>
+            </a:r>
+          </a:p>
+          <a:p>
+            <a:r>
+              <a:rPr lang="en-US" sz="2400" dirty="0" smtClean="0"/>
+              <a:t>Easy to debug</a:t>
+            </a:r>
+          </a:p>
+          <a:p>
+            <a:r>
+              <a:rPr lang="en-US" sz="2400" dirty="0" smtClean="0"/>
+              <a:t>Easy to modify</a:t>
+            </a:r>
+          </a:p>
+        </p:txBody>
+      </p:sp>
+    </p:spTree>
+    <p:extLst>
+      <p:ext uri="{BB962C8B-B14F-4D97-AF65-F5344CB8AC3E}">
+        <p14:creationId xmlns:p14="http://schemas.microsoft.com/office/powerpoint/2010/main" val="754228550"/>
+      </p:ext>
+    </p:extLst>
+  </p:cSld>
+  <p:clrMapOvr>
+    <a:masterClrMapping/>
+  </p:clrMapOvr>
+  <p:timing>
+    <p:tnLst>
+      <p:par>
+        <p:cTn id="1" dur="indefinite" restart="never" nodeType="tmRoot"/>
+      </p:par>
+    </p:tnLst>
+  </p:timing>
+</p:sld>
+</file>
+
+<file path=ppt/slides/slide30.xml><?xml version="1.0" encoding="utf-8"?>
 <p:sld xmlns:a="http://schemas.openxmlformats.org/drawingml/2006/main" xmlns:r="http://schemas.openxmlformats.org/officeDocument/2006/relationships" xmlns:p="http://schemas.openxmlformats.org/presentationml/2006/main">
   <p:cSld>
     <p:spTree>
@@ -9787,13 +16320,8 @@
           <a:p>
             <a:r>
               <a:rPr lang="en-US" sz="2800" dirty="0" smtClean="0"/>
-              <a:t>TOWER OF </a:t>
-            </a:r>
-            <a:r>
-              <a:rPr lang="en-US" sz="2800" dirty="0" smtClean="0"/>
-              <a:t>HANOI-Hint</a:t>
-            </a:r>
-            <a:endParaRPr lang="en-US" sz="2800" dirty="0" smtClean="0"/>
+              <a:t>TOWER OF HANOI-Hint. What is it’s complexity?</a:t>
+            </a:r>
           </a:p>
         </p:txBody>
       </p:sp>
@@ -10127,7 +16655,7 @@
 </p:sld>
 </file>
 
-<file path=ppt/slides/slide3.xml><?xml version="1.0" encoding="utf-8"?>
+<file path=ppt/slides/slide31.xml><?xml version="1.0" encoding="utf-8"?>
 <p:sld xmlns:a="http://schemas.openxmlformats.org/drawingml/2006/main" xmlns:r="http://schemas.openxmlformats.org/officeDocument/2006/relationships" xmlns:p="http://schemas.openxmlformats.org/presentationml/2006/main">
   <p:cSld>
     <p:spTree>
@@ -10154,22 +16682,629 @@
             <p:ph type="title"/>
           </p:nvPr>
         </p:nvSpPr>
-        <p:spPr/>
+        <p:spPr>
+          <a:xfrm>
+            <a:off x="2419494" y="3126645"/>
+            <a:ext cx="7860580" cy="1400530"/>
+          </a:xfrm>
+        </p:spPr>
         <p:txBody>
           <a:bodyPr/>
           <a:lstStyle/>
           <a:p>
             <a:r>
-              <a:rPr lang="en-US" dirty="0" smtClean="0"/>
-              <a:t>Good Programs</a:t>
-            </a:r>
-            <a:endParaRPr lang="en-IN" dirty="0"/>
+              <a:rPr lang="en-US" sz="5400" dirty="0" smtClean="0"/>
+              <a:t>SORTING ALGORITHMS</a:t>
+            </a:r>
+            <a:endParaRPr lang="en-IN" sz="5400" dirty="0"/>
           </a:p>
         </p:txBody>
       </p:sp>
       <p:sp>
         <p:nvSpPr>
-          <p:cNvPr id="3" name="Content Placeholder 2"/>
+          <p:cNvPr id="5" name="Content Placeholder 4"/>
+          <p:cNvSpPr txBox="1">
+            <a:spLocks/>
+          </p:cNvSpPr>
+          <p:nvPr/>
+        </p:nvSpPr>
+        <p:spPr>
+          <a:xfrm>
+            <a:off x="452149" y="2052918"/>
+            <a:ext cx="8946541" cy="4195481"/>
+          </a:xfrm>
+          <a:prstGeom prst="rect">
+            <a:avLst/>
+          </a:prstGeom>
+        </p:spPr>
+        <p:txBody>
+          <a:bodyPr vert="horz" lIns="91440" tIns="45720" rIns="91440" bIns="45720" rtlCol="0">
+            <a:normAutofit/>
+          </a:bodyPr>
+          <a:lstStyle>
+            <a:lvl1pPr marL="342900" indent="-342900" algn="l" defTabSz="457200" rtl="0" eaLnBrk="1" latinLnBrk="0" hangingPunct="1">
+              <a:spcBef>
+                <a:spcPts val="1000"/>
+              </a:spcBef>
+              <a:spcAft>
+                <a:spcPts val="0"/>
+              </a:spcAft>
+              <a:buClr>
+                <a:schemeClr val="bg2">
+                  <a:lumMod val="40000"/>
+                  <a:lumOff val="60000"/>
+                </a:schemeClr>
+              </a:buClr>
+              <a:buSzPct val="80000"/>
+              <a:buFont typeface="Wingdings 3" charset="2"/>
+              <a:buChar char=""/>
+              <a:defRPr sz="2000" b="0" i="0" kern="1200">
+                <a:solidFill>
+                  <a:schemeClr val="tx1"/>
+                </a:solidFill>
+                <a:latin typeface="+mj-lt"/>
+                <a:ea typeface="+mj-ea"/>
+                <a:cs typeface="+mj-cs"/>
+              </a:defRPr>
+            </a:lvl1pPr>
+            <a:lvl2pPr marL="742950" indent="-285750" algn="l" defTabSz="457200" rtl="0" eaLnBrk="1" latinLnBrk="0" hangingPunct="1">
+              <a:spcBef>
+                <a:spcPts val="1000"/>
+              </a:spcBef>
+              <a:spcAft>
+                <a:spcPts val="0"/>
+              </a:spcAft>
+              <a:buClr>
+                <a:schemeClr val="bg2">
+                  <a:lumMod val="40000"/>
+                  <a:lumOff val="60000"/>
+                </a:schemeClr>
+              </a:buClr>
+              <a:buSzPct val="80000"/>
+              <a:buFont typeface="Wingdings 3" charset="2"/>
+              <a:buChar char=""/>
+              <a:defRPr sz="1800" b="0" i="0" kern="1200">
+                <a:solidFill>
+                  <a:schemeClr val="tx1"/>
+                </a:solidFill>
+                <a:latin typeface="+mj-lt"/>
+                <a:ea typeface="+mj-ea"/>
+                <a:cs typeface="+mj-cs"/>
+              </a:defRPr>
+            </a:lvl2pPr>
+            <a:lvl3pPr marL="1143000" indent="-228600" algn="l" defTabSz="457200" rtl="0" eaLnBrk="1" latinLnBrk="0" hangingPunct="1">
+              <a:spcBef>
+                <a:spcPts val="1000"/>
+              </a:spcBef>
+              <a:spcAft>
+                <a:spcPts val="0"/>
+              </a:spcAft>
+              <a:buClr>
+                <a:schemeClr val="bg2">
+                  <a:lumMod val="40000"/>
+                  <a:lumOff val="60000"/>
+                </a:schemeClr>
+              </a:buClr>
+              <a:buSzPct val="80000"/>
+              <a:buFont typeface="Wingdings 3" charset="2"/>
+              <a:buChar char=""/>
+              <a:defRPr sz="1600" b="0" i="0" kern="1200">
+                <a:solidFill>
+                  <a:schemeClr val="tx1"/>
+                </a:solidFill>
+                <a:latin typeface="+mj-lt"/>
+                <a:ea typeface="+mj-ea"/>
+                <a:cs typeface="+mj-cs"/>
+              </a:defRPr>
+            </a:lvl3pPr>
+            <a:lvl4pPr marL="1600200" indent="-228600" algn="l" defTabSz="457200" rtl="0" eaLnBrk="1" latinLnBrk="0" hangingPunct="1">
+              <a:spcBef>
+                <a:spcPts val="1000"/>
+              </a:spcBef>
+              <a:spcAft>
+                <a:spcPts val="0"/>
+              </a:spcAft>
+              <a:buClr>
+                <a:schemeClr val="bg2">
+                  <a:lumMod val="40000"/>
+                  <a:lumOff val="60000"/>
+                </a:schemeClr>
+              </a:buClr>
+              <a:buSzPct val="80000"/>
+              <a:buFont typeface="Wingdings 3" charset="2"/>
+              <a:buChar char=""/>
+              <a:defRPr sz="1400" b="0" i="0" kern="1200">
+                <a:solidFill>
+                  <a:schemeClr val="tx1"/>
+                </a:solidFill>
+                <a:latin typeface="+mj-lt"/>
+                <a:ea typeface="+mj-ea"/>
+                <a:cs typeface="+mj-cs"/>
+              </a:defRPr>
+            </a:lvl4pPr>
+            <a:lvl5pPr marL="2057400" indent="-228600" algn="l" defTabSz="457200" rtl="0" eaLnBrk="1" latinLnBrk="0" hangingPunct="1">
+              <a:spcBef>
+                <a:spcPts val="1000"/>
+              </a:spcBef>
+              <a:spcAft>
+                <a:spcPts val="0"/>
+              </a:spcAft>
+              <a:buClr>
+                <a:schemeClr val="bg2">
+                  <a:lumMod val="40000"/>
+                  <a:lumOff val="60000"/>
+                </a:schemeClr>
+              </a:buClr>
+              <a:buSzPct val="80000"/>
+              <a:buFont typeface="Wingdings 3" charset="2"/>
+              <a:buChar char=""/>
+              <a:defRPr sz="1400" b="0" i="0" kern="1200">
+                <a:solidFill>
+                  <a:schemeClr val="tx1"/>
+                </a:solidFill>
+                <a:latin typeface="+mj-lt"/>
+                <a:ea typeface="+mj-ea"/>
+                <a:cs typeface="+mj-cs"/>
+              </a:defRPr>
+            </a:lvl5pPr>
+            <a:lvl6pPr marL="2506000" indent="-228600" algn="l" defTabSz="457200" rtl="0" eaLnBrk="1" latinLnBrk="0" hangingPunct="1">
+              <a:spcBef>
+                <a:spcPts val="1000"/>
+              </a:spcBef>
+              <a:spcAft>
+                <a:spcPts val="0"/>
+              </a:spcAft>
+              <a:buClr>
+                <a:schemeClr val="bg2">
+                  <a:lumMod val="40000"/>
+                  <a:lumOff val="60000"/>
+                </a:schemeClr>
+              </a:buClr>
+              <a:buSzPct val="80000"/>
+              <a:buFont typeface="Wingdings 3" charset="2"/>
+              <a:buChar char=""/>
+              <a:defRPr sz="1400" b="0" i="0" kern="1200">
+                <a:solidFill>
+                  <a:schemeClr val="tx1"/>
+                </a:solidFill>
+                <a:latin typeface="+mj-lt"/>
+                <a:ea typeface="+mj-ea"/>
+                <a:cs typeface="+mj-cs"/>
+              </a:defRPr>
+            </a:lvl6pPr>
+            <a:lvl7pPr marL="2971800" indent="-228600" algn="l" defTabSz="457200" rtl="0" eaLnBrk="1" latinLnBrk="0" hangingPunct="1">
+              <a:spcBef>
+                <a:spcPts val="1000"/>
+              </a:spcBef>
+              <a:spcAft>
+                <a:spcPts val="0"/>
+              </a:spcAft>
+              <a:buClr>
+                <a:schemeClr val="bg2">
+                  <a:lumMod val="40000"/>
+                  <a:lumOff val="60000"/>
+                </a:schemeClr>
+              </a:buClr>
+              <a:buSzPct val="80000"/>
+              <a:buFont typeface="Wingdings 3" charset="2"/>
+              <a:buChar char=""/>
+              <a:defRPr sz="1400" b="0" i="0" kern="1200">
+                <a:solidFill>
+                  <a:schemeClr val="tx1"/>
+                </a:solidFill>
+                <a:latin typeface="+mj-lt"/>
+                <a:ea typeface="+mj-ea"/>
+                <a:cs typeface="+mj-cs"/>
+              </a:defRPr>
+            </a:lvl7pPr>
+            <a:lvl8pPr marL="3429000" indent="-228600" algn="l" defTabSz="457200" rtl="0" eaLnBrk="1" latinLnBrk="0" hangingPunct="1">
+              <a:spcBef>
+                <a:spcPts val="1000"/>
+              </a:spcBef>
+              <a:spcAft>
+                <a:spcPts val="0"/>
+              </a:spcAft>
+              <a:buClr>
+                <a:schemeClr val="bg2">
+                  <a:lumMod val="40000"/>
+                  <a:lumOff val="60000"/>
+                </a:schemeClr>
+              </a:buClr>
+              <a:buSzPct val="80000"/>
+              <a:buFont typeface="Wingdings 3" charset="2"/>
+              <a:buChar char=""/>
+              <a:defRPr sz="1400" b="0" i="0" kern="1200">
+                <a:solidFill>
+                  <a:schemeClr val="tx1"/>
+                </a:solidFill>
+                <a:latin typeface="+mj-lt"/>
+                <a:ea typeface="+mj-ea"/>
+                <a:cs typeface="+mj-cs"/>
+              </a:defRPr>
+            </a:lvl8pPr>
+            <a:lvl9pPr marL="3886200" indent="-228600" algn="l" defTabSz="457200" rtl="0" eaLnBrk="1" latinLnBrk="0" hangingPunct="1">
+              <a:spcBef>
+                <a:spcPts val="1000"/>
+              </a:spcBef>
+              <a:spcAft>
+                <a:spcPts val="0"/>
+              </a:spcAft>
+              <a:buClr>
+                <a:schemeClr val="bg2">
+                  <a:lumMod val="40000"/>
+                  <a:lumOff val="60000"/>
+                </a:schemeClr>
+              </a:buClr>
+              <a:buSzPct val="80000"/>
+              <a:buFont typeface="Wingdings 3" charset="2"/>
+              <a:buChar char=""/>
+              <a:defRPr sz="1400" b="0" i="0" kern="1200">
+                <a:solidFill>
+                  <a:schemeClr val="tx1"/>
+                </a:solidFill>
+                <a:latin typeface="+mj-lt"/>
+                <a:ea typeface="+mj-ea"/>
+                <a:cs typeface="+mj-cs"/>
+              </a:defRPr>
+            </a:lvl9pPr>
+          </a:lstStyle>
+          <a:p>
+            <a:endParaRPr lang="en-US" sz="2800" dirty="0" smtClean="0"/>
+          </a:p>
+        </p:txBody>
+      </p:sp>
+    </p:spTree>
+    <p:extLst>
+      <p:ext uri="{BB962C8B-B14F-4D97-AF65-F5344CB8AC3E}">
+        <p14:creationId xmlns:p14="http://schemas.microsoft.com/office/powerpoint/2010/main" val="3756975888"/>
+      </p:ext>
+    </p:extLst>
+  </p:cSld>
+  <p:clrMapOvr>
+    <a:masterClrMapping/>
+  </p:clrMapOvr>
+  <p:timing>
+    <p:tnLst>
+      <p:par>
+        <p:cTn id="1" dur="indefinite" restart="never" nodeType="tmRoot"/>
+      </p:par>
+    </p:tnLst>
+  </p:timing>
+</p:sld>
+</file>
+
+<file path=ppt/slides/slide32.xml><?xml version="1.0" encoding="utf-8"?>
+<p:sld xmlns:a="http://schemas.openxmlformats.org/drawingml/2006/main" xmlns:r="http://schemas.openxmlformats.org/officeDocument/2006/relationships" xmlns:p="http://schemas.openxmlformats.org/presentationml/2006/main">
+  <p:cSld>
+    <p:spTree>
+      <p:nvGrpSpPr>
+        <p:cNvPr id="1" name=""/>
+        <p:cNvGrpSpPr/>
+        <p:nvPr/>
+      </p:nvGrpSpPr>
+      <p:grpSpPr>
+        <a:xfrm>
+          <a:off x="0" y="0"/>
+          <a:ext cx="0" cy="0"/>
+          <a:chOff x="0" y="0"/>
+          <a:chExt cx="0" cy="0"/>
+        </a:xfrm>
+      </p:grpSpPr>
+      <p:sp>
+        <p:nvSpPr>
+          <p:cNvPr id="2" name="Title 1"/>
+          <p:cNvSpPr>
+            <a:spLocks noGrp="1"/>
+          </p:cNvSpPr>
+          <p:nvPr>
+            <p:ph type="title"/>
+          </p:nvPr>
+        </p:nvSpPr>
+        <p:spPr>
+          <a:xfrm>
+            <a:off x="646111" y="452718"/>
+            <a:ext cx="10562217" cy="1400530"/>
+          </a:xfrm>
+        </p:spPr>
+        <p:txBody>
+          <a:bodyPr/>
+          <a:lstStyle/>
+          <a:p>
+            <a:r>
+              <a:rPr lang="en-US" dirty="0" smtClean="0"/>
+              <a:t>Sorting Problem</a:t>
+            </a:r>
+            <a:endParaRPr lang="en-IN" dirty="0"/>
+          </a:p>
+        </p:txBody>
+      </p:sp>
+      <p:pic>
+        <p:nvPicPr>
+          <p:cNvPr id="3" name="Picture 2"/>
+          <p:cNvPicPr>
+            <a:picLocks noChangeAspect="1"/>
+          </p:cNvPicPr>
+          <p:nvPr/>
+        </p:nvPicPr>
+        <p:blipFill rotWithShape="1">
+          <a:blip r:embed="rId2">
+            <a:extLst>
+              <a:ext uri="{28A0092B-C50C-407E-A947-70E740481C1C}">
+                <a14:useLocalDpi xmlns:a14="http://schemas.microsoft.com/office/drawing/2010/main" val="0"/>
+              </a:ext>
+            </a:extLst>
+          </a:blip>
+          <a:srcRect l="6500" t="53302"/>
+          <a:stretch/>
+        </p:blipFill>
+        <p:spPr>
+          <a:xfrm>
+            <a:off x="646111" y="3075709"/>
+            <a:ext cx="10729942" cy="1801090"/>
+          </a:xfrm>
+          <a:prstGeom prst="rect">
+            <a:avLst/>
+          </a:prstGeom>
+        </p:spPr>
+      </p:pic>
+    </p:spTree>
+    <p:extLst>
+      <p:ext uri="{BB962C8B-B14F-4D97-AF65-F5344CB8AC3E}">
+        <p14:creationId xmlns:p14="http://schemas.microsoft.com/office/powerpoint/2010/main" val="2043856837"/>
+      </p:ext>
+    </p:extLst>
+  </p:cSld>
+  <p:clrMapOvr>
+    <a:masterClrMapping/>
+  </p:clrMapOvr>
+  <p:timing>
+    <p:tnLst>
+      <p:par>
+        <p:cTn id="1" dur="indefinite" restart="never" nodeType="tmRoot"/>
+      </p:par>
+    </p:tnLst>
+  </p:timing>
+</p:sld>
+</file>
+
+<file path=ppt/slides/slide33.xml><?xml version="1.0" encoding="utf-8"?>
+<p:sld xmlns:a="http://schemas.openxmlformats.org/drawingml/2006/main" xmlns:r="http://schemas.openxmlformats.org/officeDocument/2006/relationships" xmlns:p="http://schemas.openxmlformats.org/presentationml/2006/main">
+  <p:cSld>
+    <p:spTree>
+      <p:nvGrpSpPr>
+        <p:cNvPr id="1" name=""/>
+        <p:cNvGrpSpPr/>
+        <p:nvPr/>
+      </p:nvGrpSpPr>
+      <p:grpSpPr>
+        <a:xfrm>
+          <a:off x="0" y="0"/>
+          <a:ext cx="0" cy="0"/>
+          <a:chOff x="0" y="0"/>
+          <a:chExt cx="0" cy="0"/>
+        </a:xfrm>
+      </p:grpSpPr>
+      <p:sp>
+        <p:nvSpPr>
+          <p:cNvPr id="2" name="Title 1"/>
+          <p:cNvSpPr>
+            <a:spLocks noGrp="1"/>
+          </p:cNvSpPr>
+          <p:nvPr>
+            <p:ph type="title"/>
+          </p:nvPr>
+        </p:nvSpPr>
+        <p:spPr>
+          <a:xfrm>
+            <a:off x="646111" y="452718"/>
+            <a:ext cx="10562217" cy="1400530"/>
+          </a:xfrm>
+        </p:spPr>
+        <p:txBody>
+          <a:bodyPr/>
+          <a:lstStyle/>
+          <a:p>
+            <a:r>
+              <a:rPr lang="en-US" dirty="0" smtClean="0"/>
+              <a:t>Insertion Sort</a:t>
+            </a:r>
+            <a:endParaRPr lang="en-IN" dirty="0"/>
+          </a:p>
+        </p:txBody>
+      </p:sp>
+      <p:pic>
+        <p:nvPicPr>
+          <p:cNvPr id="3" name="Picture 2"/>
+          <p:cNvPicPr>
+            <a:picLocks noChangeAspect="1"/>
+          </p:cNvPicPr>
+          <p:nvPr/>
+        </p:nvPicPr>
+        <p:blipFill>
+          <a:blip r:embed="rId2">
+            <a:extLst>
+              <a:ext uri="{28A0092B-C50C-407E-A947-70E740481C1C}">
+                <a14:useLocalDpi xmlns:a14="http://schemas.microsoft.com/office/drawing/2010/main" val="0"/>
+              </a:ext>
+            </a:extLst>
+          </a:blip>
+          <a:stretch>
+            <a:fillRect/>
+          </a:stretch>
+        </p:blipFill>
+        <p:spPr>
+          <a:xfrm>
+            <a:off x="2715490" y="2391103"/>
+            <a:ext cx="5081014" cy="3801878"/>
+          </a:xfrm>
+          <a:prstGeom prst="rect">
+            <a:avLst/>
+          </a:prstGeom>
+        </p:spPr>
+      </p:pic>
+    </p:spTree>
+    <p:extLst>
+      <p:ext uri="{BB962C8B-B14F-4D97-AF65-F5344CB8AC3E}">
+        <p14:creationId xmlns:p14="http://schemas.microsoft.com/office/powerpoint/2010/main" val="2145821480"/>
+      </p:ext>
+    </p:extLst>
+  </p:cSld>
+  <p:clrMapOvr>
+    <a:masterClrMapping/>
+  </p:clrMapOvr>
+  <p:timing>
+    <p:tnLst>
+      <p:par>
+        <p:cTn id="1" dur="indefinite" restart="never" nodeType="tmRoot"/>
+      </p:par>
+    </p:tnLst>
+  </p:timing>
+</p:sld>
+</file>
+
+<file path=ppt/slides/slide34.xml><?xml version="1.0" encoding="utf-8"?>
+<p:sld xmlns:a="http://schemas.openxmlformats.org/drawingml/2006/main" xmlns:r="http://schemas.openxmlformats.org/officeDocument/2006/relationships" xmlns:p="http://schemas.openxmlformats.org/presentationml/2006/main">
+  <p:cSld>
+    <p:spTree>
+      <p:nvGrpSpPr>
+        <p:cNvPr id="1" name=""/>
+        <p:cNvGrpSpPr/>
+        <p:nvPr/>
+      </p:nvGrpSpPr>
+      <p:grpSpPr>
+        <a:xfrm>
+          <a:off x="0" y="0"/>
+          <a:ext cx="0" cy="0"/>
+          <a:chOff x="0" y="0"/>
+          <a:chExt cx="0" cy="0"/>
+        </a:xfrm>
+      </p:grpSpPr>
+      <p:sp>
+        <p:nvSpPr>
+          <p:cNvPr id="2" name="Title 1"/>
+          <p:cNvSpPr>
+            <a:spLocks noGrp="1"/>
+          </p:cNvSpPr>
+          <p:nvPr>
+            <p:ph type="title"/>
+          </p:nvPr>
+        </p:nvSpPr>
+        <p:spPr>
+          <a:xfrm>
+            <a:off x="646111" y="452718"/>
+            <a:ext cx="10562217" cy="1400530"/>
+          </a:xfrm>
+        </p:spPr>
+        <p:txBody>
+          <a:bodyPr/>
+          <a:lstStyle/>
+          <a:p>
+            <a:r>
+              <a:rPr lang="en-US" dirty="0" smtClean="0"/>
+              <a:t>Insertion Sort</a:t>
+            </a:r>
+            <a:endParaRPr lang="en-IN" dirty="0"/>
+          </a:p>
+        </p:txBody>
+      </p:sp>
+      <p:pic>
+        <p:nvPicPr>
+          <p:cNvPr id="3" name="Picture 2"/>
+          <p:cNvPicPr>
+            <a:picLocks noChangeAspect="1"/>
+          </p:cNvPicPr>
+          <p:nvPr/>
+        </p:nvPicPr>
+        <p:blipFill>
+          <a:blip r:embed="rId2">
+            <a:extLst>
+              <a:ext uri="{28A0092B-C50C-407E-A947-70E740481C1C}">
+                <a14:useLocalDpi xmlns:a14="http://schemas.microsoft.com/office/drawing/2010/main" val="0"/>
+              </a:ext>
+            </a:extLst>
+          </a:blip>
+          <a:stretch>
+            <a:fillRect/>
+          </a:stretch>
+        </p:blipFill>
+        <p:spPr>
+          <a:xfrm>
+            <a:off x="646111" y="1579419"/>
+            <a:ext cx="9477305" cy="2646084"/>
+          </a:xfrm>
+          <a:prstGeom prst="rect">
+            <a:avLst/>
+          </a:prstGeom>
+        </p:spPr>
+      </p:pic>
+    </p:spTree>
+    <p:extLst>
+      <p:ext uri="{BB962C8B-B14F-4D97-AF65-F5344CB8AC3E}">
+        <p14:creationId xmlns:p14="http://schemas.microsoft.com/office/powerpoint/2010/main" val="2481867534"/>
+      </p:ext>
+    </p:extLst>
+  </p:cSld>
+  <p:clrMapOvr>
+    <a:masterClrMapping/>
+  </p:clrMapOvr>
+  <p:timing>
+    <p:tnLst>
+      <p:par>
+        <p:cTn id="1" dur="indefinite" restart="never" nodeType="tmRoot"/>
+      </p:par>
+    </p:tnLst>
+  </p:timing>
+</p:sld>
+</file>
+
+<file path=ppt/slides/slide35.xml><?xml version="1.0" encoding="utf-8"?>
+<p:sld xmlns:a="http://schemas.openxmlformats.org/drawingml/2006/main" xmlns:r="http://schemas.openxmlformats.org/officeDocument/2006/relationships" xmlns:p="http://schemas.openxmlformats.org/presentationml/2006/main">
+  <p:cSld>
+    <p:spTree>
+      <p:nvGrpSpPr>
+        <p:cNvPr id="1" name=""/>
+        <p:cNvGrpSpPr/>
+        <p:nvPr/>
+      </p:nvGrpSpPr>
+      <p:grpSpPr>
+        <a:xfrm>
+          <a:off x="0" y="0"/>
+          <a:ext cx="0" cy="0"/>
+          <a:chOff x="0" y="0"/>
+          <a:chExt cx="0" cy="0"/>
+        </a:xfrm>
+      </p:grpSpPr>
+      <p:sp>
+        <p:nvSpPr>
+          <p:cNvPr id="2" name="Title 1"/>
+          <p:cNvSpPr>
+            <a:spLocks noGrp="1"/>
+          </p:cNvSpPr>
+          <p:nvPr>
+            <p:ph type="title"/>
+          </p:nvPr>
+        </p:nvSpPr>
+        <p:spPr>
+          <a:xfrm>
+            <a:off x="646111" y="452718"/>
+            <a:ext cx="10562217" cy="1400530"/>
+          </a:xfrm>
+        </p:spPr>
+        <p:txBody>
+          <a:bodyPr/>
+          <a:lstStyle/>
+          <a:p>
+            <a:r>
+              <a:rPr lang="en-US" dirty="0" smtClean="0"/>
+              <a:t>Insertion Sort</a:t>
+            </a:r>
+            <a:endParaRPr lang="en-IN" dirty="0"/>
+          </a:p>
+        </p:txBody>
+      </p:sp>
+      <p:sp>
+        <p:nvSpPr>
+          <p:cNvPr id="4" name="Content Placeholder 2"/>
           <p:cNvSpPr>
             <a:spLocks noGrp="1"/>
           </p:cNvSpPr>
@@ -10179,45 +17314,1127 @@
         </p:nvSpPr>
         <p:spPr>
           <a:xfrm>
-            <a:off x="646111" y="1498736"/>
-            <a:ext cx="10756179" cy="4195481"/>
+            <a:off x="188913" y="1152371"/>
+            <a:ext cx="8677996" cy="5567083"/>
           </a:xfrm>
+          <a:solidFill>
+            <a:srgbClr val="002060"/>
+          </a:solidFill>
         </p:spPr>
         <p:txBody>
           <a:bodyPr>
-            <a:normAutofit/>
+            <a:noAutofit/>
           </a:bodyPr>
           <a:lstStyle/>
           <a:p>
-            <a:r>
-              <a:rPr lang="en-US" sz="2400" dirty="0" smtClean="0"/>
-              <a:t>Correct and Efficient</a:t>
-            </a:r>
-          </a:p>
-          <a:p>
-            <a:r>
-              <a:rPr lang="en-US" sz="2400" dirty="0" smtClean="0"/>
-              <a:t>Easy to read and write</a:t>
-            </a:r>
-          </a:p>
-          <a:p>
-            <a:r>
-              <a:rPr lang="en-US" sz="2400" dirty="0" smtClean="0"/>
-              <a:t>Easy to debug</a:t>
-            </a:r>
-          </a:p>
-          <a:p>
-            <a:r>
-              <a:rPr lang="en-US" sz="2400" dirty="0" smtClean="0"/>
-              <a:t>Easy to modify</a:t>
-            </a:r>
+            <a:pPr marL="0" indent="0">
+              <a:buNone/>
+            </a:pPr>
+            <a:r>
+              <a:rPr lang="en-US" sz="2400" dirty="0" err="1">
+                <a:solidFill>
+                  <a:srgbClr val="569CD6"/>
+                </a:solidFill>
+                <a:latin typeface="Consolas" panose="020B0609020204030204" pitchFamily="49" charset="0"/>
+              </a:rPr>
+              <a:t>def</a:t>
+            </a:r>
+            <a:r>
+              <a:rPr lang="en-US" sz="2400" dirty="0">
+                <a:solidFill>
+                  <a:srgbClr val="569CD6"/>
+                </a:solidFill>
+                <a:latin typeface="Consolas" panose="020B0609020204030204" pitchFamily="49" charset="0"/>
+              </a:rPr>
+              <a:t> </a:t>
+            </a:r>
+            <a:r>
+              <a:rPr lang="en-US" sz="2400" dirty="0" err="1">
+                <a:solidFill>
+                  <a:srgbClr val="569CD6"/>
+                </a:solidFill>
+                <a:latin typeface="Consolas" panose="020B0609020204030204" pitchFamily="49" charset="0"/>
+              </a:rPr>
+              <a:t>insertionSort</a:t>
+            </a:r>
+            <a:r>
+              <a:rPr lang="en-US" sz="2400" dirty="0">
+                <a:solidFill>
+                  <a:srgbClr val="569CD6"/>
+                </a:solidFill>
+                <a:latin typeface="Consolas" panose="020B0609020204030204" pitchFamily="49" charset="0"/>
+              </a:rPr>
+              <a:t>(</a:t>
+            </a:r>
+            <a:r>
+              <a:rPr lang="en-US" sz="2400" dirty="0" err="1">
+                <a:solidFill>
+                  <a:srgbClr val="569CD6"/>
+                </a:solidFill>
+                <a:latin typeface="Consolas" panose="020B0609020204030204" pitchFamily="49" charset="0"/>
+              </a:rPr>
+              <a:t>arr</a:t>
+            </a:r>
+            <a:r>
+              <a:rPr lang="en-US" sz="2400" dirty="0">
+                <a:solidFill>
+                  <a:srgbClr val="569CD6"/>
+                </a:solidFill>
+                <a:latin typeface="Consolas" panose="020B0609020204030204" pitchFamily="49" charset="0"/>
+              </a:rPr>
+              <a:t>): </a:t>
+            </a:r>
+          </a:p>
+          <a:p>
+            <a:pPr marL="0" indent="0">
+              <a:buNone/>
+            </a:pPr>
+            <a:r>
+              <a:rPr lang="en-US" sz="2400" dirty="0" smtClean="0">
+                <a:solidFill>
+                  <a:srgbClr val="569CD6"/>
+                </a:solidFill>
+                <a:latin typeface="Consolas" panose="020B0609020204030204" pitchFamily="49" charset="0"/>
+              </a:rPr>
+              <a:t>	for </a:t>
+            </a:r>
+            <a:r>
+              <a:rPr lang="en-US" sz="2400" dirty="0" err="1">
+                <a:solidFill>
+                  <a:srgbClr val="569CD6"/>
+                </a:solidFill>
+                <a:latin typeface="Consolas" panose="020B0609020204030204" pitchFamily="49" charset="0"/>
+              </a:rPr>
+              <a:t>i</a:t>
+            </a:r>
+            <a:r>
+              <a:rPr lang="en-US" sz="2400" dirty="0">
+                <a:solidFill>
+                  <a:srgbClr val="569CD6"/>
+                </a:solidFill>
+                <a:latin typeface="Consolas" panose="020B0609020204030204" pitchFamily="49" charset="0"/>
+              </a:rPr>
+              <a:t> in range(1, </a:t>
+            </a:r>
+            <a:r>
+              <a:rPr lang="en-US" sz="2400" dirty="0" err="1">
+                <a:solidFill>
+                  <a:srgbClr val="569CD6"/>
+                </a:solidFill>
+                <a:latin typeface="Consolas" panose="020B0609020204030204" pitchFamily="49" charset="0"/>
+              </a:rPr>
+              <a:t>len</a:t>
+            </a:r>
+            <a:r>
+              <a:rPr lang="en-US" sz="2400" dirty="0">
+                <a:solidFill>
+                  <a:srgbClr val="569CD6"/>
+                </a:solidFill>
+                <a:latin typeface="Consolas" panose="020B0609020204030204" pitchFamily="49" charset="0"/>
+              </a:rPr>
+              <a:t>(</a:t>
+            </a:r>
+            <a:r>
+              <a:rPr lang="en-US" sz="2400" dirty="0" err="1">
+                <a:solidFill>
+                  <a:srgbClr val="569CD6"/>
+                </a:solidFill>
+                <a:latin typeface="Consolas" panose="020B0609020204030204" pitchFamily="49" charset="0"/>
+              </a:rPr>
+              <a:t>arr</a:t>
+            </a:r>
+            <a:r>
+              <a:rPr lang="en-US" sz="2400" dirty="0">
+                <a:solidFill>
+                  <a:srgbClr val="569CD6"/>
+                </a:solidFill>
+                <a:latin typeface="Consolas" panose="020B0609020204030204" pitchFamily="49" charset="0"/>
+              </a:rPr>
+              <a:t>)): </a:t>
+            </a:r>
+          </a:p>
+          <a:p>
+            <a:pPr marL="0" indent="0">
+              <a:buNone/>
+            </a:pPr>
+            <a:r>
+              <a:rPr lang="en-US" sz="2400" dirty="0">
+                <a:solidFill>
+                  <a:srgbClr val="569CD6"/>
+                </a:solidFill>
+                <a:latin typeface="Consolas" panose="020B0609020204030204" pitchFamily="49" charset="0"/>
+              </a:rPr>
+              <a:t>  </a:t>
+            </a:r>
+            <a:r>
+              <a:rPr lang="en-US" sz="2400" dirty="0" smtClean="0">
+                <a:solidFill>
+                  <a:srgbClr val="569CD6"/>
+                </a:solidFill>
+                <a:latin typeface="Consolas" panose="020B0609020204030204" pitchFamily="49" charset="0"/>
+              </a:rPr>
+              <a:t>		key </a:t>
+            </a:r>
+            <a:r>
+              <a:rPr lang="en-US" sz="2400" dirty="0">
+                <a:solidFill>
+                  <a:srgbClr val="569CD6"/>
+                </a:solidFill>
+                <a:latin typeface="Consolas" panose="020B0609020204030204" pitchFamily="49" charset="0"/>
+              </a:rPr>
+              <a:t>= </a:t>
+            </a:r>
+            <a:r>
+              <a:rPr lang="en-US" sz="2400" dirty="0" err="1">
+                <a:solidFill>
+                  <a:srgbClr val="569CD6"/>
+                </a:solidFill>
+                <a:latin typeface="Consolas" panose="020B0609020204030204" pitchFamily="49" charset="0"/>
+              </a:rPr>
+              <a:t>arr</a:t>
+            </a:r>
+            <a:r>
+              <a:rPr lang="en-US" sz="2400" dirty="0">
+                <a:solidFill>
+                  <a:srgbClr val="569CD6"/>
+                </a:solidFill>
+                <a:latin typeface="Consolas" panose="020B0609020204030204" pitchFamily="49" charset="0"/>
+              </a:rPr>
+              <a:t>[</a:t>
+            </a:r>
+            <a:r>
+              <a:rPr lang="en-US" sz="2400" dirty="0" err="1">
+                <a:solidFill>
+                  <a:srgbClr val="569CD6"/>
+                </a:solidFill>
+                <a:latin typeface="Consolas" panose="020B0609020204030204" pitchFamily="49" charset="0"/>
+              </a:rPr>
+              <a:t>i</a:t>
+            </a:r>
+            <a:r>
+              <a:rPr lang="en-US" sz="2400" dirty="0">
+                <a:solidFill>
+                  <a:srgbClr val="569CD6"/>
+                </a:solidFill>
+                <a:latin typeface="Consolas" panose="020B0609020204030204" pitchFamily="49" charset="0"/>
+              </a:rPr>
+              <a:t>] </a:t>
+            </a:r>
+          </a:p>
+          <a:p>
+            <a:pPr marL="0" indent="0">
+              <a:buNone/>
+            </a:pPr>
+            <a:r>
+              <a:rPr lang="en-US" sz="2400" dirty="0">
+                <a:solidFill>
+                  <a:srgbClr val="569CD6"/>
+                </a:solidFill>
+                <a:latin typeface="Consolas" panose="020B0609020204030204" pitchFamily="49" charset="0"/>
+              </a:rPr>
+              <a:t> </a:t>
+            </a:r>
+            <a:r>
+              <a:rPr lang="en-US" sz="2400" dirty="0" smtClean="0">
+                <a:solidFill>
+                  <a:srgbClr val="569CD6"/>
+                </a:solidFill>
+                <a:latin typeface="Consolas" panose="020B0609020204030204" pitchFamily="49" charset="0"/>
+              </a:rPr>
+              <a:t>			# </a:t>
+            </a:r>
+            <a:r>
+              <a:rPr lang="en-US" sz="2400" dirty="0">
+                <a:solidFill>
+                  <a:srgbClr val="569CD6"/>
+                </a:solidFill>
+                <a:latin typeface="Consolas" panose="020B0609020204030204" pitchFamily="49" charset="0"/>
+              </a:rPr>
+              <a:t>Move elements of </a:t>
+            </a:r>
+            <a:r>
+              <a:rPr lang="en-US" sz="2400" dirty="0" err="1">
+                <a:solidFill>
+                  <a:srgbClr val="569CD6"/>
+                </a:solidFill>
+                <a:latin typeface="Consolas" panose="020B0609020204030204" pitchFamily="49" charset="0"/>
+              </a:rPr>
+              <a:t>arr</a:t>
+            </a:r>
+            <a:r>
+              <a:rPr lang="en-US" sz="2400" dirty="0">
+                <a:solidFill>
+                  <a:srgbClr val="569CD6"/>
+                </a:solidFill>
+                <a:latin typeface="Consolas" panose="020B0609020204030204" pitchFamily="49" charset="0"/>
+              </a:rPr>
+              <a:t>[0..i-1], that are </a:t>
+            </a:r>
+          </a:p>
+          <a:p>
+            <a:pPr marL="0" indent="0">
+              <a:buNone/>
+            </a:pPr>
+            <a:r>
+              <a:rPr lang="en-US" sz="2400" dirty="0">
+                <a:solidFill>
+                  <a:srgbClr val="569CD6"/>
+                </a:solidFill>
+                <a:latin typeface="Consolas" panose="020B0609020204030204" pitchFamily="49" charset="0"/>
+              </a:rPr>
+              <a:t>        # greater than key, to one position ahead </a:t>
+            </a:r>
+          </a:p>
+          <a:p>
+            <a:pPr marL="0" indent="0">
+              <a:buNone/>
+            </a:pPr>
+            <a:r>
+              <a:rPr lang="en-US" sz="2400" dirty="0">
+                <a:solidFill>
+                  <a:srgbClr val="569CD6"/>
+                </a:solidFill>
+                <a:latin typeface="Consolas" panose="020B0609020204030204" pitchFamily="49" charset="0"/>
+              </a:rPr>
+              <a:t>        # of their current position </a:t>
+            </a:r>
+          </a:p>
+          <a:p>
+            <a:pPr marL="0" indent="0">
+              <a:buNone/>
+            </a:pPr>
+            <a:r>
+              <a:rPr lang="en-US" sz="2400" dirty="0">
+                <a:solidFill>
+                  <a:srgbClr val="569CD6"/>
+                </a:solidFill>
+                <a:latin typeface="Consolas" panose="020B0609020204030204" pitchFamily="49" charset="0"/>
+              </a:rPr>
+              <a:t>        j = i-1</a:t>
+            </a:r>
+          </a:p>
+          <a:p>
+            <a:pPr marL="0" indent="0">
+              <a:buNone/>
+            </a:pPr>
+            <a:r>
+              <a:rPr lang="en-US" sz="2400" dirty="0">
+                <a:solidFill>
+                  <a:srgbClr val="569CD6"/>
+                </a:solidFill>
+                <a:latin typeface="Consolas" panose="020B0609020204030204" pitchFamily="49" charset="0"/>
+              </a:rPr>
+              <a:t>        while j &gt;= 0 and key &lt; </a:t>
+            </a:r>
+            <a:r>
+              <a:rPr lang="en-US" sz="2400" dirty="0" err="1">
+                <a:solidFill>
+                  <a:srgbClr val="569CD6"/>
+                </a:solidFill>
+                <a:latin typeface="Consolas" panose="020B0609020204030204" pitchFamily="49" charset="0"/>
+              </a:rPr>
+              <a:t>arr</a:t>
+            </a:r>
+            <a:r>
+              <a:rPr lang="en-US" sz="2400" dirty="0">
+                <a:solidFill>
+                  <a:srgbClr val="569CD6"/>
+                </a:solidFill>
+                <a:latin typeface="Consolas" panose="020B0609020204030204" pitchFamily="49" charset="0"/>
+              </a:rPr>
+              <a:t>[j] : </a:t>
+            </a:r>
+          </a:p>
+          <a:p>
+            <a:pPr marL="0" indent="0">
+              <a:buNone/>
+            </a:pPr>
+            <a:r>
+              <a:rPr lang="en-US" sz="2400" dirty="0">
+                <a:solidFill>
+                  <a:srgbClr val="569CD6"/>
+                </a:solidFill>
+                <a:latin typeface="Consolas" panose="020B0609020204030204" pitchFamily="49" charset="0"/>
+              </a:rPr>
+              <a:t>                </a:t>
+            </a:r>
+            <a:r>
+              <a:rPr lang="en-US" sz="2400" dirty="0" err="1">
+                <a:solidFill>
+                  <a:srgbClr val="569CD6"/>
+                </a:solidFill>
+                <a:latin typeface="Consolas" panose="020B0609020204030204" pitchFamily="49" charset="0"/>
+              </a:rPr>
+              <a:t>arr</a:t>
+            </a:r>
+            <a:r>
+              <a:rPr lang="en-US" sz="2400" dirty="0">
+                <a:solidFill>
+                  <a:srgbClr val="569CD6"/>
+                </a:solidFill>
+                <a:latin typeface="Consolas" panose="020B0609020204030204" pitchFamily="49" charset="0"/>
+              </a:rPr>
+              <a:t>[j + 1] = </a:t>
+            </a:r>
+            <a:r>
+              <a:rPr lang="en-US" sz="2400" dirty="0" err="1">
+                <a:solidFill>
+                  <a:srgbClr val="569CD6"/>
+                </a:solidFill>
+                <a:latin typeface="Consolas" panose="020B0609020204030204" pitchFamily="49" charset="0"/>
+              </a:rPr>
+              <a:t>arr</a:t>
+            </a:r>
+            <a:r>
+              <a:rPr lang="en-US" sz="2400" dirty="0">
+                <a:solidFill>
+                  <a:srgbClr val="569CD6"/>
+                </a:solidFill>
+                <a:latin typeface="Consolas" panose="020B0609020204030204" pitchFamily="49" charset="0"/>
+              </a:rPr>
+              <a:t>[j] </a:t>
+            </a:r>
+          </a:p>
+          <a:p>
+            <a:pPr marL="0" indent="0">
+              <a:buNone/>
+            </a:pPr>
+            <a:r>
+              <a:rPr lang="en-US" sz="2400" dirty="0">
+                <a:solidFill>
+                  <a:srgbClr val="569CD6"/>
+                </a:solidFill>
+                <a:latin typeface="Consolas" panose="020B0609020204030204" pitchFamily="49" charset="0"/>
+              </a:rPr>
+              <a:t>                j -= 1</a:t>
+            </a:r>
+          </a:p>
+          <a:p>
+            <a:pPr marL="0" indent="0">
+              <a:buNone/>
+            </a:pPr>
+            <a:r>
+              <a:rPr lang="en-US" sz="2400" dirty="0">
+                <a:solidFill>
+                  <a:srgbClr val="569CD6"/>
+                </a:solidFill>
+                <a:latin typeface="Consolas" panose="020B0609020204030204" pitchFamily="49" charset="0"/>
+              </a:rPr>
+              <a:t>        </a:t>
+            </a:r>
+            <a:r>
+              <a:rPr lang="en-US" sz="2400" dirty="0" err="1">
+                <a:solidFill>
+                  <a:srgbClr val="569CD6"/>
+                </a:solidFill>
+                <a:latin typeface="Consolas" panose="020B0609020204030204" pitchFamily="49" charset="0"/>
+              </a:rPr>
+              <a:t>arr</a:t>
+            </a:r>
+            <a:r>
+              <a:rPr lang="en-US" sz="2400" dirty="0">
+                <a:solidFill>
+                  <a:srgbClr val="569CD6"/>
+                </a:solidFill>
+                <a:latin typeface="Consolas" panose="020B0609020204030204" pitchFamily="49" charset="0"/>
+              </a:rPr>
+              <a:t>[j + 1] = key </a:t>
+            </a:r>
+            <a:r>
+              <a:rPr lang="en-US" sz="2400" dirty="0">
+                <a:solidFill>
+                  <a:srgbClr val="D4D4D4"/>
+                </a:solidFill>
+                <a:latin typeface="Consolas" panose="020B0609020204030204" pitchFamily="49" charset="0"/>
+              </a:rPr>
+              <a:t> </a:t>
+            </a:r>
+            <a:r>
+              <a:rPr lang="en-IN" sz="2400" b="1" dirty="0">
+                <a:solidFill>
+                  <a:srgbClr val="FFFF00"/>
+                </a:solidFill>
+              </a:rPr>
+              <a:t/>
+            </a:r>
+            <a:br>
+              <a:rPr lang="en-IN" sz="2400" b="1" dirty="0">
+                <a:solidFill>
+                  <a:srgbClr val="FFFF00"/>
+                </a:solidFill>
+              </a:rPr>
+            </a:br>
+            <a:endParaRPr lang="en-US" sz="2400" b="1" dirty="0" smtClean="0">
+              <a:solidFill>
+                <a:srgbClr val="FFFF00"/>
+              </a:solidFill>
+            </a:endParaRPr>
+          </a:p>
+        </p:txBody>
+      </p:sp>
+      <p:sp>
+        <p:nvSpPr>
+          <p:cNvPr id="5" name="Rectangle 4"/>
+          <p:cNvSpPr/>
+          <p:nvPr/>
+        </p:nvSpPr>
+        <p:spPr>
+          <a:xfrm>
+            <a:off x="8866909" y="1152372"/>
+            <a:ext cx="3075709" cy="5414682"/>
+          </a:xfrm>
+          <a:prstGeom prst="rect">
+            <a:avLst/>
+          </a:prstGeom>
+          <a:solidFill>
+            <a:schemeClr val="accent3">
+              <a:lumMod val="60000"/>
+              <a:lumOff val="40000"/>
+            </a:schemeClr>
+          </a:solidFill>
+        </p:spPr>
+        <p:style>
+          <a:lnRef idx="2">
+            <a:schemeClr val="accent1">
+              <a:shade val="50000"/>
+            </a:schemeClr>
+          </a:lnRef>
+          <a:fillRef idx="1">
+            <a:schemeClr val="accent1"/>
+          </a:fillRef>
+          <a:effectRef idx="0">
+            <a:schemeClr val="accent1"/>
+          </a:effectRef>
+          <a:fontRef idx="minor">
+            <a:schemeClr val="lt1"/>
+          </a:fontRef>
+        </p:style>
+        <p:txBody>
+          <a:bodyPr rtlCol="0" anchor="t"/>
+          <a:lstStyle/>
+          <a:p>
+            <a:endParaRPr lang="en-US" sz="2800" dirty="0" smtClean="0">
+              <a:solidFill>
+                <a:schemeClr val="bg1">
+                  <a:lumMod val="95000"/>
+                  <a:lumOff val="5000"/>
+                </a:schemeClr>
+              </a:solidFill>
+            </a:endParaRPr>
+          </a:p>
+          <a:p>
+            <a:endParaRPr lang="en-US" sz="2800" dirty="0">
+              <a:solidFill>
+                <a:schemeClr val="bg1">
+                  <a:lumMod val="95000"/>
+                  <a:lumOff val="5000"/>
+                </a:schemeClr>
+              </a:solidFill>
+            </a:endParaRPr>
           </a:p>
         </p:txBody>
       </p:sp>
     </p:spTree>
     <p:extLst>
       <p:ext uri="{BB962C8B-B14F-4D97-AF65-F5344CB8AC3E}">
-        <p14:creationId xmlns:p14="http://schemas.microsoft.com/office/powerpoint/2010/main" val="754228550"/>
+        <p14:creationId xmlns:p14="http://schemas.microsoft.com/office/powerpoint/2010/main" val="3012687505"/>
+      </p:ext>
+    </p:extLst>
+  </p:cSld>
+  <p:clrMapOvr>
+    <a:masterClrMapping/>
+  </p:clrMapOvr>
+  <p:timing>
+    <p:tnLst>
+      <p:par>
+        <p:cTn id="1" dur="indefinite" restart="never" nodeType="tmRoot"/>
+      </p:par>
+    </p:tnLst>
+  </p:timing>
+</p:sld>
+</file>
+
+<file path=ppt/slides/slide36.xml><?xml version="1.0" encoding="utf-8"?>
+<p:sld xmlns:a="http://schemas.openxmlformats.org/drawingml/2006/main" xmlns:r="http://schemas.openxmlformats.org/officeDocument/2006/relationships" xmlns:p="http://schemas.openxmlformats.org/presentationml/2006/main">
+  <p:cSld>
+    <p:spTree>
+      <p:nvGrpSpPr>
+        <p:cNvPr id="1" name=""/>
+        <p:cNvGrpSpPr/>
+        <p:nvPr/>
+      </p:nvGrpSpPr>
+      <p:grpSpPr>
+        <a:xfrm>
+          <a:off x="0" y="0"/>
+          <a:ext cx="0" cy="0"/>
+          <a:chOff x="0" y="0"/>
+          <a:chExt cx="0" cy="0"/>
+        </a:xfrm>
+      </p:grpSpPr>
+      <p:sp>
+        <p:nvSpPr>
+          <p:cNvPr id="2" name="Title 1"/>
+          <p:cNvSpPr>
+            <a:spLocks noGrp="1"/>
+          </p:cNvSpPr>
+          <p:nvPr>
+            <p:ph type="title"/>
+          </p:nvPr>
+        </p:nvSpPr>
+        <p:spPr>
+          <a:xfrm>
+            <a:off x="646111" y="452718"/>
+            <a:ext cx="10562217" cy="1400530"/>
+          </a:xfrm>
+        </p:spPr>
+        <p:txBody>
+          <a:bodyPr/>
+          <a:lstStyle/>
+          <a:p>
+            <a:r>
+              <a:rPr lang="en-US" dirty="0" smtClean="0"/>
+              <a:t>Insertion Sort</a:t>
+            </a:r>
+            <a:endParaRPr lang="en-IN" dirty="0"/>
+          </a:p>
+        </p:txBody>
+      </p:sp>
+      <p:sp>
+        <p:nvSpPr>
+          <p:cNvPr id="4" name="Content Placeholder 2"/>
+          <p:cNvSpPr>
+            <a:spLocks noGrp="1"/>
+          </p:cNvSpPr>
+          <p:nvPr>
+            <p:ph idx="1"/>
+          </p:nvPr>
+        </p:nvSpPr>
+        <p:spPr>
+          <a:xfrm>
+            <a:off x="188913" y="1152371"/>
+            <a:ext cx="8677996" cy="5567083"/>
+          </a:xfrm>
+          <a:solidFill>
+            <a:srgbClr val="002060"/>
+          </a:solidFill>
+        </p:spPr>
+        <p:txBody>
+          <a:bodyPr>
+            <a:noAutofit/>
+          </a:bodyPr>
+          <a:lstStyle/>
+          <a:p>
+            <a:pPr marL="0" indent="0">
+              <a:buNone/>
+            </a:pPr>
+            <a:r>
+              <a:rPr lang="en-US" sz="2400" dirty="0" err="1">
+                <a:solidFill>
+                  <a:srgbClr val="569CD6"/>
+                </a:solidFill>
+                <a:latin typeface="Consolas" panose="020B0609020204030204" pitchFamily="49" charset="0"/>
+              </a:rPr>
+              <a:t>def</a:t>
+            </a:r>
+            <a:r>
+              <a:rPr lang="en-US" sz="2400" dirty="0">
+                <a:solidFill>
+                  <a:srgbClr val="569CD6"/>
+                </a:solidFill>
+                <a:latin typeface="Consolas" panose="020B0609020204030204" pitchFamily="49" charset="0"/>
+              </a:rPr>
+              <a:t> </a:t>
+            </a:r>
+            <a:r>
+              <a:rPr lang="en-US" sz="2400" dirty="0" err="1">
+                <a:solidFill>
+                  <a:srgbClr val="569CD6"/>
+                </a:solidFill>
+                <a:latin typeface="Consolas" panose="020B0609020204030204" pitchFamily="49" charset="0"/>
+              </a:rPr>
+              <a:t>insertionSort</a:t>
+            </a:r>
+            <a:r>
+              <a:rPr lang="en-US" sz="2400" dirty="0">
+                <a:solidFill>
+                  <a:srgbClr val="569CD6"/>
+                </a:solidFill>
+                <a:latin typeface="Consolas" panose="020B0609020204030204" pitchFamily="49" charset="0"/>
+              </a:rPr>
+              <a:t>(</a:t>
+            </a:r>
+            <a:r>
+              <a:rPr lang="en-US" sz="2400" dirty="0" err="1">
+                <a:solidFill>
+                  <a:srgbClr val="569CD6"/>
+                </a:solidFill>
+                <a:latin typeface="Consolas" panose="020B0609020204030204" pitchFamily="49" charset="0"/>
+              </a:rPr>
+              <a:t>arr</a:t>
+            </a:r>
+            <a:r>
+              <a:rPr lang="en-US" sz="2400" dirty="0">
+                <a:solidFill>
+                  <a:srgbClr val="569CD6"/>
+                </a:solidFill>
+                <a:latin typeface="Consolas" panose="020B0609020204030204" pitchFamily="49" charset="0"/>
+              </a:rPr>
+              <a:t>): </a:t>
+            </a:r>
+          </a:p>
+          <a:p>
+            <a:pPr marL="0" indent="0">
+              <a:buNone/>
+            </a:pPr>
+            <a:r>
+              <a:rPr lang="en-US" sz="2400" dirty="0" smtClean="0">
+                <a:solidFill>
+                  <a:srgbClr val="569CD6"/>
+                </a:solidFill>
+                <a:latin typeface="Consolas" panose="020B0609020204030204" pitchFamily="49" charset="0"/>
+              </a:rPr>
+              <a:t>	for </a:t>
+            </a:r>
+            <a:r>
+              <a:rPr lang="en-US" sz="2400" dirty="0" err="1">
+                <a:solidFill>
+                  <a:srgbClr val="569CD6"/>
+                </a:solidFill>
+                <a:latin typeface="Consolas" panose="020B0609020204030204" pitchFamily="49" charset="0"/>
+              </a:rPr>
+              <a:t>i</a:t>
+            </a:r>
+            <a:r>
+              <a:rPr lang="en-US" sz="2400" dirty="0">
+                <a:solidFill>
+                  <a:srgbClr val="569CD6"/>
+                </a:solidFill>
+                <a:latin typeface="Consolas" panose="020B0609020204030204" pitchFamily="49" charset="0"/>
+              </a:rPr>
+              <a:t> in range(1, </a:t>
+            </a:r>
+            <a:r>
+              <a:rPr lang="en-US" sz="2400" dirty="0" err="1">
+                <a:solidFill>
+                  <a:srgbClr val="569CD6"/>
+                </a:solidFill>
+                <a:latin typeface="Consolas" panose="020B0609020204030204" pitchFamily="49" charset="0"/>
+              </a:rPr>
+              <a:t>len</a:t>
+            </a:r>
+            <a:r>
+              <a:rPr lang="en-US" sz="2400" dirty="0">
+                <a:solidFill>
+                  <a:srgbClr val="569CD6"/>
+                </a:solidFill>
+                <a:latin typeface="Consolas" panose="020B0609020204030204" pitchFamily="49" charset="0"/>
+              </a:rPr>
+              <a:t>(</a:t>
+            </a:r>
+            <a:r>
+              <a:rPr lang="en-US" sz="2400" dirty="0" err="1">
+                <a:solidFill>
+                  <a:srgbClr val="569CD6"/>
+                </a:solidFill>
+                <a:latin typeface="Consolas" panose="020B0609020204030204" pitchFamily="49" charset="0"/>
+              </a:rPr>
+              <a:t>arr</a:t>
+            </a:r>
+            <a:r>
+              <a:rPr lang="en-US" sz="2400" dirty="0">
+                <a:solidFill>
+                  <a:srgbClr val="569CD6"/>
+                </a:solidFill>
+                <a:latin typeface="Consolas" panose="020B0609020204030204" pitchFamily="49" charset="0"/>
+              </a:rPr>
+              <a:t>)): </a:t>
+            </a:r>
+          </a:p>
+          <a:p>
+            <a:pPr marL="0" indent="0">
+              <a:buNone/>
+            </a:pPr>
+            <a:r>
+              <a:rPr lang="en-US" sz="2400" dirty="0">
+                <a:solidFill>
+                  <a:srgbClr val="569CD6"/>
+                </a:solidFill>
+                <a:latin typeface="Consolas" panose="020B0609020204030204" pitchFamily="49" charset="0"/>
+              </a:rPr>
+              <a:t>  </a:t>
+            </a:r>
+            <a:r>
+              <a:rPr lang="en-US" sz="2400" dirty="0" smtClean="0">
+                <a:solidFill>
+                  <a:srgbClr val="569CD6"/>
+                </a:solidFill>
+                <a:latin typeface="Consolas" panose="020B0609020204030204" pitchFamily="49" charset="0"/>
+              </a:rPr>
+              <a:t>		key </a:t>
+            </a:r>
+            <a:r>
+              <a:rPr lang="en-US" sz="2400" dirty="0">
+                <a:solidFill>
+                  <a:srgbClr val="569CD6"/>
+                </a:solidFill>
+                <a:latin typeface="Consolas" panose="020B0609020204030204" pitchFamily="49" charset="0"/>
+              </a:rPr>
+              <a:t>= </a:t>
+            </a:r>
+            <a:r>
+              <a:rPr lang="en-US" sz="2400" dirty="0" err="1">
+                <a:solidFill>
+                  <a:srgbClr val="569CD6"/>
+                </a:solidFill>
+                <a:latin typeface="Consolas" panose="020B0609020204030204" pitchFamily="49" charset="0"/>
+              </a:rPr>
+              <a:t>arr</a:t>
+            </a:r>
+            <a:r>
+              <a:rPr lang="en-US" sz="2400" dirty="0">
+                <a:solidFill>
+                  <a:srgbClr val="569CD6"/>
+                </a:solidFill>
+                <a:latin typeface="Consolas" panose="020B0609020204030204" pitchFamily="49" charset="0"/>
+              </a:rPr>
+              <a:t>[</a:t>
+            </a:r>
+            <a:r>
+              <a:rPr lang="en-US" sz="2400" dirty="0" err="1">
+                <a:solidFill>
+                  <a:srgbClr val="569CD6"/>
+                </a:solidFill>
+                <a:latin typeface="Consolas" panose="020B0609020204030204" pitchFamily="49" charset="0"/>
+              </a:rPr>
+              <a:t>i</a:t>
+            </a:r>
+            <a:r>
+              <a:rPr lang="en-US" sz="2400" dirty="0">
+                <a:solidFill>
+                  <a:srgbClr val="569CD6"/>
+                </a:solidFill>
+                <a:latin typeface="Consolas" panose="020B0609020204030204" pitchFamily="49" charset="0"/>
+              </a:rPr>
+              <a:t>] </a:t>
+            </a:r>
+          </a:p>
+          <a:p>
+            <a:pPr marL="0" indent="0">
+              <a:buNone/>
+            </a:pPr>
+            <a:r>
+              <a:rPr lang="en-US" sz="2400" dirty="0">
+                <a:solidFill>
+                  <a:srgbClr val="569CD6"/>
+                </a:solidFill>
+                <a:latin typeface="Consolas" panose="020B0609020204030204" pitchFamily="49" charset="0"/>
+              </a:rPr>
+              <a:t> </a:t>
+            </a:r>
+            <a:r>
+              <a:rPr lang="en-US" sz="2400" dirty="0" smtClean="0">
+                <a:solidFill>
+                  <a:srgbClr val="569CD6"/>
+                </a:solidFill>
+                <a:latin typeface="Consolas" panose="020B0609020204030204" pitchFamily="49" charset="0"/>
+              </a:rPr>
+              <a:t>			# </a:t>
+            </a:r>
+            <a:r>
+              <a:rPr lang="en-US" sz="2400" dirty="0">
+                <a:solidFill>
+                  <a:srgbClr val="569CD6"/>
+                </a:solidFill>
+                <a:latin typeface="Consolas" panose="020B0609020204030204" pitchFamily="49" charset="0"/>
+              </a:rPr>
+              <a:t>Move elements of </a:t>
+            </a:r>
+            <a:r>
+              <a:rPr lang="en-US" sz="2400" dirty="0" err="1">
+                <a:solidFill>
+                  <a:srgbClr val="569CD6"/>
+                </a:solidFill>
+                <a:latin typeface="Consolas" panose="020B0609020204030204" pitchFamily="49" charset="0"/>
+              </a:rPr>
+              <a:t>arr</a:t>
+            </a:r>
+            <a:r>
+              <a:rPr lang="en-US" sz="2400" dirty="0">
+                <a:solidFill>
+                  <a:srgbClr val="569CD6"/>
+                </a:solidFill>
+                <a:latin typeface="Consolas" panose="020B0609020204030204" pitchFamily="49" charset="0"/>
+              </a:rPr>
+              <a:t>[0..i-1], that are </a:t>
+            </a:r>
+          </a:p>
+          <a:p>
+            <a:pPr marL="0" indent="0">
+              <a:buNone/>
+            </a:pPr>
+            <a:r>
+              <a:rPr lang="en-US" sz="2400" dirty="0">
+                <a:solidFill>
+                  <a:srgbClr val="569CD6"/>
+                </a:solidFill>
+                <a:latin typeface="Consolas" panose="020B0609020204030204" pitchFamily="49" charset="0"/>
+              </a:rPr>
+              <a:t>        # greater than key, to one position ahead </a:t>
+            </a:r>
+          </a:p>
+          <a:p>
+            <a:pPr marL="0" indent="0">
+              <a:buNone/>
+            </a:pPr>
+            <a:r>
+              <a:rPr lang="en-US" sz="2400" dirty="0">
+                <a:solidFill>
+                  <a:srgbClr val="569CD6"/>
+                </a:solidFill>
+                <a:latin typeface="Consolas" panose="020B0609020204030204" pitchFamily="49" charset="0"/>
+              </a:rPr>
+              <a:t>        # of their current position </a:t>
+            </a:r>
+          </a:p>
+          <a:p>
+            <a:pPr marL="0" indent="0">
+              <a:buNone/>
+            </a:pPr>
+            <a:r>
+              <a:rPr lang="en-US" sz="2400" dirty="0">
+                <a:solidFill>
+                  <a:srgbClr val="569CD6"/>
+                </a:solidFill>
+                <a:latin typeface="Consolas" panose="020B0609020204030204" pitchFamily="49" charset="0"/>
+              </a:rPr>
+              <a:t>        j = i-1</a:t>
+            </a:r>
+          </a:p>
+          <a:p>
+            <a:pPr marL="0" indent="0">
+              <a:buNone/>
+            </a:pPr>
+            <a:r>
+              <a:rPr lang="en-US" sz="2400" dirty="0">
+                <a:solidFill>
+                  <a:srgbClr val="569CD6"/>
+                </a:solidFill>
+                <a:latin typeface="Consolas" panose="020B0609020204030204" pitchFamily="49" charset="0"/>
+              </a:rPr>
+              <a:t>        while j &gt;= 0 and key &lt; </a:t>
+            </a:r>
+            <a:r>
+              <a:rPr lang="en-US" sz="2400" dirty="0" err="1">
+                <a:solidFill>
+                  <a:srgbClr val="569CD6"/>
+                </a:solidFill>
+                <a:latin typeface="Consolas" panose="020B0609020204030204" pitchFamily="49" charset="0"/>
+              </a:rPr>
+              <a:t>arr</a:t>
+            </a:r>
+            <a:r>
+              <a:rPr lang="en-US" sz="2400" dirty="0">
+                <a:solidFill>
+                  <a:srgbClr val="569CD6"/>
+                </a:solidFill>
+                <a:latin typeface="Consolas" panose="020B0609020204030204" pitchFamily="49" charset="0"/>
+              </a:rPr>
+              <a:t>[j] : </a:t>
+            </a:r>
+          </a:p>
+          <a:p>
+            <a:pPr marL="0" indent="0">
+              <a:buNone/>
+            </a:pPr>
+            <a:r>
+              <a:rPr lang="en-US" sz="2400" dirty="0">
+                <a:solidFill>
+                  <a:srgbClr val="569CD6"/>
+                </a:solidFill>
+                <a:latin typeface="Consolas" panose="020B0609020204030204" pitchFamily="49" charset="0"/>
+              </a:rPr>
+              <a:t>                </a:t>
+            </a:r>
+            <a:r>
+              <a:rPr lang="en-US" sz="2400" dirty="0" err="1">
+                <a:solidFill>
+                  <a:srgbClr val="569CD6"/>
+                </a:solidFill>
+                <a:latin typeface="Consolas" panose="020B0609020204030204" pitchFamily="49" charset="0"/>
+              </a:rPr>
+              <a:t>arr</a:t>
+            </a:r>
+            <a:r>
+              <a:rPr lang="en-US" sz="2400" dirty="0">
+                <a:solidFill>
+                  <a:srgbClr val="569CD6"/>
+                </a:solidFill>
+                <a:latin typeface="Consolas" panose="020B0609020204030204" pitchFamily="49" charset="0"/>
+              </a:rPr>
+              <a:t>[j + 1] = </a:t>
+            </a:r>
+            <a:r>
+              <a:rPr lang="en-US" sz="2400" dirty="0" err="1">
+                <a:solidFill>
+                  <a:srgbClr val="569CD6"/>
+                </a:solidFill>
+                <a:latin typeface="Consolas" panose="020B0609020204030204" pitchFamily="49" charset="0"/>
+              </a:rPr>
+              <a:t>arr</a:t>
+            </a:r>
+            <a:r>
+              <a:rPr lang="en-US" sz="2400" dirty="0">
+                <a:solidFill>
+                  <a:srgbClr val="569CD6"/>
+                </a:solidFill>
+                <a:latin typeface="Consolas" panose="020B0609020204030204" pitchFamily="49" charset="0"/>
+              </a:rPr>
+              <a:t>[j] </a:t>
+            </a:r>
+          </a:p>
+          <a:p>
+            <a:pPr marL="0" indent="0">
+              <a:buNone/>
+            </a:pPr>
+            <a:r>
+              <a:rPr lang="en-US" sz="2400" dirty="0">
+                <a:solidFill>
+                  <a:srgbClr val="569CD6"/>
+                </a:solidFill>
+                <a:latin typeface="Consolas" panose="020B0609020204030204" pitchFamily="49" charset="0"/>
+              </a:rPr>
+              <a:t>                j -= 1</a:t>
+            </a:r>
+          </a:p>
+          <a:p>
+            <a:pPr marL="0" indent="0">
+              <a:buNone/>
+            </a:pPr>
+            <a:r>
+              <a:rPr lang="en-US" sz="2400" dirty="0">
+                <a:solidFill>
+                  <a:srgbClr val="569CD6"/>
+                </a:solidFill>
+                <a:latin typeface="Consolas" panose="020B0609020204030204" pitchFamily="49" charset="0"/>
+              </a:rPr>
+              <a:t>        </a:t>
+            </a:r>
+            <a:r>
+              <a:rPr lang="en-US" sz="2400" dirty="0" err="1">
+                <a:solidFill>
+                  <a:srgbClr val="569CD6"/>
+                </a:solidFill>
+                <a:latin typeface="Consolas" panose="020B0609020204030204" pitchFamily="49" charset="0"/>
+              </a:rPr>
+              <a:t>arr</a:t>
+            </a:r>
+            <a:r>
+              <a:rPr lang="en-US" sz="2400" dirty="0">
+                <a:solidFill>
+                  <a:srgbClr val="569CD6"/>
+                </a:solidFill>
+                <a:latin typeface="Consolas" panose="020B0609020204030204" pitchFamily="49" charset="0"/>
+              </a:rPr>
+              <a:t>[j + 1] = key </a:t>
+            </a:r>
+            <a:r>
+              <a:rPr lang="en-US" sz="2400" dirty="0">
+                <a:solidFill>
+                  <a:srgbClr val="D4D4D4"/>
+                </a:solidFill>
+                <a:latin typeface="Consolas" panose="020B0609020204030204" pitchFamily="49" charset="0"/>
+              </a:rPr>
+              <a:t> </a:t>
+            </a:r>
+            <a:r>
+              <a:rPr lang="en-IN" sz="2400" b="1" dirty="0">
+                <a:solidFill>
+                  <a:srgbClr val="FFFF00"/>
+                </a:solidFill>
+              </a:rPr>
+              <a:t/>
+            </a:r>
+            <a:br>
+              <a:rPr lang="en-IN" sz="2400" b="1" dirty="0">
+                <a:solidFill>
+                  <a:srgbClr val="FFFF00"/>
+                </a:solidFill>
+              </a:rPr>
+            </a:br>
+            <a:endParaRPr lang="en-US" sz="2400" b="1" dirty="0" smtClean="0">
+              <a:solidFill>
+                <a:srgbClr val="FFFF00"/>
+              </a:solidFill>
+            </a:endParaRPr>
+          </a:p>
+        </p:txBody>
+      </p:sp>
+      <p:sp>
+        <p:nvSpPr>
+          <p:cNvPr id="5" name="Rectangle 4"/>
+          <p:cNvSpPr/>
+          <p:nvPr/>
+        </p:nvSpPr>
+        <p:spPr>
+          <a:xfrm>
+            <a:off x="8866909" y="1152372"/>
+            <a:ext cx="3075709" cy="5414682"/>
+          </a:xfrm>
+          <a:prstGeom prst="rect">
+            <a:avLst/>
+          </a:prstGeom>
+          <a:solidFill>
+            <a:schemeClr val="accent3">
+              <a:lumMod val="60000"/>
+              <a:lumOff val="40000"/>
+            </a:schemeClr>
+          </a:solidFill>
+        </p:spPr>
+        <p:style>
+          <a:lnRef idx="2">
+            <a:schemeClr val="accent1">
+              <a:shade val="50000"/>
+            </a:schemeClr>
+          </a:lnRef>
+          <a:fillRef idx="1">
+            <a:schemeClr val="accent1"/>
+          </a:fillRef>
+          <a:effectRef idx="0">
+            <a:schemeClr val="accent1"/>
+          </a:effectRef>
+          <a:fontRef idx="minor">
+            <a:schemeClr val="lt1"/>
+          </a:fontRef>
+        </p:style>
+        <p:txBody>
+          <a:bodyPr rtlCol="0" anchor="t"/>
+          <a:lstStyle/>
+          <a:p>
+            <a:endParaRPr lang="en-US" sz="2800" dirty="0" smtClean="0">
+              <a:solidFill>
+                <a:schemeClr val="bg1">
+                  <a:lumMod val="95000"/>
+                  <a:lumOff val="5000"/>
+                </a:schemeClr>
+              </a:solidFill>
+            </a:endParaRPr>
+          </a:p>
+          <a:p>
+            <a:endParaRPr lang="en-US" sz="2800" dirty="0">
+              <a:solidFill>
+                <a:schemeClr val="bg1">
+                  <a:lumMod val="95000"/>
+                  <a:lumOff val="5000"/>
+                </a:schemeClr>
+              </a:solidFill>
+            </a:endParaRPr>
+          </a:p>
+        </p:txBody>
+      </p:sp>
+    </p:spTree>
+    <p:extLst>
+      <p:ext uri="{BB962C8B-B14F-4D97-AF65-F5344CB8AC3E}">
+        <p14:creationId xmlns:p14="http://schemas.microsoft.com/office/powerpoint/2010/main" val="753343682"/>
       </p:ext>
     </p:extLst>
   </p:cSld>
